--- a/chapter6/Deep Learning 6강(RNN).pptx
+++ b/chapter6/Deep Learning 6강(RNN).pptx
@@ -5,7 +5,7 @@
     <p:sldMasterId id="2147483656" r:id="rId1"/>
   </p:sldMasterIdLst>
   <p:notesMasterIdLst>
-    <p:notesMasterId r:id="rId30"/>
+    <p:notesMasterId r:id="rId31"/>
   </p:notesMasterIdLst>
   <p:sldIdLst>
     <p:sldId id="257" r:id="rId2"/>
@@ -25,33 +25,34 @@
     <p:sldId id="357" r:id="rId16"/>
     <p:sldId id="358" r:id="rId17"/>
     <p:sldId id="365" r:id="rId18"/>
-    <p:sldId id="280" r:id="rId19"/>
-    <p:sldId id="360" r:id="rId20"/>
-    <p:sldId id="359" r:id="rId21"/>
-    <p:sldId id="361" r:id="rId22"/>
-    <p:sldId id="362" r:id="rId23"/>
-    <p:sldId id="363" r:id="rId24"/>
-    <p:sldId id="364" r:id="rId25"/>
-    <p:sldId id="267" r:id="rId26"/>
-    <p:sldId id="334" r:id="rId27"/>
-    <p:sldId id="366" r:id="rId28"/>
-    <p:sldId id="269" r:id="rId29"/>
+    <p:sldId id="367" r:id="rId19"/>
+    <p:sldId id="280" r:id="rId20"/>
+    <p:sldId id="360" r:id="rId21"/>
+    <p:sldId id="359" r:id="rId22"/>
+    <p:sldId id="361" r:id="rId23"/>
+    <p:sldId id="362" r:id="rId24"/>
+    <p:sldId id="363" r:id="rId25"/>
+    <p:sldId id="364" r:id="rId26"/>
+    <p:sldId id="267" r:id="rId27"/>
+    <p:sldId id="334" r:id="rId28"/>
+    <p:sldId id="366" r:id="rId29"/>
+    <p:sldId id="269" r:id="rId30"/>
   </p:sldIdLst>
   <p:sldSz cx="12192000" cy="6858000"/>
   <p:notesSz cx="6858000" cy="9144000"/>
   <p:embeddedFontLst>
     <p:embeddedFont>
       <p:font typeface="나눔스퀘어 Bold" panose="020B0600000101010101" pitchFamily="50" charset="-127"/>
-      <p:bold r:id="rId31"/>
+      <p:bold r:id="rId32"/>
     </p:embeddedFont>
     <p:embeddedFont>
       <p:font typeface="나눔스퀘어 ExtraBold" panose="020B0600000101010101" pitchFamily="50" charset="-127"/>
-      <p:bold r:id="rId32"/>
+      <p:bold r:id="rId33"/>
     </p:embeddedFont>
     <p:embeddedFont>
       <p:font typeface="맑은 고딕" panose="020B0503020000020004" pitchFamily="50" charset="-127"/>
-      <p:regular r:id="rId33"/>
-      <p:bold r:id="rId34"/>
+      <p:regular r:id="rId34"/>
+      <p:bold r:id="rId35"/>
     </p:embeddedFont>
   </p:embeddedFontLst>
   <p:defaultTextStyle>
@@ -239,7 +240,7 @@
           <a:p>
             <a:fld id="{17FB36FB-C10C-479A-9DFD-15DEB134881C}" type="datetimeFigureOut">
               <a:rPr lang="ko-KR" altLang="en-US" smtClean="0"/>
-              <a:t>2019-09-15</a:t>
+              <a:t>2019-09-17</a:t>
             </a:fld>
             <a:endParaRPr lang="ko-KR" altLang="en-US"/>
           </a:p>
@@ -5931,8 +5932,8 @@
         </p:nvSpPr>
         <p:spPr>
           <a:xfrm>
-            <a:off x="3560124" y="2754974"/>
-            <a:ext cx="5244241" cy="2627964"/>
+            <a:off x="3682885" y="5280463"/>
+            <a:ext cx="4826230" cy="781304"/>
           </a:xfrm>
           <a:prstGeom prst="rect">
             <a:avLst/>
@@ -5945,11 +5946,28 @@
           </a:bodyPr>
           <a:lstStyle/>
           <a:p>
-            <a:pPr>
+            <a:pPr marL="171450" indent="-171450">
               <a:lnSpc>
                 <a:spcPct val="200000"/>
               </a:lnSpc>
+              <a:buFont typeface="Arial" panose="020B0604020202020204" pitchFamily="34" charset="0"/>
+              <a:buChar char="•"/>
             </a:pPr>
+            <a:r>
+              <a:rPr lang="ko-KR" altLang="en-US" sz="1200" spc="-100">
+                <a:ln>
+                  <a:solidFill>
+                    <a:schemeClr val="bg1">
+                      <a:lumMod val="65000"/>
+                      <a:alpha val="0"/>
+                    </a:schemeClr>
+                  </a:solidFill>
+                </a:ln>
+                <a:latin typeface="나눔스퀘어 Bold" panose="020B0600000101010101" pitchFamily="50" charset="-127"/>
+                <a:ea typeface="나눔스퀘어 Bold" panose="020B0600000101010101" pitchFamily="50" charset="-127"/>
+              </a:rPr>
+              <a:t>장기 의존성 </a:t>
+            </a:r>
             <a:r>
               <a:rPr lang="en-US" altLang="ko-KR" sz="1200" spc="-100">
                 <a:ln>
@@ -5963,31 +5981,7 @@
                 <a:latin typeface="나눔스퀘어 Bold" panose="020B0600000101010101" pitchFamily="50" charset="-127"/>
                 <a:ea typeface="나눔스퀘어 Bold" panose="020B0600000101010101" pitchFamily="50" charset="-127"/>
               </a:rPr>
-              <a:t>1. He like apple. </a:t>
-            </a:r>
-          </a:p>
-          <a:p>
-            <a:pPr marL="171450" indent="-171450">
-              <a:lnSpc>
-                <a:spcPct val="200000"/>
-              </a:lnSpc>
-              <a:buFontTx/>
-              <a:buChar char="-"/>
-            </a:pPr>
-            <a:r>
-              <a:rPr lang="en-US" altLang="ko-KR" sz="1200" spc="-100">
-                <a:ln>
-                  <a:solidFill>
-                    <a:schemeClr val="bg1">
-                      <a:lumMod val="65000"/>
-                      <a:alpha val="0"/>
-                    </a:schemeClr>
-                  </a:solidFill>
-                </a:ln>
-                <a:latin typeface="나눔스퀘어 Bold" panose="020B0600000101010101" pitchFamily="50" charset="-127"/>
-                <a:ea typeface="나눔스퀘어 Bold" panose="020B0600000101010101" pitchFamily="50" charset="-127"/>
-              </a:rPr>
-              <a:t>apple</a:t>
+              <a:t>( Long – Term Dependency )</a:t>
             </a:r>
             <a:r>
               <a:rPr lang="ko-KR" altLang="en-US" sz="1200" spc="-100">
@@ -6002,69 +5996,8 @@
                 <a:latin typeface="나눔스퀘어 Bold" panose="020B0600000101010101" pitchFamily="50" charset="-127"/>
                 <a:ea typeface="나눔스퀘어 Bold" panose="020B0600000101010101" pitchFamily="50" charset="-127"/>
               </a:rPr>
-              <a:t>이 나올 확률은  </a:t>
-            </a:r>
-            <a:r>
-              <a:rPr lang="en-US" altLang="ko-KR" sz="1200" spc="-100">
-                <a:ln>
-                  <a:solidFill>
-                    <a:schemeClr val="bg1">
-                      <a:lumMod val="65000"/>
-                      <a:alpha val="0"/>
-                    </a:schemeClr>
-                  </a:solidFill>
-                </a:ln>
-                <a:latin typeface="나눔스퀘어 Bold" panose="020B0600000101010101" pitchFamily="50" charset="-127"/>
-                <a:ea typeface="나눔스퀘어 Bold" panose="020B0600000101010101" pitchFamily="50" charset="-127"/>
-              </a:rPr>
-              <a:t>P(apple | He, like ) </a:t>
-            </a:r>
-          </a:p>
-          <a:p>
-            <a:pPr marL="171450" indent="-171450">
-              <a:lnSpc>
-                <a:spcPct val="200000"/>
-              </a:lnSpc>
-              <a:buFontTx/>
-              <a:buChar char="-"/>
-            </a:pPr>
-            <a:r>
-              <a:rPr lang="ko-KR" altLang="en-US" sz="1200" spc="-100">
-                <a:ln>
-                  <a:solidFill>
-                    <a:schemeClr val="bg1">
-                      <a:lumMod val="65000"/>
-                      <a:alpha val="0"/>
-                    </a:schemeClr>
-                  </a:solidFill>
-                </a:ln>
-                <a:latin typeface="나눔스퀘어 Bold" panose="020B0600000101010101" pitchFamily="50" charset="-127"/>
-                <a:ea typeface="나눔스퀘어 Bold" panose="020B0600000101010101" pitchFamily="50" charset="-127"/>
-              </a:rPr>
-              <a:t>이전에 등장했던 단어들을 기반으로 다음에 나올 단어의 확률을 구할 수 있다</a:t>
-            </a:r>
-            <a:r>
-              <a:rPr lang="en-US" altLang="ko-KR" sz="1200" spc="-100">
-                <a:ln>
-                  <a:solidFill>
-                    <a:schemeClr val="bg1">
-                      <a:lumMod val="65000"/>
-                      <a:alpha val="0"/>
-                    </a:schemeClr>
-                  </a:solidFill>
-                </a:ln>
-                <a:latin typeface="나눔스퀘어 Bold" panose="020B0600000101010101" pitchFamily="50" charset="-127"/>
-                <a:ea typeface="나눔스퀘어 Bold" panose="020B0600000101010101" pitchFamily="50" charset="-127"/>
-              </a:rPr>
-              <a:t>.</a:t>
-            </a:r>
-          </a:p>
-          <a:p>
-            <a:pPr>
-              <a:lnSpc>
-                <a:spcPct val="200000"/>
-              </a:lnSpc>
-            </a:pPr>
+              <a:t>의 문제점</a:t>
+            </a:r>
             <a:endParaRPr lang="en-US" altLang="ko-KR" sz="1200" spc="-100">
               <a:ln>
                 <a:solidFill>
@@ -6079,11 +6012,28 @@
             </a:endParaRPr>
           </a:p>
           <a:p>
-            <a:pPr>
+            <a:pPr marL="171450" indent="-171450">
               <a:lnSpc>
                 <a:spcPct val="200000"/>
               </a:lnSpc>
+              <a:buFont typeface="Arial" panose="020B0604020202020204" pitchFamily="34" charset="0"/>
+              <a:buChar char="•"/>
             </a:pPr>
+            <a:r>
+              <a:rPr lang="ko-KR" altLang="en-US" sz="1200" spc="-100">
+                <a:ln>
+                  <a:solidFill>
+                    <a:schemeClr val="bg1">
+                      <a:lumMod val="65000"/>
+                      <a:alpha val="0"/>
+                    </a:schemeClr>
+                  </a:solidFill>
+                </a:ln>
+                <a:latin typeface="나눔스퀘어 Bold" panose="020B0600000101010101" pitchFamily="50" charset="-127"/>
+                <a:ea typeface="나눔스퀘어 Bold" panose="020B0600000101010101" pitchFamily="50" charset="-127"/>
+              </a:rPr>
+              <a:t>위와 같이 제공해야할 단어와 참고해야할 정보의 위치가 크지 않으면 문제가 없다</a:t>
+            </a:r>
             <a:r>
               <a:rPr lang="en-US" altLang="ko-KR" sz="1200" spc="-100">
                 <a:ln>
@@ -6097,17 +6047,8 @@
                 <a:latin typeface="나눔스퀘어 Bold" panose="020B0600000101010101" pitchFamily="50" charset="-127"/>
                 <a:ea typeface="나눔스퀘어 Bold" panose="020B0600000101010101" pitchFamily="50" charset="-127"/>
               </a:rPr>
-              <a:t>2. Tom was watching TV in his room. Mary came into the room. Mary said hi to ???</a:t>
-            </a:r>
-          </a:p>
-          <a:p>
-            <a:pPr marL="171450" indent="-171450">
-              <a:lnSpc>
-                <a:spcPct val="200000"/>
-              </a:lnSpc>
-              <a:buFontTx/>
-              <a:buChar char="-"/>
-            </a:pPr>
+              <a:t>. </a:t>
+            </a:r>
             <a:r>
               <a:rPr lang="ko-KR" altLang="en-US" sz="1200" spc="-100">
                 <a:ln>
@@ -6121,170 +6062,70 @@
                 <a:latin typeface="나눔스퀘어 Bold" panose="020B0600000101010101" pitchFamily="50" charset="-127"/>
                 <a:ea typeface="나눔스퀘어 Bold" panose="020B0600000101010101" pitchFamily="50" charset="-127"/>
               </a:rPr>
-              <a:t>위 문장에서 </a:t>
-            </a:r>
-            <a:r>
-              <a:rPr lang="en-US" altLang="ko-KR" sz="1200" spc="-100">
-                <a:ln>
-                  <a:solidFill>
-                    <a:schemeClr val="bg1">
-                      <a:lumMod val="65000"/>
-                      <a:alpha val="0"/>
-                    </a:schemeClr>
-                  </a:solidFill>
-                </a:ln>
-                <a:latin typeface="나눔스퀘어 Bold" panose="020B0600000101010101" pitchFamily="50" charset="-127"/>
-                <a:ea typeface="나눔스퀘어 Bold" panose="020B0600000101010101" pitchFamily="50" charset="-127"/>
-              </a:rPr>
-              <a:t>???</a:t>
-            </a:r>
-            <a:r>
-              <a:rPr lang="ko-KR" altLang="en-US" sz="1200" spc="-100">
-                <a:ln>
-                  <a:solidFill>
-                    <a:schemeClr val="bg1">
-                      <a:lumMod val="65000"/>
-                      <a:alpha val="0"/>
-                    </a:schemeClr>
-                  </a:solidFill>
-                </a:ln>
-                <a:latin typeface="나눔스퀘어 Bold" panose="020B0600000101010101" pitchFamily="50" charset="-127"/>
-                <a:ea typeface="나눔스퀘어 Bold" panose="020B0600000101010101" pitchFamily="50" charset="-127"/>
-              </a:rPr>
-              <a:t>에 들어갈 단어는 무엇인가</a:t>
-            </a:r>
-            <a:r>
-              <a:rPr lang="en-US" altLang="ko-KR" sz="1200" spc="-100">
-                <a:ln>
-                  <a:solidFill>
-                    <a:schemeClr val="bg1">
-                      <a:lumMod val="65000"/>
-                      <a:alpha val="0"/>
-                    </a:schemeClr>
-                  </a:solidFill>
-                </a:ln>
-                <a:latin typeface="나눔스퀘어 Bold" panose="020B0600000101010101" pitchFamily="50" charset="-127"/>
-                <a:ea typeface="나눔스퀘어 Bold" panose="020B0600000101010101" pitchFamily="50" charset="-127"/>
-              </a:rPr>
-              <a:t>?</a:t>
-            </a:r>
-          </a:p>
-          <a:p>
-            <a:pPr marL="171450" indent="-171450">
-              <a:lnSpc>
-                <a:spcPct val="200000"/>
-              </a:lnSpc>
-              <a:buFontTx/>
-              <a:buChar char="-"/>
-            </a:pPr>
-            <a:r>
-              <a:rPr lang="en-US" altLang="ko-KR" sz="1200" spc="-100">
-                <a:ln>
-                  <a:solidFill>
-                    <a:schemeClr val="bg1">
-                      <a:lumMod val="65000"/>
-                      <a:alpha val="0"/>
-                    </a:schemeClr>
-                  </a:solidFill>
-                </a:ln>
-                <a:latin typeface="나눔스퀘어 Bold" panose="020B0600000101010101" pitchFamily="50" charset="-127"/>
-                <a:ea typeface="나눔스퀘어 Bold" panose="020B0600000101010101" pitchFamily="50" charset="-127"/>
-              </a:rPr>
-              <a:t>???</a:t>
-            </a:r>
-            <a:r>
-              <a:rPr lang="ko-KR" altLang="en-US" sz="1200" spc="-100">
-                <a:ln>
-                  <a:solidFill>
-                    <a:schemeClr val="bg1">
-                      <a:lumMod val="65000"/>
-                      <a:alpha val="0"/>
-                    </a:schemeClr>
-                  </a:solidFill>
-                </a:ln>
-                <a:latin typeface="나눔스퀘어 Bold" panose="020B0600000101010101" pitchFamily="50" charset="-127"/>
-                <a:ea typeface="나눔스퀘어 Bold" panose="020B0600000101010101" pitchFamily="50" charset="-127"/>
-              </a:rPr>
-              <a:t>을 유추하기 위해서는 </a:t>
-            </a:r>
-            <a:r>
-              <a:rPr lang="en-US" altLang="ko-KR" sz="1200" spc="-100">
-                <a:ln>
-                  <a:solidFill>
-                    <a:schemeClr val="bg1">
-                      <a:lumMod val="65000"/>
-                      <a:alpha val="0"/>
-                    </a:schemeClr>
-                  </a:solidFill>
-                </a:ln>
-                <a:latin typeface="나눔스퀘어 Bold" panose="020B0600000101010101" pitchFamily="50" charset="-127"/>
-                <a:ea typeface="나눔스퀘어 Bold" panose="020B0600000101010101" pitchFamily="50" charset="-127"/>
-              </a:rPr>
-              <a:t>18</a:t>
-            </a:r>
-            <a:r>
-              <a:rPr lang="ko-KR" altLang="en-US" sz="1200" spc="-100">
-                <a:ln>
-                  <a:solidFill>
-                    <a:schemeClr val="bg1">
-                      <a:lumMod val="65000"/>
-                      <a:alpha val="0"/>
-                    </a:schemeClr>
-                  </a:solidFill>
-                </a:ln>
-                <a:latin typeface="나눔스퀘어 Bold" panose="020B0600000101010101" pitchFamily="50" charset="-127"/>
-                <a:ea typeface="나눔스퀘어 Bold" panose="020B0600000101010101" pitchFamily="50" charset="-127"/>
-              </a:rPr>
-              <a:t>번째 앞에 </a:t>
-            </a:r>
-            <a:r>
-              <a:rPr lang="en-US" altLang="ko-KR" sz="1200" spc="-100">
-                <a:ln>
-                  <a:solidFill>
-                    <a:schemeClr val="bg1">
-                      <a:lumMod val="65000"/>
-                      <a:alpha val="0"/>
-                    </a:schemeClr>
-                  </a:solidFill>
-                </a:ln>
-                <a:latin typeface="나눔스퀘어 Bold" panose="020B0600000101010101" pitchFamily="50" charset="-127"/>
-                <a:ea typeface="나눔스퀘어 Bold" panose="020B0600000101010101" pitchFamily="50" charset="-127"/>
-              </a:rPr>
-              <a:t>Tom</a:t>
-            </a:r>
-            <a:r>
-              <a:rPr lang="ko-KR" altLang="en-US" sz="1200" spc="-100">
-                <a:ln>
-                  <a:solidFill>
-                    <a:schemeClr val="bg1">
-                      <a:lumMod val="65000"/>
-                      <a:alpha val="0"/>
-                    </a:schemeClr>
-                  </a:solidFill>
-                </a:ln>
-                <a:latin typeface="나눔스퀘어 Bold" panose="020B0600000101010101" pitchFamily="50" charset="-127"/>
-                <a:ea typeface="나눔스퀘어 Bold" panose="020B0600000101010101" pitchFamily="50" charset="-127"/>
-              </a:rPr>
-              <a:t>이라는 단어를 기억하고 있어야 한다</a:t>
-            </a:r>
-            <a:r>
-              <a:rPr lang="en-US" altLang="ko-KR" sz="1200" spc="-100">
-                <a:ln>
-                  <a:solidFill>
-                    <a:schemeClr val="bg1">
-                      <a:lumMod val="65000"/>
-                      <a:alpha val="0"/>
-                    </a:schemeClr>
-                  </a:solidFill>
-                </a:ln>
-                <a:latin typeface="나눔스퀘어 Bold" panose="020B0600000101010101" pitchFamily="50" charset="-127"/>
-                <a:ea typeface="나눔스퀘어 Bold" panose="020B0600000101010101" pitchFamily="50" charset="-127"/>
-              </a:rPr>
-              <a:t>.</a:t>
-            </a:r>
+              <a:t> </a:t>
+            </a:r>
+            <a:endParaRPr lang="en-US" altLang="ko-KR" sz="1200" spc="-100">
+              <a:ln>
+                <a:solidFill>
+                  <a:schemeClr val="bg1">
+                    <a:lumMod val="65000"/>
+                    <a:alpha val="0"/>
+                  </a:schemeClr>
+                </a:solidFill>
+              </a:ln>
+              <a:latin typeface="나눔스퀘어 Bold" panose="020B0600000101010101" pitchFamily="50" charset="-127"/>
+              <a:ea typeface="나눔스퀘어 Bold" panose="020B0600000101010101" pitchFamily="50" charset="-127"/>
+            </a:endParaRPr>
           </a:p>
         </p:txBody>
       </p:sp>
+      <p:pic>
+        <p:nvPicPr>
+          <p:cNvPr id="1026" name="Picture 2" descr="https://mblogthumb-phinf.pstatic.net/MjAxODA3MDJfMTA3/MDAxNTMwNTM3NDA5MzA4.XVdGLg1QMZm-7GbqMi-qzp1kJ3HTL0xQIJYFkGuGDY8g.AEf4MVfIILOCyFG9mdSisodq6NkltDIxG3moV34azRsg.PNG.magnking/image.png?type=w800">
+            <a:extLst>
+              <a:ext uri="{FF2B5EF4-FFF2-40B4-BE49-F238E27FC236}">
+                <a16:creationId xmlns:a16="http://schemas.microsoft.com/office/drawing/2014/main" id="{B61AC7F2-C260-4640-B8CD-AB102D2AF513}"/>
+              </a:ext>
+            </a:extLst>
+          </p:cNvPr>
+          <p:cNvPicPr>
+            <a:picLocks noChangeAspect="1" noChangeArrowheads="1"/>
+          </p:cNvPicPr>
+          <p:nvPr/>
+        </p:nvPicPr>
+        <p:blipFill>
+          <a:blip r:embed="rId2">
+            <a:extLst>
+              <a:ext uri="{28A0092B-C50C-407E-A947-70E740481C1C}">
+                <a14:useLocalDpi xmlns:a14="http://schemas.microsoft.com/office/drawing/2010/main" val="0"/>
+              </a:ext>
+            </a:extLst>
+          </a:blip>
+          <a:srcRect/>
+          <a:stretch>
+            <a:fillRect/>
+          </a:stretch>
+        </p:blipFill>
+        <p:spPr bwMode="auto">
+          <a:xfrm>
+            <a:off x="3233738" y="2205038"/>
+            <a:ext cx="5724525" cy="2447925"/>
+          </a:xfrm>
+          <a:prstGeom prst="rect">
+            <a:avLst/>
+          </a:prstGeom>
+          <a:noFill/>
+          <a:extLst>
+            <a:ext uri="{909E8E84-426E-40DD-AFC4-6F175D3DCCD1}">
+              <a14:hiddenFill xmlns:a14="http://schemas.microsoft.com/office/drawing/2010/main">
+                <a:solidFill>
+                  <a:srgbClr val="FFFFFF"/>
+                </a:solidFill>
+              </a14:hiddenFill>
+            </a:ext>
+          </a:extLst>
+        </p:spPr>
+      </p:pic>
     </p:spTree>
     <p:extLst>
       <p:ext uri="{BB962C8B-B14F-4D97-AF65-F5344CB8AC3E}">
@@ -6315,16 +6156,115 @@
           <a:chExt cx="0" cy="0"/>
         </a:xfrm>
       </p:grpSpPr>
+      <p:cxnSp>
+        <p:nvCxnSpPr>
+          <p:cNvPr id="18" name="직선 연결선 17">
+            <a:extLst>
+              <a:ext uri="{FF2B5EF4-FFF2-40B4-BE49-F238E27FC236}">
+                <a16:creationId xmlns:a16="http://schemas.microsoft.com/office/drawing/2014/main" id="{7E9713F1-EFA3-4E39-84E5-8C1322B4CD7F}"/>
+              </a:ext>
+            </a:extLst>
+          </p:cNvPr>
+          <p:cNvCxnSpPr>
+            <a:cxnSpLocks/>
+          </p:cNvCxnSpPr>
+          <p:nvPr/>
+        </p:nvCxnSpPr>
+        <p:spPr>
+          <a:xfrm>
+            <a:off x="1026522" y="989148"/>
+            <a:ext cx="4716252" cy="0"/>
+          </a:xfrm>
+          <a:prstGeom prst="line">
+            <a:avLst/>
+          </a:prstGeom>
+          <a:ln>
+            <a:solidFill>
+              <a:schemeClr val="bg1">
+                <a:lumMod val="50000"/>
+              </a:schemeClr>
+            </a:solidFill>
+          </a:ln>
+        </p:spPr>
+        <p:style>
+          <a:lnRef idx="1">
+            <a:schemeClr val="accent1"/>
+          </a:lnRef>
+          <a:fillRef idx="0">
+            <a:schemeClr val="accent1"/>
+          </a:fillRef>
+          <a:effectRef idx="0">
+            <a:schemeClr val="accent1"/>
+          </a:effectRef>
+          <a:fontRef idx="minor">
+            <a:schemeClr val="tx1"/>
+          </a:fontRef>
+        </p:style>
+      </p:cxnSp>
       <p:sp>
         <p:nvSpPr>
-          <p:cNvPr id="2" name="TextBox 1"/>
+          <p:cNvPr id="19" name="TextBox 18">
+            <a:extLst>
+              <a:ext uri="{FF2B5EF4-FFF2-40B4-BE49-F238E27FC236}">
+                <a16:creationId xmlns:a16="http://schemas.microsoft.com/office/drawing/2014/main" id="{8424AEC0-7C50-4914-9167-6E0A9BA9A77F}"/>
+              </a:ext>
+            </a:extLst>
+          </p:cNvPr>
           <p:cNvSpPr txBox="1"/>
           <p:nvPr/>
         </p:nvSpPr>
         <p:spPr>
           <a:xfrm>
-            <a:off x="4000500" y="2472873"/>
-            <a:ext cx="797013" cy="769441"/>
+            <a:off x="1088238" y="437393"/>
+            <a:ext cx="5007762" cy="584775"/>
+          </a:xfrm>
+          <a:prstGeom prst="rect">
+            <a:avLst/>
+          </a:prstGeom>
+          <a:noFill/>
+        </p:spPr>
+        <p:txBody>
+          <a:bodyPr wrap="square" rtlCol="0">
+            <a:spAutoFit/>
+          </a:bodyPr>
+          <a:lstStyle/>
+          <a:p>
+            <a:r>
+              <a:rPr lang="en-US" altLang="ko-KR" sz="3200" spc="-150">
+                <a:solidFill>
+                  <a:srgbClr val="00002F"/>
+                </a:solidFill>
+                <a:latin typeface="나눔스퀘어 ExtraBold" panose="020B0600000101010101" pitchFamily="50" charset="-127"/>
+                <a:ea typeface="나눔스퀘어 ExtraBold" panose="020B0600000101010101" pitchFamily="50" charset="-127"/>
+              </a:rPr>
+              <a:t>Recurrent Neural Net</a:t>
+            </a:r>
+            <a:endParaRPr lang="ko-KR" altLang="en-US" sz="3200" spc="-150" dirty="0">
+              <a:solidFill>
+                <a:srgbClr val="00002F"/>
+              </a:solidFill>
+              <a:latin typeface="나눔스퀘어 ExtraBold" panose="020B0600000101010101" pitchFamily="50" charset="-127"/>
+              <a:ea typeface="나눔스퀘어 ExtraBold" panose="020B0600000101010101" pitchFamily="50" charset="-127"/>
+            </a:endParaRPr>
+          </a:p>
+        </p:txBody>
+      </p:sp>
+      <p:sp>
+        <p:nvSpPr>
+          <p:cNvPr id="20" name="TextBox 19">
+            <a:extLst>
+              <a:ext uri="{FF2B5EF4-FFF2-40B4-BE49-F238E27FC236}">
+                <a16:creationId xmlns:a16="http://schemas.microsoft.com/office/drawing/2014/main" id="{7101A769-9F33-4558-A4C3-3FE2F9C437E2}"/>
+              </a:ext>
+            </a:extLst>
+          </p:cNvPr>
+          <p:cNvSpPr txBox="1"/>
+          <p:nvPr/>
+        </p:nvSpPr>
+        <p:spPr>
+          <a:xfrm>
+            <a:off x="455532" y="498947"/>
+            <a:ext cx="614271" cy="461665"/>
           </a:xfrm>
           <a:prstGeom prst="rect">
             <a:avLst/>
@@ -6337,88 +6277,439 @@
           </a:bodyPr>
           <a:lstStyle/>
           <a:p>
-            <a:r>
-              <a:rPr lang="en-US" altLang="ko-KR" sz="4400" spc="-300">
+            <a:pPr algn="ctr"/>
+            <a:r>
+              <a:rPr lang="en-US" altLang="ko-KR" sz="2400" spc="-150">
                 <a:solidFill>
                   <a:srgbClr val="00002F"/>
                 </a:solidFill>
-                <a:latin typeface="나눔스퀘어 Bold" panose="020B0600000101010101" pitchFamily="50" charset="-127"/>
-                <a:ea typeface="나눔스퀘어 Bold" panose="020B0600000101010101" pitchFamily="50" charset="-127"/>
-              </a:rPr>
-              <a:t>03</a:t>
-            </a:r>
-            <a:endParaRPr lang="ko-KR" altLang="en-US" sz="4400" spc="-300" dirty="0">
+                <a:latin typeface="나눔스퀘어 ExtraBold" panose="020B0600000101010101" pitchFamily="50" charset="-127"/>
+                <a:ea typeface="나눔스퀘어 ExtraBold" panose="020B0600000101010101" pitchFamily="50" charset="-127"/>
+              </a:rPr>
+              <a:t>02.</a:t>
+            </a:r>
+            <a:endParaRPr lang="ko-KR" altLang="en-US" sz="2400" spc="-150" dirty="0">
               <a:solidFill>
                 <a:srgbClr val="00002F"/>
               </a:solidFill>
-              <a:latin typeface="나눔스퀘어 Bold" panose="020B0600000101010101" pitchFamily="50" charset="-127"/>
-              <a:ea typeface="나눔스퀘어 Bold" panose="020B0600000101010101" pitchFamily="50" charset="-127"/>
+              <a:latin typeface="나눔스퀘어 ExtraBold" panose="020B0600000101010101" pitchFamily="50" charset="-127"/>
+              <a:ea typeface="나눔스퀘어 ExtraBold" panose="020B0600000101010101" pitchFamily="50" charset="-127"/>
             </a:endParaRPr>
           </a:p>
         </p:txBody>
       </p:sp>
       <p:sp>
         <p:nvSpPr>
-          <p:cNvPr id="3" name="직사각형 2"/>
-          <p:cNvSpPr/>
+          <p:cNvPr id="21" name="TextBox 20">
+            <a:extLst>
+              <a:ext uri="{FF2B5EF4-FFF2-40B4-BE49-F238E27FC236}">
+                <a16:creationId xmlns:a16="http://schemas.microsoft.com/office/drawing/2014/main" id="{159FD76B-E015-48C0-ADB0-17BB7437A8DE}"/>
+              </a:ext>
+            </a:extLst>
+          </p:cNvPr>
+          <p:cNvSpPr txBox="1"/>
           <p:nvPr/>
         </p:nvSpPr>
         <p:spPr>
           <a:xfrm>
-            <a:off x="4000499" y="3169741"/>
-            <a:ext cx="4200071" cy="473345"/>
+            <a:off x="1069802" y="1006929"/>
+            <a:ext cx="4203764" cy="369332"/>
           </a:xfrm>
           <a:prstGeom prst="rect">
             <a:avLst/>
           </a:prstGeom>
-          <a:solidFill>
-            <a:srgbClr val="8DBABD"/>
-          </a:solidFill>
-          <a:ln>
+          <a:noFill/>
+        </p:spPr>
+        <p:txBody>
+          <a:bodyPr wrap="square" rtlCol="0">
+            <a:spAutoFit/>
+          </a:bodyPr>
+          <a:lstStyle/>
+          <a:p>
+            <a:r>
+              <a:rPr lang="en-US" altLang="ko-KR" spc="-150">
+                <a:solidFill>
+                  <a:srgbClr val="00002F"/>
+                </a:solidFill>
+                <a:latin typeface="나눔스퀘어 ExtraBold" panose="020B0600000101010101" pitchFamily="50" charset="-127"/>
+                <a:ea typeface="나눔스퀘어 ExtraBold" panose="020B0600000101010101" pitchFamily="50" charset="-127"/>
+              </a:rPr>
+              <a:t>RNN</a:t>
+            </a:r>
+            <a:r>
+              <a:rPr lang="ko-KR" altLang="en-US" spc="-150">
+                <a:solidFill>
+                  <a:srgbClr val="00002F"/>
+                </a:solidFill>
+                <a:latin typeface="나눔스퀘어 ExtraBold" panose="020B0600000101010101" pitchFamily="50" charset="-127"/>
+                <a:ea typeface="나눔스퀘어 ExtraBold" panose="020B0600000101010101" pitchFamily="50" charset="-127"/>
+              </a:rPr>
+              <a:t>의 한계</a:t>
+            </a:r>
+            <a:endParaRPr lang="ko-KR" altLang="en-US" spc="-150" dirty="0">
+              <a:solidFill>
+                <a:srgbClr val="00002F"/>
+              </a:solidFill>
+              <a:latin typeface="나눔스퀘어 ExtraBold" panose="020B0600000101010101" pitchFamily="50" charset="-127"/>
+              <a:ea typeface="나눔스퀘어 ExtraBold" panose="020B0600000101010101" pitchFamily="50" charset="-127"/>
+            </a:endParaRPr>
+          </a:p>
+        </p:txBody>
+      </p:sp>
+      <p:cxnSp>
+        <p:nvCxnSpPr>
+          <p:cNvPr id="46" name="직선 연결선 45">
+            <a:extLst>
+              <a:ext uri="{FF2B5EF4-FFF2-40B4-BE49-F238E27FC236}">
+                <a16:creationId xmlns:a16="http://schemas.microsoft.com/office/drawing/2014/main" id="{1EDC77BB-857B-4AA7-B5A6-60A92A007D57}"/>
+              </a:ext>
+            </a:extLst>
+          </p:cNvPr>
+          <p:cNvCxnSpPr/>
+          <p:nvPr/>
+        </p:nvCxnSpPr>
+        <p:spPr>
+          <a:xfrm>
+            <a:off x="10430892" y="144941"/>
+            <a:ext cx="360000" cy="0"/>
+          </a:xfrm>
+          <a:prstGeom prst="line">
+            <a:avLst/>
+          </a:prstGeom>
+          <a:ln w="44450" cap="rnd">
+            <a:solidFill>
+              <a:srgbClr val="D0CECE"/>
+            </a:solidFill>
+          </a:ln>
+          <a:effectLst>
+            <a:outerShdw blurRad="50800" dist="38100" dir="5400000" algn="t" rotWithShape="0">
+              <a:prstClr val="black">
+                <a:alpha val="40000"/>
+              </a:prstClr>
+            </a:outerShdw>
+          </a:effectLst>
+        </p:spPr>
+        <p:style>
+          <a:lnRef idx="1">
+            <a:schemeClr val="accent1"/>
+          </a:lnRef>
+          <a:fillRef idx="0">
+            <a:schemeClr val="accent1"/>
+          </a:fillRef>
+          <a:effectRef idx="0">
+            <a:schemeClr val="accent1"/>
+          </a:effectRef>
+          <a:fontRef idx="minor">
+            <a:schemeClr val="tx1"/>
+          </a:fontRef>
+        </p:style>
+      </p:cxnSp>
+      <p:cxnSp>
+        <p:nvCxnSpPr>
+          <p:cNvPr id="47" name="직선 연결선 46">
+            <a:extLst>
+              <a:ext uri="{FF2B5EF4-FFF2-40B4-BE49-F238E27FC236}">
+                <a16:creationId xmlns:a16="http://schemas.microsoft.com/office/drawing/2014/main" id="{4AABE415-1001-4787-A4FE-82869B3BE784}"/>
+              </a:ext>
+            </a:extLst>
+          </p:cNvPr>
+          <p:cNvCxnSpPr/>
+          <p:nvPr/>
+        </p:nvCxnSpPr>
+        <p:spPr>
+          <a:xfrm>
+            <a:off x="10858459" y="144941"/>
+            <a:ext cx="360000" cy="0"/>
+          </a:xfrm>
+          <a:prstGeom prst="line">
+            <a:avLst/>
+          </a:prstGeom>
+          <a:ln w="44450" cap="rnd">
             <a:solidFill>
               <a:srgbClr val="8DBABD"/>
             </a:solidFill>
           </a:ln>
+          <a:effectLst>
+            <a:outerShdw blurRad="50800" dist="38100" dir="5400000" algn="t" rotWithShape="0">
+              <a:prstClr val="black">
+                <a:alpha val="40000"/>
+              </a:prstClr>
+            </a:outerShdw>
+          </a:effectLst>
         </p:spPr>
         <p:style>
-          <a:lnRef idx="2">
-            <a:schemeClr val="accent1">
-              <a:shade val="50000"/>
-            </a:schemeClr>
+          <a:lnRef idx="1">
+            <a:schemeClr val="accent1"/>
           </a:lnRef>
-          <a:fillRef idx="1">
+          <a:fillRef idx="0">
             <a:schemeClr val="accent1"/>
           </a:fillRef>
           <a:effectRef idx="0">
             <a:schemeClr val="accent1"/>
           </a:effectRef>
           <a:fontRef idx="minor">
-            <a:schemeClr val="lt1"/>
+            <a:schemeClr val="tx1"/>
           </a:fontRef>
         </p:style>
+      </p:cxnSp>
+      <p:cxnSp>
+        <p:nvCxnSpPr>
+          <p:cNvPr id="48" name="직선 연결선 47">
+            <a:extLst>
+              <a:ext uri="{FF2B5EF4-FFF2-40B4-BE49-F238E27FC236}">
+                <a16:creationId xmlns:a16="http://schemas.microsoft.com/office/drawing/2014/main" id="{55828FB6-6BF1-46B9-A8BD-2C8827608485}"/>
+              </a:ext>
+            </a:extLst>
+          </p:cNvPr>
+          <p:cNvCxnSpPr/>
+          <p:nvPr/>
+        </p:nvCxnSpPr>
+        <p:spPr>
+          <a:xfrm>
+            <a:off x="11286026" y="144941"/>
+            <a:ext cx="360000" cy="0"/>
+          </a:xfrm>
+          <a:prstGeom prst="line">
+            <a:avLst/>
+          </a:prstGeom>
+          <a:ln w="44450" cap="rnd">
+            <a:solidFill>
+              <a:schemeClr val="bg2">
+                <a:lumMod val="90000"/>
+              </a:schemeClr>
+            </a:solidFill>
+          </a:ln>
+          <a:effectLst>
+            <a:outerShdw blurRad="50800" dist="38100" dir="5400000" algn="t" rotWithShape="0">
+              <a:prstClr val="black">
+                <a:alpha val="40000"/>
+              </a:prstClr>
+            </a:outerShdw>
+          </a:effectLst>
+        </p:spPr>
+        <p:style>
+          <a:lnRef idx="1">
+            <a:schemeClr val="accent1"/>
+          </a:lnRef>
+          <a:fillRef idx="0">
+            <a:schemeClr val="accent1"/>
+          </a:fillRef>
+          <a:effectRef idx="0">
+            <a:schemeClr val="accent1"/>
+          </a:effectRef>
+          <a:fontRef idx="minor">
+            <a:schemeClr val="tx1"/>
+          </a:fontRef>
+        </p:style>
+      </p:cxnSp>
+      <p:cxnSp>
+        <p:nvCxnSpPr>
+          <p:cNvPr id="49" name="직선 연결선 48">
+            <a:extLst>
+              <a:ext uri="{FF2B5EF4-FFF2-40B4-BE49-F238E27FC236}">
+                <a16:creationId xmlns:a16="http://schemas.microsoft.com/office/drawing/2014/main" id="{C963E072-969B-4E06-9F1A-81E41D3CAE1E}"/>
+              </a:ext>
+            </a:extLst>
+          </p:cNvPr>
+          <p:cNvCxnSpPr/>
+          <p:nvPr/>
+        </p:nvCxnSpPr>
+        <p:spPr>
+          <a:xfrm>
+            <a:off x="11713592" y="144941"/>
+            <a:ext cx="360000" cy="0"/>
+          </a:xfrm>
+          <a:prstGeom prst="line">
+            <a:avLst/>
+          </a:prstGeom>
+          <a:ln w="44450" cap="rnd">
+            <a:solidFill>
+              <a:schemeClr val="bg2">
+                <a:lumMod val="90000"/>
+              </a:schemeClr>
+            </a:solidFill>
+          </a:ln>
+          <a:effectLst>
+            <a:outerShdw blurRad="50800" dist="38100" dir="5400000" algn="t" rotWithShape="0">
+              <a:prstClr val="black">
+                <a:alpha val="40000"/>
+              </a:prstClr>
+            </a:outerShdw>
+          </a:effectLst>
+        </p:spPr>
+        <p:style>
+          <a:lnRef idx="1">
+            <a:schemeClr val="accent1"/>
+          </a:lnRef>
+          <a:fillRef idx="0">
+            <a:schemeClr val="accent1"/>
+          </a:fillRef>
+          <a:effectRef idx="0">
+            <a:schemeClr val="accent1"/>
+          </a:effectRef>
+          <a:fontRef idx="minor">
+            <a:schemeClr val="tx1"/>
+          </a:fontRef>
+        </p:style>
+      </p:cxnSp>
+      <p:sp>
+        <p:nvSpPr>
+          <p:cNvPr id="45" name="TextBox 44">
+            <a:extLst>
+              <a:ext uri="{FF2B5EF4-FFF2-40B4-BE49-F238E27FC236}">
+                <a16:creationId xmlns:a16="http://schemas.microsoft.com/office/drawing/2014/main" id="{EFDD77A0-7C16-4DB7-BC82-8F8A5BB4FB08}"/>
+              </a:ext>
+            </a:extLst>
+          </p:cNvPr>
+          <p:cNvSpPr txBox="1"/>
+          <p:nvPr/>
+        </p:nvSpPr>
+        <p:spPr>
+          <a:xfrm>
+            <a:off x="4057534" y="5593974"/>
+            <a:ext cx="4076932" cy="781304"/>
+          </a:xfrm>
+          <a:prstGeom prst="rect">
+            <a:avLst/>
+          </a:prstGeom>
+          <a:noFill/>
+        </p:spPr>
         <p:txBody>
-          <a:bodyPr rtlCol="0" anchor="ctr"/>
+          <a:bodyPr wrap="square" rtlCol="0">
+            <a:spAutoFit/>
+          </a:bodyPr>
           <a:lstStyle/>
           <a:p>
-            <a:pPr algn="ctr"/>
-            <a:r>
-              <a:rPr lang="en-US" altLang="ko-KR">
+            <a:pPr marL="171450" indent="-171450">
+              <a:lnSpc>
+                <a:spcPct val="200000"/>
+              </a:lnSpc>
+              <a:buFont typeface="Arial" panose="020B0604020202020204" pitchFamily="34" charset="0"/>
+              <a:buChar char="•"/>
+            </a:pPr>
+            <a:r>
+              <a:rPr lang="ko-KR" altLang="en-US" sz="1200" spc="-100">
+                <a:ln>
+                  <a:solidFill>
+                    <a:schemeClr val="bg1">
+                      <a:lumMod val="65000"/>
+                      <a:alpha val="0"/>
+                    </a:schemeClr>
+                  </a:solidFill>
+                </a:ln>
                 <a:latin typeface="나눔스퀘어 Bold" panose="020B0600000101010101" pitchFamily="50" charset="-127"/>
                 <a:ea typeface="나눔스퀘어 Bold" panose="020B0600000101010101" pitchFamily="50" charset="-127"/>
               </a:rPr>
-              <a:t>Text CNN</a:t>
-            </a:r>
-            <a:endParaRPr lang="ko-KR" altLang="en-US" dirty="0">
-              <a:latin typeface="나눔스퀘어 Bold" panose="020B0600000101010101" pitchFamily="50" charset="-127"/>
-              <a:ea typeface="나눔스퀘어 Bold" panose="020B0600000101010101" pitchFamily="50" charset="-127"/>
-            </a:endParaRPr>
+              <a:t>하지만 위와 같이 거리가 멀어지면 성능이 저하되는 문제가 발생한다</a:t>
+            </a:r>
+            <a:r>
+              <a:rPr lang="en-US" altLang="ko-KR" sz="1200" spc="-100">
+                <a:ln>
+                  <a:solidFill>
+                    <a:schemeClr val="bg1">
+                      <a:lumMod val="65000"/>
+                      <a:alpha val="0"/>
+                    </a:schemeClr>
+                  </a:solidFill>
+                </a:ln>
+                <a:latin typeface="나눔스퀘어 Bold" panose="020B0600000101010101" pitchFamily="50" charset="-127"/>
+                <a:ea typeface="나눔스퀘어 Bold" panose="020B0600000101010101" pitchFamily="50" charset="-127"/>
+              </a:rPr>
+              <a:t>.</a:t>
+            </a:r>
+          </a:p>
+          <a:p>
+            <a:pPr marL="171450" indent="-171450">
+              <a:lnSpc>
+                <a:spcPct val="200000"/>
+              </a:lnSpc>
+              <a:buFont typeface="Arial" panose="020B0604020202020204" pitchFamily="34" charset="0"/>
+              <a:buChar char="•"/>
+            </a:pPr>
+            <a:r>
+              <a:rPr lang="ko-KR" altLang="en-US" sz="1200" spc="-100">
+                <a:ln>
+                  <a:solidFill>
+                    <a:schemeClr val="bg1">
+                      <a:lumMod val="65000"/>
+                      <a:alpha val="0"/>
+                    </a:schemeClr>
+                  </a:solidFill>
+                </a:ln>
+                <a:latin typeface="나눔스퀘어 Bold" panose="020B0600000101010101" pitchFamily="50" charset="-127"/>
+                <a:ea typeface="나눔스퀘어 Bold" panose="020B0600000101010101" pitchFamily="50" charset="-127"/>
+              </a:rPr>
+              <a:t>이를</a:t>
+            </a:r>
+            <a:r>
+              <a:rPr lang="en-US" altLang="ko-KR" sz="1200" spc="-100">
+                <a:ln>
+                  <a:solidFill>
+                    <a:schemeClr val="bg1">
+                      <a:lumMod val="65000"/>
+                      <a:alpha val="0"/>
+                    </a:schemeClr>
+                  </a:solidFill>
+                </a:ln>
+                <a:latin typeface="나눔스퀘어 Bold" panose="020B0600000101010101" pitchFamily="50" charset="-127"/>
+                <a:ea typeface="나눔스퀘어 Bold" panose="020B0600000101010101" pitchFamily="50" charset="-127"/>
+              </a:rPr>
+              <a:t> Vanishing Gradient Problem</a:t>
+            </a:r>
           </a:p>
         </p:txBody>
       </p:sp>
+      <p:pic>
+        <p:nvPicPr>
+          <p:cNvPr id="2050" name="Picture 2" descr="https://mblogthumb-phinf.pstatic.net/MjAxODA3MDJfMTMg/MDAxNTMwNTM3NDM1MTcx.q8hgizrupUf8TNvE9kx8y4lU3fBtvZTdApDdv3TuHw4g.gHiZh9DYIge6ICj0mT23RfmdmuubK7ISf8jNCvs4AvQg.PNG.magnking/image.png?type=w800">
+            <a:extLst>
+              <a:ext uri="{FF2B5EF4-FFF2-40B4-BE49-F238E27FC236}">
+                <a16:creationId xmlns:a16="http://schemas.microsoft.com/office/drawing/2014/main" id="{525C2F5E-D96C-4ADF-8C7D-B4E11C169DBA}"/>
+              </a:ext>
+            </a:extLst>
+          </p:cNvPr>
+          <p:cNvPicPr>
+            <a:picLocks noChangeAspect="1" noChangeArrowheads="1"/>
+          </p:cNvPicPr>
+          <p:nvPr/>
+        </p:nvPicPr>
+        <p:blipFill>
+          <a:blip r:embed="rId2">
+            <a:extLst>
+              <a:ext uri="{28A0092B-C50C-407E-A947-70E740481C1C}">
+                <a14:useLocalDpi xmlns:a14="http://schemas.microsoft.com/office/drawing/2010/main" val="0"/>
+              </a:ext>
+            </a:extLst>
+          </a:blip>
+          <a:srcRect/>
+          <a:stretch>
+            <a:fillRect/>
+          </a:stretch>
+        </p:blipFill>
+        <p:spPr bwMode="auto">
+          <a:xfrm>
+            <a:off x="2286000" y="2140052"/>
+            <a:ext cx="7620000" cy="2733675"/>
+          </a:xfrm>
+          <a:prstGeom prst="rect">
+            <a:avLst/>
+          </a:prstGeom>
+          <a:noFill/>
+          <a:extLst>
+            <a:ext uri="{909E8E84-426E-40DD-AFC4-6F175D3DCCD1}">
+              <a14:hiddenFill xmlns:a14="http://schemas.microsoft.com/office/drawing/2010/main">
+                <a:solidFill>
+                  <a:srgbClr val="FFFFFF"/>
+                </a:solidFill>
+              </a14:hiddenFill>
+            </a:ext>
+          </a:extLst>
+        </p:spPr>
+      </p:pic>
     </p:spTree>
     <p:extLst>
       <p:ext uri="{BB962C8B-B14F-4D97-AF65-F5344CB8AC3E}">
-        <p14:creationId xmlns:p14="http://schemas.microsoft.com/office/powerpoint/2010/main" val="2753944108"/>
+        <p14:creationId xmlns:p14="http://schemas.microsoft.com/office/powerpoint/2010/main" val="884876377"/>
       </p:ext>
     </p:extLst>
   </p:cSld>
@@ -6445,55 +6736,16 @@
           <a:chExt cx="0" cy="0"/>
         </a:xfrm>
       </p:grpSpPr>
-      <p:cxnSp>
-        <p:nvCxnSpPr>
-          <p:cNvPr id="4" name="직선 연결선 3"/>
-          <p:cNvCxnSpPr>
-            <a:cxnSpLocks/>
-          </p:cNvCxnSpPr>
-          <p:nvPr/>
-        </p:nvCxnSpPr>
-        <p:spPr>
-          <a:xfrm>
-            <a:off x="1026522" y="989148"/>
-            <a:ext cx="2836030" cy="0"/>
-          </a:xfrm>
-          <a:prstGeom prst="line">
-            <a:avLst/>
-          </a:prstGeom>
-          <a:ln>
-            <a:solidFill>
-              <a:schemeClr val="bg1">
-                <a:lumMod val="50000"/>
-              </a:schemeClr>
-            </a:solidFill>
-          </a:ln>
-        </p:spPr>
-        <p:style>
-          <a:lnRef idx="1">
-            <a:schemeClr val="accent1"/>
-          </a:lnRef>
-          <a:fillRef idx="0">
-            <a:schemeClr val="accent1"/>
-          </a:fillRef>
-          <a:effectRef idx="0">
-            <a:schemeClr val="accent1"/>
-          </a:effectRef>
-          <a:fontRef idx="minor">
-            <a:schemeClr val="tx1"/>
-          </a:fontRef>
-        </p:style>
-      </p:cxnSp>
       <p:sp>
         <p:nvSpPr>
-          <p:cNvPr id="5" name="TextBox 4"/>
+          <p:cNvPr id="2" name="TextBox 1"/>
           <p:cNvSpPr txBox="1"/>
           <p:nvPr/>
         </p:nvSpPr>
         <p:spPr>
           <a:xfrm>
-            <a:off x="1088238" y="437393"/>
-            <a:ext cx="4595231" cy="584775"/>
+            <a:off x="4000500" y="2472873"/>
+            <a:ext cx="797013" cy="769441"/>
           </a:xfrm>
           <a:prstGeom prst="rect">
             <a:avLst/>
@@ -6501,389 +6753,93 @@
           <a:noFill/>
         </p:spPr>
         <p:txBody>
-          <a:bodyPr wrap="square" rtlCol="0">
+          <a:bodyPr wrap="none" rtlCol="0">
             <a:spAutoFit/>
           </a:bodyPr>
           <a:lstStyle/>
           <a:p>
             <a:r>
-              <a:rPr lang="en-US" altLang="ko-KR" sz="3200" spc="-150">
+              <a:rPr lang="en-US" altLang="ko-KR" sz="4400" spc="-300">
                 <a:solidFill>
                   <a:srgbClr val="00002F"/>
                 </a:solidFill>
-                <a:latin typeface="나눔스퀘어 ExtraBold" panose="020B0600000101010101" pitchFamily="50" charset="-127"/>
-                <a:ea typeface="나눔스퀘어 ExtraBold" panose="020B0600000101010101" pitchFamily="50" charset="-127"/>
-              </a:rPr>
-              <a:t>Text CNN</a:t>
-            </a:r>
-            <a:endParaRPr lang="ko-KR" altLang="en-US" sz="3200" spc="-150" dirty="0">
+                <a:latin typeface="나눔스퀘어 Bold" panose="020B0600000101010101" pitchFamily="50" charset="-127"/>
+                <a:ea typeface="나눔스퀘어 Bold" panose="020B0600000101010101" pitchFamily="50" charset="-127"/>
+              </a:rPr>
+              <a:t>03</a:t>
+            </a:r>
+            <a:endParaRPr lang="ko-KR" altLang="en-US" sz="4400" spc="-300" dirty="0">
               <a:solidFill>
                 <a:srgbClr val="00002F"/>
               </a:solidFill>
-              <a:latin typeface="나눔스퀘어 ExtraBold" panose="020B0600000101010101" pitchFamily="50" charset="-127"/>
-              <a:ea typeface="나눔스퀘어 ExtraBold" panose="020B0600000101010101" pitchFamily="50" charset="-127"/>
+              <a:latin typeface="나눔스퀘어 Bold" panose="020B0600000101010101" pitchFamily="50" charset="-127"/>
+              <a:ea typeface="나눔스퀘어 Bold" panose="020B0600000101010101" pitchFamily="50" charset="-127"/>
             </a:endParaRPr>
           </a:p>
         </p:txBody>
       </p:sp>
       <p:sp>
         <p:nvSpPr>
-          <p:cNvPr id="12" name="TextBox 11"/>
-          <p:cNvSpPr txBox="1"/>
+          <p:cNvPr id="3" name="직사각형 2"/>
+          <p:cNvSpPr/>
           <p:nvPr/>
         </p:nvSpPr>
         <p:spPr>
           <a:xfrm>
-            <a:off x="455532" y="498947"/>
-            <a:ext cx="614271" cy="461665"/>
+            <a:off x="4000499" y="3169741"/>
+            <a:ext cx="4200071" cy="473345"/>
           </a:xfrm>
           <a:prstGeom prst="rect">
             <a:avLst/>
           </a:prstGeom>
-          <a:noFill/>
-        </p:spPr>
+          <a:solidFill>
+            <a:srgbClr val="8DBABD"/>
+          </a:solidFill>
+          <a:ln>
+            <a:solidFill>
+              <a:srgbClr val="8DBABD"/>
+            </a:solidFill>
+          </a:ln>
+        </p:spPr>
+        <p:style>
+          <a:lnRef idx="2">
+            <a:schemeClr val="accent1">
+              <a:shade val="50000"/>
+            </a:schemeClr>
+          </a:lnRef>
+          <a:fillRef idx="1">
+            <a:schemeClr val="accent1"/>
+          </a:fillRef>
+          <a:effectRef idx="0">
+            <a:schemeClr val="accent1"/>
+          </a:effectRef>
+          <a:fontRef idx="minor">
+            <a:schemeClr val="lt1"/>
+          </a:fontRef>
+        </p:style>
         <p:txBody>
-          <a:bodyPr wrap="none" rtlCol="0">
-            <a:spAutoFit/>
-          </a:bodyPr>
+          <a:bodyPr rtlCol="0" anchor="ctr"/>
           <a:lstStyle/>
           <a:p>
             <a:pPr algn="ctr"/>
             <a:r>
-              <a:rPr lang="en-US" altLang="ko-KR" sz="2400" spc="-150">
-                <a:solidFill>
-                  <a:srgbClr val="00002F"/>
-                </a:solidFill>
-                <a:latin typeface="나눔스퀘어 ExtraBold" panose="020B0600000101010101" pitchFamily="50" charset="-127"/>
-                <a:ea typeface="나눔스퀘어 ExtraBold" panose="020B0600000101010101" pitchFamily="50" charset="-127"/>
-              </a:rPr>
-              <a:t>03.</a:t>
-            </a:r>
-            <a:endParaRPr lang="ko-KR" altLang="en-US" sz="2400" spc="-150" dirty="0">
-              <a:solidFill>
-                <a:srgbClr val="00002F"/>
-              </a:solidFill>
-              <a:latin typeface="나눔스퀘어 ExtraBold" panose="020B0600000101010101" pitchFamily="50" charset="-127"/>
-              <a:ea typeface="나눔스퀘어 ExtraBold" panose="020B0600000101010101" pitchFamily="50" charset="-127"/>
+              <a:rPr lang="en-US" altLang="ko-KR">
+                <a:latin typeface="나눔스퀘어 Bold" panose="020B0600000101010101" pitchFamily="50" charset="-127"/>
+                <a:ea typeface="나눔스퀘어 Bold" panose="020B0600000101010101" pitchFamily="50" charset="-127"/>
+              </a:rPr>
+              <a:t>RNN Applications</a:t>
+            </a:r>
+            <a:endParaRPr lang="ko-KR" altLang="en-US" dirty="0">
+              <a:latin typeface="나눔스퀘어 Bold" panose="020B0600000101010101" pitchFamily="50" charset="-127"/>
+              <a:ea typeface="나눔스퀘어 Bold" panose="020B0600000101010101" pitchFamily="50" charset="-127"/>
             </a:endParaRPr>
           </a:p>
         </p:txBody>
       </p:sp>
-      <p:sp>
-        <p:nvSpPr>
-          <p:cNvPr id="11" name="TextBox 10">
-            <a:extLst>
-              <a:ext uri="{FF2B5EF4-FFF2-40B4-BE49-F238E27FC236}">
-                <a16:creationId xmlns:a16="http://schemas.microsoft.com/office/drawing/2014/main" id="{2B395301-37C5-4E49-8CBB-7A77E2A5F0AF}"/>
-              </a:ext>
-            </a:extLst>
-          </p:cNvPr>
-          <p:cNvSpPr txBox="1"/>
-          <p:nvPr/>
-        </p:nvSpPr>
-        <p:spPr>
-          <a:xfrm>
-            <a:off x="1069802" y="1006929"/>
-            <a:ext cx="3707150" cy="369332"/>
-          </a:xfrm>
-          <a:prstGeom prst="rect">
-            <a:avLst/>
-          </a:prstGeom>
-          <a:noFill/>
-        </p:spPr>
-        <p:txBody>
-          <a:bodyPr wrap="square" rtlCol="0">
-            <a:spAutoFit/>
-          </a:bodyPr>
-          <a:lstStyle/>
-          <a:p>
-            <a:r>
-              <a:rPr lang="en-US" altLang="ko-KR" spc="-150">
-                <a:solidFill>
-                  <a:srgbClr val="00002F"/>
-                </a:solidFill>
-                <a:latin typeface="나눔스퀘어 ExtraBold" panose="020B0600000101010101" pitchFamily="50" charset="-127"/>
-                <a:ea typeface="나눔스퀘어 ExtraBold" panose="020B0600000101010101" pitchFamily="50" charset="-127"/>
-              </a:rPr>
-              <a:t>Research</a:t>
-            </a:r>
-            <a:r>
-              <a:rPr lang="ko-KR" altLang="en-US" spc="-150">
-                <a:solidFill>
-                  <a:srgbClr val="00002F"/>
-                </a:solidFill>
-                <a:latin typeface="나눔스퀘어 ExtraBold" panose="020B0600000101010101" pitchFamily="50" charset="-127"/>
-                <a:ea typeface="나눔스퀘어 ExtraBold" panose="020B0600000101010101" pitchFamily="50" charset="-127"/>
-              </a:rPr>
-              <a:t> </a:t>
-            </a:r>
-            <a:r>
-              <a:rPr lang="en-US" altLang="ko-KR" spc="-150">
-                <a:solidFill>
-                  <a:srgbClr val="00002F"/>
-                </a:solidFill>
-                <a:latin typeface="나눔스퀘어 ExtraBold" panose="020B0600000101010101" pitchFamily="50" charset="-127"/>
-                <a:ea typeface="나눔스퀘어 ExtraBold" panose="020B0600000101010101" pitchFamily="50" charset="-127"/>
-              </a:rPr>
-              <a:t>Paper</a:t>
-            </a:r>
-            <a:endParaRPr lang="ko-KR" altLang="en-US" spc="-150" dirty="0">
-              <a:solidFill>
-                <a:srgbClr val="00002F"/>
-              </a:solidFill>
-              <a:latin typeface="나눔스퀘어 ExtraBold" panose="020B0600000101010101" pitchFamily="50" charset="-127"/>
-              <a:ea typeface="나눔스퀘어 ExtraBold" panose="020B0600000101010101" pitchFamily="50" charset="-127"/>
-            </a:endParaRPr>
-          </a:p>
-        </p:txBody>
-      </p:sp>
-      <p:cxnSp>
-        <p:nvCxnSpPr>
-          <p:cNvPr id="13" name="직선 연결선 12">
-            <a:extLst>
-              <a:ext uri="{FF2B5EF4-FFF2-40B4-BE49-F238E27FC236}">
-                <a16:creationId xmlns:a16="http://schemas.microsoft.com/office/drawing/2014/main" id="{0A6CB6FA-2AAB-4979-A22C-3D0DF6AA814E}"/>
-              </a:ext>
-            </a:extLst>
-          </p:cNvPr>
-          <p:cNvCxnSpPr/>
-          <p:nvPr/>
-        </p:nvCxnSpPr>
-        <p:spPr>
-          <a:xfrm>
-            <a:off x="10430892" y="144941"/>
-            <a:ext cx="360000" cy="0"/>
-          </a:xfrm>
-          <a:prstGeom prst="line">
-            <a:avLst/>
-          </a:prstGeom>
-          <a:ln w="44450" cap="rnd">
-            <a:solidFill>
-              <a:srgbClr val="D0CECE"/>
-            </a:solidFill>
-          </a:ln>
-          <a:effectLst>
-            <a:outerShdw blurRad="50800" dist="38100" dir="5400000" algn="t" rotWithShape="0">
-              <a:prstClr val="black">
-                <a:alpha val="40000"/>
-              </a:prstClr>
-            </a:outerShdw>
-          </a:effectLst>
-        </p:spPr>
-        <p:style>
-          <a:lnRef idx="1">
-            <a:schemeClr val="accent1"/>
-          </a:lnRef>
-          <a:fillRef idx="0">
-            <a:schemeClr val="accent1"/>
-          </a:fillRef>
-          <a:effectRef idx="0">
-            <a:schemeClr val="accent1"/>
-          </a:effectRef>
-          <a:fontRef idx="minor">
-            <a:schemeClr val="tx1"/>
-          </a:fontRef>
-        </p:style>
-      </p:cxnSp>
-      <p:cxnSp>
-        <p:nvCxnSpPr>
-          <p:cNvPr id="19" name="직선 연결선 18">
-            <a:extLst>
-              <a:ext uri="{FF2B5EF4-FFF2-40B4-BE49-F238E27FC236}">
-                <a16:creationId xmlns:a16="http://schemas.microsoft.com/office/drawing/2014/main" id="{C5D9B33E-758F-4D01-997B-ABF7C11A7B2F}"/>
-              </a:ext>
-            </a:extLst>
-          </p:cNvPr>
-          <p:cNvCxnSpPr/>
-          <p:nvPr/>
-        </p:nvCxnSpPr>
-        <p:spPr>
-          <a:xfrm>
-            <a:off x="10858459" y="144941"/>
-            <a:ext cx="360000" cy="0"/>
-          </a:xfrm>
-          <a:prstGeom prst="line">
-            <a:avLst/>
-          </a:prstGeom>
-          <a:ln w="44450" cap="rnd">
-            <a:solidFill>
-              <a:schemeClr val="bg2">
-                <a:lumMod val="90000"/>
-              </a:schemeClr>
-            </a:solidFill>
-          </a:ln>
-          <a:effectLst>
-            <a:outerShdw blurRad="50800" dist="38100" dir="5400000" algn="t" rotWithShape="0">
-              <a:prstClr val="black">
-                <a:alpha val="40000"/>
-              </a:prstClr>
-            </a:outerShdw>
-          </a:effectLst>
-        </p:spPr>
-        <p:style>
-          <a:lnRef idx="1">
-            <a:schemeClr val="accent1"/>
-          </a:lnRef>
-          <a:fillRef idx="0">
-            <a:schemeClr val="accent1"/>
-          </a:fillRef>
-          <a:effectRef idx="0">
-            <a:schemeClr val="accent1"/>
-          </a:effectRef>
-          <a:fontRef idx="minor">
-            <a:schemeClr val="tx1"/>
-          </a:fontRef>
-        </p:style>
-      </p:cxnSp>
-      <p:cxnSp>
-        <p:nvCxnSpPr>
-          <p:cNvPr id="20" name="직선 연결선 19">
-            <a:extLst>
-              <a:ext uri="{FF2B5EF4-FFF2-40B4-BE49-F238E27FC236}">
-                <a16:creationId xmlns:a16="http://schemas.microsoft.com/office/drawing/2014/main" id="{CE335505-AD11-437E-B6AF-B25420078BAE}"/>
-              </a:ext>
-            </a:extLst>
-          </p:cNvPr>
-          <p:cNvCxnSpPr/>
-          <p:nvPr/>
-        </p:nvCxnSpPr>
-        <p:spPr>
-          <a:xfrm>
-            <a:off x="11286026" y="144941"/>
-            <a:ext cx="360000" cy="0"/>
-          </a:xfrm>
-          <a:prstGeom prst="line">
-            <a:avLst/>
-          </a:prstGeom>
-          <a:ln w="44450" cap="rnd">
-            <a:solidFill>
-              <a:srgbClr val="8DBABD"/>
-            </a:solidFill>
-          </a:ln>
-          <a:effectLst>
-            <a:outerShdw blurRad="50800" dist="38100" dir="5400000" algn="t" rotWithShape="0">
-              <a:prstClr val="black">
-                <a:alpha val="40000"/>
-              </a:prstClr>
-            </a:outerShdw>
-          </a:effectLst>
-        </p:spPr>
-        <p:style>
-          <a:lnRef idx="1">
-            <a:schemeClr val="accent1"/>
-          </a:lnRef>
-          <a:fillRef idx="0">
-            <a:schemeClr val="accent1"/>
-          </a:fillRef>
-          <a:effectRef idx="0">
-            <a:schemeClr val="accent1"/>
-          </a:effectRef>
-          <a:fontRef idx="minor">
-            <a:schemeClr val="tx1"/>
-          </a:fontRef>
-        </p:style>
-      </p:cxnSp>
-      <p:cxnSp>
-        <p:nvCxnSpPr>
-          <p:cNvPr id="21" name="직선 연결선 20">
-            <a:extLst>
-              <a:ext uri="{FF2B5EF4-FFF2-40B4-BE49-F238E27FC236}">
-                <a16:creationId xmlns:a16="http://schemas.microsoft.com/office/drawing/2014/main" id="{6D402997-175E-44C1-923E-6FED34D877D5}"/>
-              </a:ext>
-            </a:extLst>
-          </p:cNvPr>
-          <p:cNvCxnSpPr/>
-          <p:nvPr/>
-        </p:nvCxnSpPr>
-        <p:spPr>
-          <a:xfrm>
-            <a:off x="11713592" y="144941"/>
-            <a:ext cx="360000" cy="0"/>
-          </a:xfrm>
-          <a:prstGeom prst="line">
-            <a:avLst/>
-          </a:prstGeom>
-          <a:ln w="44450" cap="rnd">
-            <a:solidFill>
-              <a:schemeClr val="bg2">
-                <a:lumMod val="90000"/>
-              </a:schemeClr>
-            </a:solidFill>
-          </a:ln>
-          <a:effectLst>
-            <a:outerShdw blurRad="50800" dist="38100" dir="5400000" algn="t" rotWithShape="0">
-              <a:prstClr val="black">
-                <a:alpha val="40000"/>
-              </a:prstClr>
-            </a:outerShdw>
-          </a:effectLst>
-        </p:spPr>
-        <p:style>
-          <a:lnRef idx="1">
-            <a:schemeClr val="accent1"/>
-          </a:lnRef>
-          <a:fillRef idx="0">
-            <a:schemeClr val="accent1"/>
-          </a:fillRef>
-          <a:effectRef idx="0">
-            <a:schemeClr val="accent1"/>
-          </a:effectRef>
-          <a:fontRef idx="minor">
-            <a:schemeClr val="tx1"/>
-          </a:fontRef>
-        </p:style>
-      </p:cxnSp>
-      <p:pic>
-        <p:nvPicPr>
-          <p:cNvPr id="10242" name="Picture 2" descr="https://t1.daumcdn.net/cfile/tistory/274A364F57AC187428">
-            <a:extLst>
-              <a:ext uri="{FF2B5EF4-FFF2-40B4-BE49-F238E27FC236}">
-                <a16:creationId xmlns:a16="http://schemas.microsoft.com/office/drawing/2014/main" id="{186E0EA7-7A3B-4D3D-88AD-0D8EB10BED66}"/>
-              </a:ext>
-            </a:extLst>
-          </p:cNvPr>
-          <p:cNvPicPr>
-            <a:picLocks noChangeAspect="1" noChangeArrowheads="1"/>
-          </p:cNvPicPr>
-          <p:nvPr/>
-        </p:nvPicPr>
-        <p:blipFill>
-          <a:blip r:embed="rId2">
-            <a:extLst>
-              <a:ext uri="{28A0092B-C50C-407E-A947-70E740481C1C}">
-                <a14:useLocalDpi xmlns:a14="http://schemas.microsoft.com/office/drawing/2010/main" val="0"/>
-              </a:ext>
-            </a:extLst>
-          </a:blip>
-          <a:srcRect/>
-          <a:stretch>
-            <a:fillRect/>
-          </a:stretch>
-        </p:blipFill>
-        <p:spPr bwMode="auto">
-          <a:xfrm>
-            <a:off x="2424113" y="1976438"/>
-            <a:ext cx="7343775" cy="4143375"/>
-          </a:xfrm>
-          <a:prstGeom prst="rect">
-            <a:avLst/>
-          </a:prstGeom>
-          <a:noFill/>
-          <a:extLst>
-            <a:ext uri="{909E8E84-426E-40DD-AFC4-6F175D3DCCD1}">
-              <a14:hiddenFill xmlns:a14="http://schemas.microsoft.com/office/drawing/2010/main">
-                <a:solidFill>
-                  <a:srgbClr val="FFFFFF"/>
-                </a:solidFill>
-              </a14:hiddenFill>
-            </a:ext>
-          </a:extLst>
-        </p:spPr>
-      </p:pic>
     </p:spTree>
     <p:extLst>
       <p:ext uri="{BB962C8B-B14F-4D97-AF65-F5344CB8AC3E}">
-        <p14:creationId xmlns:p14="http://schemas.microsoft.com/office/powerpoint/2010/main" val="651154342"/>
+        <p14:creationId xmlns:p14="http://schemas.microsoft.com/office/powerpoint/2010/main" val="2753944108"/>
       </p:ext>
     </p:extLst>
   </p:cSld>
@@ -7474,13 +7430,7 @@
       </p:grpSpPr>
       <p:cxnSp>
         <p:nvCxnSpPr>
-          <p:cNvPr id="18" name="직선 연결선 17">
-            <a:extLst>
-              <a:ext uri="{FF2B5EF4-FFF2-40B4-BE49-F238E27FC236}">
-                <a16:creationId xmlns:a16="http://schemas.microsoft.com/office/drawing/2014/main" id="{7E9713F1-EFA3-4E39-84E5-8C1322B4CD7F}"/>
-              </a:ext>
-            </a:extLst>
-          </p:cNvPr>
+          <p:cNvPr id="4" name="직선 연결선 3"/>
           <p:cNvCxnSpPr>
             <a:cxnSpLocks/>
           </p:cNvCxnSpPr>
@@ -7489,7 +7439,7 @@
         <p:spPr>
           <a:xfrm>
             <a:off x="1026522" y="989148"/>
-            <a:ext cx="4716252" cy="0"/>
+            <a:ext cx="3380015" cy="0"/>
           </a:xfrm>
           <a:prstGeom prst="line">
             <a:avLst/>
@@ -7519,20 +7469,14 @@
       </p:cxnSp>
       <p:sp>
         <p:nvSpPr>
-          <p:cNvPr id="19" name="TextBox 18">
-            <a:extLst>
-              <a:ext uri="{FF2B5EF4-FFF2-40B4-BE49-F238E27FC236}">
-                <a16:creationId xmlns:a16="http://schemas.microsoft.com/office/drawing/2014/main" id="{8424AEC0-7C50-4914-9167-6E0A9BA9A77F}"/>
-              </a:ext>
-            </a:extLst>
-          </p:cNvPr>
+          <p:cNvPr id="5" name="TextBox 4"/>
           <p:cNvSpPr txBox="1"/>
           <p:nvPr/>
         </p:nvSpPr>
         <p:spPr>
           <a:xfrm>
-            <a:off x="1088238" y="437393"/>
-            <a:ext cx="5007762" cy="584775"/>
+            <a:off x="1088239" y="437393"/>
+            <a:ext cx="3380016" cy="584775"/>
           </a:xfrm>
           <a:prstGeom prst="rect">
             <a:avLst/>
@@ -7553,7 +7497,7 @@
                 <a:latin typeface="나눔스퀘어 ExtraBold" panose="020B0600000101010101" pitchFamily="50" charset="-127"/>
                 <a:ea typeface="나눔스퀘어 ExtraBold" panose="020B0600000101010101" pitchFamily="50" charset="-127"/>
               </a:rPr>
-              <a:t>Recurrent Neural Net</a:t>
+              <a:t>RNN Applications</a:t>
             </a:r>
             <a:endParaRPr lang="ko-KR" altLang="en-US" sz="3200" spc="-150" dirty="0">
               <a:solidFill>
@@ -7567,13 +7511,7 @@
       </p:sp>
       <p:sp>
         <p:nvSpPr>
-          <p:cNvPr id="20" name="TextBox 19">
-            <a:extLst>
-              <a:ext uri="{FF2B5EF4-FFF2-40B4-BE49-F238E27FC236}">
-                <a16:creationId xmlns:a16="http://schemas.microsoft.com/office/drawing/2014/main" id="{7101A769-9F33-4558-A4C3-3FE2F9C437E2}"/>
-              </a:ext>
-            </a:extLst>
-          </p:cNvPr>
+          <p:cNvPr id="12" name="TextBox 11"/>
           <p:cNvSpPr txBox="1"/>
           <p:nvPr/>
         </p:nvSpPr>
@@ -7602,7 +7540,7 @@
                 <a:latin typeface="나눔스퀘어 ExtraBold" panose="020B0600000101010101" pitchFamily="50" charset="-127"/>
                 <a:ea typeface="나눔스퀘어 ExtraBold" panose="020B0600000101010101" pitchFamily="50" charset="-127"/>
               </a:rPr>
-              <a:t>02.</a:t>
+              <a:t>03.</a:t>
             </a:r>
             <a:endParaRPr lang="ko-KR" altLang="en-US" sz="2400" spc="-150" dirty="0">
               <a:solidFill>
@@ -7616,10 +7554,10 @@
       </p:sp>
       <p:sp>
         <p:nvSpPr>
-          <p:cNvPr id="21" name="TextBox 20">
-            <a:extLst>
-              <a:ext uri="{FF2B5EF4-FFF2-40B4-BE49-F238E27FC236}">
-                <a16:creationId xmlns:a16="http://schemas.microsoft.com/office/drawing/2014/main" id="{159FD76B-E015-48C0-ADB0-17BB7437A8DE}"/>
+          <p:cNvPr id="11" name="TextBox 10">
+            <a:extLst>
+              <a:ext uri="{FF2B5EF4-FFF2-40B4-BE49-F238E27FC236}">
+                <a16:creationId xmlns:a16="http://schemas.microsoft.com/office/drawing/2014/main" id="{2B395301-37C5-4E49-8CBB-7A77E2A5F0AF}"/>
               </a:ext>
             </a:extLst>
           </p:cNvPr>
@@ -7629,7 +7567,7 @@
         <p:spPr>
           <a:xfrm>
             <a:off x="1069802" y="1006929"/>
-            <a:ext cx="4203764" cy="369332"/>
+            <a:ext cx="3707150" cy="369332"/>
           </a:xfrm>
           <a:prstGeom prst="rect">
             <a:avLst/>
@@ -7650,7 +7588,27 @@
                 <a:latin typeface="나눔스퀘어 ExtraBold" panose="020B0600000101010101" pitchFamily="50" charset="-127"/>
                 <a:ea typeface="나눔스퀘어 ExtraBold" panose="020B0600000101010101" pitchFamily="50" charset="-127"/>
               </a:rPr>
-              <a:t>CS231 </a:t>
+              <a:t>Research</a:t>
+            </a:r>
+            <a:r>
+              <a:rPr lang="ko-KR" altLang="en-US" spc="-150">
+                <a:solidFill>
+                  <a:srgbClr val="00002F"/>
+                </a:solidFill>
+                <a:latin typeface="나눔스퀘어 ExtraBold" panose="020B0600000101010101" pitchFamily="50" charset="-127"/>
+                <a:ea typeface="나눔스퀘어 ExtraBold" panose="020B0600000101010101" pitchFamily="50" charset="-127"/>
+              </a:rPr>
+              <a:t> </a:t>
+            </a:r>
+            <a:r>
+              <a:rPr lang="en-US" altLang="ko-KR" spc="-150">
+                <a:solidFill>
+                  <a:srgbClr val="00002F"/>
+                </a:solidFill>
+                <a:latin typeface="나눔스퀘어 ExtraBold" panose="020B0600000101010101" pitchFamily="50" charset="-127"/>
+                <a:ea typeface="나눔스퀘어 ExtraBold" panose="020B0600000101010101" pitchFamily="50" charset="-127"/>
+              </a:rPr>
+              <a:t>Paper</a:t>
             </a:r>
             <a:endParaRPr lang="ko-KR" altLang="en-US" spc="-150" dirty="0">
               <a:solidFill>
@@ -7662,91 +7620,12 @@
           </a:p>
         </p:txBody>
       </p:sp>
-      <p:sp>
-        <p:nvSpPr>
-          <p:cNvPr id="22" name="TextBox 21">
-            <a:extLst>
-              <a:ext uri="{FF2B5EF4-FFF2-40B4-BE49-F238E27FC236}">
-                <a16:creationId xmlns:a16="http://schemas.microsoft.com/office/drawing/2014/main" id="{8019C11E-6100-423B-900D-1A90B1CD5579}"/>
-              </a:ext>
-            </a:extLst>
-          </p:cNvPr>
-          <p:cNvSpPr txBox="1"/>
-          <p:nvPr/>
-        </p:nvSpPr>
-        <p:spPr>
-          <a:xfrm>
-            <a:off x="0" y="6669345"/>
-            <a:ext cx="5805938" cy="215444"/>
-          </a:xfrm>
-          <a:prstGeom prst="rect">
-            <a:avLst/>
-          </a:prstGeom>
-          <a:noFill/>
-        </p:spPr>
-        <p:txBody>
-          <a:bodyPr wrap="square" rtlCol="0">
-            <a:spAutoFit/>
-          </a:bodyPr>
-          <a:lstStyle/>
-          <a:p>
-            <a:r>
-              <a:rPr lang="ko-KR" altLang="en-US" sz="800" spc="-100">
-                <a:ln>
-                  <a:solidFill>
-                    <a:schemeClr val="bg1">
-                      <a:lumMod val="65000"/>
-                      <a:alpha val="0"/>
-                    </a:schemeClr>
-                  </a:solidFill>
-                </a:ln>
-                <a:latin typeface="나눔스퀘어 Bold" panose="020B0600000101010101" pitchFamily="50" charset="-127"/>
-                <a:ea typeface="나눔스퀘어 Bold" panose="020B0600000101010101" pitchFamily="50" charset="-127"/>
-              </a:rPr>
-              <a:t>이미지 출처 </a:t>
-            </a:r>
-            <a:r>
-              <a:rPr lang="en-US" altLang="ko-KR" sz="800" spc="-100">
-                <a:ln>
-                  <a:solidFill>
-                    <a:schemeClr val="bg1">
-                      <a:lumMod val="65000"/>
-                      <a:alpha val="0"/>
-                    </a:schemeClr>
-                  </a:solidFill>
-                </a:ln>
-                <a:latin typeface="나눔스퀘어 Bold" panose="020B0600000101010101" pitchFamily="50" charset="-127"/>
-                <a:ea typeface="나눔스퀘어 Bold" panose="020B0600000101010101" pitchFamily="50" charset="-127"/>
-              </a:rPr>
-              <a:t>: </a:t>
-            </a:r>
-            <a:r>
-              <a:rPr lang="en-US" altLang="ko-KR" sz="800">
-                <a:hlinkClick r:id="rId2"/>
-              </a:rPr>
-              <a:t>http://cs231n.stanford.edu/slides/2017/cs231n_2017_lecture10.pdf</a:t>
-            </a:r>
-            <a:endParaRPr lang="en-US" altLang="ko-KR" sz="800" spc="-100">
-              <a:ln>
-                <a:solidFill>
-                  <a:schemeClr val="bg1">
-                    <a:lumMod val="65000"/>
-                    <a:alpha val="0"/>
-                  </a:schemeClr>
-                </a:solidFill>
-              </a:ln>
-              <a:latin typeface="나눔스퀘어 Bold" panose="020B0600000101010101" pitchFamily="50" charset="-127"/>
-              <a:ea typeface="나눔스퀘어 Bold" panose="020B0600000101010101" pitchFamily="50" charset="-127"/>
-            </a:endParaRPr>
-          </a:p>
-        </p:txBody>
-      </p:sp>
       <p:cxnSp>
         <p:nvCxnSpPr>
-          <p:cNvPr id="14" name="직선 연결선 13">
-            <a:extLst>
-              <a:ext uri="{FF2B5EF4-FFF2-40B4-BE49-F238E27FC236}">
-                <a16:creationId xmlns:a16="http://schemas.microsoft.com/office/drawing/2014/main" id="{1C5B3F16-F5A5-45CE-AFF6-E2B566726F65}"/>
+          <p:cNvPr id="13" name="직선 연결선 12">
+            <a:extLst>
+              <a:ext uri="{FF2B5EF4-FFF2-40B4-BE49-F238E27FC236}">
+                <a16:creationId xmlns:a16="http://schemas.microsoft.com/office/drawing/2014/main" id="{0A6CB6FA-2AAB-4979-A22C-3D0DF6AA814E}"/>
               </a:ext>
             </a:extLst>
           </p:cNvPr>
@@ -7791,10 +7670,10 @@
       </p:cxnSp>
       <p:cxnSp>
         <p:nvCxnSpPr>
-          <p:cNvPr id="15" name="직선 연결선 14">
-            <a:extLst>
-              <a:ext uri="{FF2B5EF4-FFF2-40B4-BE49-F238E27FC236}">
-                <a16:creationId xmlns:a16="http://schemas.microsoft.com/office/drawing/2014/main" id="{0B38C793-3AF5-4A3B-B31E-CB3C08811AEC}"/>
+          <p:cNvPr id="19" name="직선 연결선 18">
+            <a:extLst>
+              <a:ext uri="{FF2B5EF4-FFF2-40B4-BE49-F238E27FC236}">
+                <a16:creationId xmlns:a16="http://schemas.microsoft.com/office/drawing/2014/main" id="{C5D9B33E-758F-4D01-997B-ABF7C11A7B2F}"/>
               </a:ext>
             </a:extLst>
           </p:cNvPr>
@@ -7841,10 +7720,10 @@
       </p:cxnSp>
       <p:cxnSp>
         <p:nvCxnSpPr>
-          <p:cNvPr id="16" name="직선 연결선 15">
-            <a:extLst>
-              <a:ext uri="{FF2B5EF4-FFF2-40B4-BE49-F238E27FC236}">
-                <a16:creationId xmlns:a16="http://schemas.microsoft.com/office/drawing/2014/main" id="{70C9F533-A0B2-422A-8499-86900B1A8D29}"/>
+          <p:cNvPr id="20" name="직선 연결선 19">
+            <a:extLst>
+              <a:ext uri="{FF2B5EF4-FFF2-40B4-BE49-F238E27FC236}">
+                <a16:creationId xmlns:a16="http://schemas.microsoft.com/office/drawing/2014/main" id="{CE335505-AD11-437E-B6AF-B25420078BAE}"/>
               </a:ext>
             </a:extLst>
           </p:cNvPr>
@@ -7889,10 +7768,10 @@
       </p:cxnSp>
       <p:cxnSp>
         <p:nvCxnSpPr>
-          <p:cNvPr id="17" name="직선 연결선 16">
-            <a:extLst>
-              <a:ext uri="{FF2B5EF4-FFF2-40B4-BE49-F238E27FC236}">
-                <a16:creationId xmlns:a16="http://schemas.microsoft.com/office/drawing/2014/main" id="{F35F3BC4-912B-455F-83BC-74AA130A0702}"/>
+          <p:cNvPr id="21" name="직선 연결선 20">
+            <a:extLst>
+              <a:ext uri="{FF2B5EF4-FFF2-40B4-BE49-F238E27FC236}">
+                <a16:creationId xmlns:a16="http://schemas.microsoft.com/office/drawing/2014/main" id="{6D402997-175E-44C1-923E-6FED34D877D5}"/>
               </a:ext>
             </a:extLst>
           </p:cNvPr>
@@ -7939,10 +7818,10 @@
       </p:cxnSp>
       <p:pic>
         <p:nvPicPr>
-          <p:cNvPr id="11266" name="Picture 2" descr="https://t1.daumcdn.net/cfile/tistory/236C7D4F57AC187405">
-            <a:extLst>
-              <a:ext uri="{FF2B5EF4-FFF2-40B4-BE49-F238E27FC236}">
-                <a16:creationId xmlns:a16="http://schemas.microsoft.com/office/drawing/2014/main" id="{A7E57F93-F2DD-4C01-A61A-9766512D8985}"/>
+          <p:cNvPr id="10242" name="Picture 2" descr="https://t1.daumcdn.net/cfile/tistory/274A364F57AC187428">
+            <a:extLst>
+              <a:ext uri="{FF2B5EF4-FFF2-40B4-BE49-F238E27FC236}">
+                <a16:creationId xmlns:a16="http://schemas.microsoft.com/office/drawing/2014/main" id="{186E0EA7-7A3B-4D3D-88AD-0D8EB10BED66}"/>
               </a:ext>
             </a:extLst>
           </p:cNvPr>
@@ -7952,7 +7831,7 @@
           <p:nvPr/>
         </p:nvPicPr>
         <p:blipFill>
-          <a:blip r:embed="rId3">
+          <a:blip r:embed="rId2">
             <a:extLst>
               <a:ext uri="{28A0092B-C50C-407E-A947-70E740481C1C}">
                 <a14:useLocalDpi xmlns:a14="http://schemas.microsoft.com/office/drawing/2010/main" val="0"/>
@@ -7966,8 +7845,8 @@
         </p:blipFill>
         <p:spPr bwMode="auto">
           <a:xfrm>
-            <a:off x="3061383" y="1983562"/>
-            <a:ext cx="6069235" cy="3424277"/>
+            <a:off x="2424113" y="1976438"/>
+            <a:ext cx="7343775" cy="4143375"/>
           </a:xfrm>
           <a:prstGeom prst="rect">
             <a:avLst/>
@@ -7984,93 +7863,10 @@
           </a:extLst>
         </p:spPr>
       </p:pic>
-      <p:sp>
-        <p:nvSpPr>
-          <p:cNvPr id="23" name="TextBox 22">
-            <a:extLst>
-              <a:ext uri="{FF2B5EF4-FFF2-40B4-BE49-F238E27FC236}">
-                <a16:creationId xmlns:a16="http://schemas.microsoft.com/office/drawing/2014/main" id="{28F4C33E-5E10-481E-9ECE-5EA74456A761}"/>
-              </a:ext>
-            </a:extLst>
-          </p:cNvPr>
-          <p:cNvSpPr txBox="1"/>
-          <p:nvPr/>
-        </p:nvSpPr>
-        <p:spPr>
-          <a:xfrm>
-            <a:off x="2621030" y="5893127"/>
-            <a:ext cx="6949941" cy="411972"/>
-          </a:xfrm>
-          <a:prstGeom prst="rect">
-            <a:avLst/>
-          </a:prstGeom>
-          <a:noFill/>
-        </p:spPr>
-        <p:txBody>
-          <a:bodyPr wrap="square" rtlCol="0">
-            <a:spAutoFit/>
-          </a:bodyPr>
-          <a:lstStyle/>
-          <a:p>
-            <a:pPr marL="171450" indent="-171450" algn="ctr">
-              <a:lnSpc>
-                <a:spcPct val="200000"/>
-              </a:lnSpc>
-              <a:buFont typeface="Arial" panose="020B0604020202020204" pitchFamily="34" charset="0"/>
-              <a:buChar char="•"/>
-            </a:pPr>
-            <a:r>
-              <a:rPr lang="en-US" altLang="ko-KR" sz="1200" spc="-100">
-                <a:ln>
-                  <a:solidFill>
-                    <a:schemeClr val="bg1">
-                      <a:lumMod val="65000"/>
-                      <a:alpha val="0"/>
-                    </a:schemeClr>
-                  </a:solidFill>
-                </a:ln>
-                <a:latin typeface="나눔스퀘어 Bold" panose="020B0600000101010101" pitchFamily="50" charset="-127"/>
-                <a:ea typeface="나눔스퀘어 Bold" panose="020B0600000101010101" pitchFamily="50" charset="-127"/>
-              </a:rPr>
-              <a:t>RNN</a:t>
-            </a:r>
-            <a:r>
-              <a:rPr lang="ko-KR" altLang="en-US" sz="1200" spc="-100">
-                <a:ln>
-                  <a:solidFill>
-                    <a:schemeClr val="bg1">
-                      <a:lumMod val="65000"/>
-                      <a:alpha val="0"/>
-                    </a:schemeClr>
-                  </a:solidFill>
-                </a:ln>
-                <a:latin typeface="나눔스퀘어 Bold" panose="020B0600000101010101" pitchFamily="50" charset="-127"/>
-                <a:ea typeface="나눔스퀘어 Bold" panose="020B0600000101010101" pitchFamily="50" charset="-127"/>
-              </a:rPr>
-              <a:t>이라고 부를 수 있을까</a:t>
-            </a:r>
-            <a:r>
-              <a:rPr lang="en-US" altLang="ko-KR" sz="1200" spc="-100">
-                <a:ln>
-                  <a:solidFill>
-                    <a:schemeClr val="bg1">
-                      <a:lumMod val="65000"/>
-                      <a:alpha val="0"/>
-                    </a:schemeClr>
-                  </a:solidFill>
-                </a:ln>
-                <a:latin typeface="나눔스퀘어 Bold" panose="020B0600000101010101" pitchFamily="50" charset="-127"/>
-                <a:ea typeface="나눔스퀘어 Bold" panose="020B0600000101010101" pitchFamily="50" charset="-127"/>
-              </a:rPr>
-              <a:t>?</a:t>
-            </a:r>
-          </a:p>
-        </p:txBody>
-      </p:sp>
     </p:spTree>
     <p:extLst>
       <p:ext uri="{BB962C8B-B14F-4D97-AF65-F5344CB8AC3E}">
-        <p14:creationId xmlns:p14="http://schemas.microsoft.com/office/powerpoint/2010/main" val="1776384565"/>
+        <p14:creationId xmlns:p14="http://schemas.microsoft.com/office/powerpoint/2010/main" val="651154342"/>
       </p:ext>
     </p:extLst>
   </p:cSld>
@@ -8097,99 +7893,6 @@
           <a:chExt cx="0" cy="0"/>
         </a:xfrm>
       </p:grpSpPr>
-      <p:cxnSp>
-        <p:nvCxnSpPr>
-          <p:cNvPr id="18" name="직선 연결선 17">
-            <a:extLst>
-              <a:ext uri="{FF2B5EF4-FFF2-40B4-BE49-F238E27FC236}">
-                <a16:creationId xmlns:a16="http://schemas.microsoft.com/office/drawing/2014/main" id="{7E9713F1-EFA3-4E39-84E5-8C1322B4CD7F}"/>
-              </a:ext>
-            </a:extLst>
-          </p:cNvPr>
-          <p:cNvCxnSpPr>
-            <a:cxnSpLocks/>
-          </p:cNvCxnSpPr>
-          <p:nvPr/>
-        </p:nvCxnSpPr>
-        <p:spPr>
-          <a:xfrm>
-            <a:off x="1026522" y="989148"/>
-            <a:ext cx="4716252" cy="0"/>
-          </a:xfrm>
-          <a:prstGeom prst="line">
-            <a:avLst/>
-          </a:prstGeom>
-          <a:ln>
-            <a:solidFill>
-              <a:schemeClr val="bg1">
-                <a:lumMod val="50000"/>
-              </a:schemeClr>
-            </a:solidFill>
-          </a:ln>
-        </p:spPr>
-        <p:style>
-          <a:lnRef idx="1">
-            <a:schemeClr val="accent1"/>
-          </a:lnRef>
-          <a:fillRef idx="0">
-            <a:schemeClr val="accent1"/>
-          </a:fillRef>
-          <a:effectRef idx="0">
-            <a:schemeClr val="accent1"/>
-          </a:effectRef>
-          <a:fontRef idx="minor">
-            <a:schemeClr val="tx1"/>
-          </a:fontRef>
-        </p:style>
-      </p:cxnSp>
-      <p:sp>
-        <p:nvSpPr>
-          <p:cNvPr id="19" name="TextBox 18">
-            <a:extLst>
-              <a:ext uri="{FF2B5EF4-FFF2-40B4-BE49-F238E27FC236}">
-                <a16:creationId xmlns:a16="http://schemas.microsoft.com/office/drawing/2014/main" id="{8424AEC0-7C50-4914-9167-6E0A9BA9A77F}"/>
-              </a:ext>
-            </a:extLst>
-          </p:cNvPr>
-          <p:cNvSpPr txBox="1"/>
-          <p:nvPr/>
-        </p:nvSpPr>
-        <p:spPr>
-          <a:xfrm>
-            <a:off x="1088238" y="437393"/>
-            <a:ext cx="5007762" cy="584775"/>
-          </a:xfrm>
-          <a:prstGeom prst="rect">
-            <a:avLst/>
-          </a:prstGeom>
-          <a:noFill/>
-        </p:spPr>
-        <p:txBody>
-          <a:bodyPr wrap="square" rtlCol="0">
-            <a:spAutoFit/>
-          </a:bodyPr>
-          <a:lstStyle/>
-          <a:p>
-            <a:r>
-              <a:rPr lang="en-US" altLang="ko-KR" sz="3200" spc="-150">
-                <a:solidFill>
-                  <a:srgbClr val="00002F"/>
-                </a:solidFill>
-                <a:latin typeface="나눔스퀘어 ExtraBold" panose="020B0600000101010101" pitchFamily="50" charset="-127"/>
-                <a:ea typeface="나눔스퀘어 ExtraBold" panose="020B0600000101010101" pitchFamily="50" charset="-127"/>
-              </a:rPr>
-              <a:t>Recurrent Neural Net</a:t>
-            </a:r>
-            <a:endParaRPr lang="ko-KR" altLang="en-US" sz="3200" spc="-150" dirty="0">
-              <a:solidFill>
-                <a:srgbClr val="00002F"/>
-              </a:solidFill>
-              <a:latin typeface="나눔스퀘어 ExtraBold" panose="020B0600000101010101" pitchFamily="50" charset="-127"/>
-              <a:ea typeface="나눔스퀘어 ExtraBold" panose="020B0600000101010101" pitchFamily="50" charset="-127"/>
-            </a:endParaRPr>
-          </a:p>
-        </p:txBody>
-      </p:sp>
       <p:sp>
         <p:nvSpPr>
           <p:cNvPr id="20" name="TextBox 19">
@@ -8227,7 +7930,7 @@
                 <a:latin typeface="나눔스퀘어 ExtraBold" panose="020B0600000101010101" pitchFamily="50" charset="-127"/>
                 <a:ea typeface="나눔스퀘어 ExtraBold" panose="020B0600000101010101" pitchFamily="50" charset="-127"/>
               </a:rPr>
-              <a:t>02.</a:t>
+              <a:t>03.</a:t>
             </a:r>
             <a:endParaRPr lang="ko-KR" altLang="en-US" sz="2400" spc="-150" dirty="0">
               <a:solidFill>
@@ -8564,10 +8267,10 @@
       </p:cxnSp>
       <p:pic>
         <p:nvPicPr>
-          <p:cNvPr id="14338" name="Picture 2" descr="https://t1.daumcdn.net/cfile/tistory/2264384F57AC18750D">
-            <a:extLst>
-              <a:ext uri="{FF2B5EF4-FFF2-40B4-BE49-F238E27FC236}">
-                <a16:creationId xmlns:a16="http://schemas.microsoft.com/office/drawing/2014/main" id="{F51EB66E-59A6-4482-AB0F-1FED3ECB3964}"/>
+          <p:cNvPr id="11266" name="Picture 2" descr="https://t1.daumcdn.net/cfile/tistory/236C7D4F57AC187405">
+            <a:extLst>
+              <a:ext uri="{FF2B5EF4-FFF2-40B4-BE49-F238E27FC236}">
+                <a16:creationId xmlns:a16="http://schemas.microsoft.com/office/drawing/2014/main" id="{A7E57F93-F2DD-4C01-A61A-9766512D8985}"/>
               </a:ext>
             </a:extLst>
           </p:cNvPr>
@@ -8591,8 +8294,8 @@
         </p:blipFill>
         <p:spPr bwMode="auto">
           <a:xfrm>
-            <a:off x="2424113" y="1928813"/>
-            <a:ext cx="7343775" cy="4143375"/>
+            <a:off x="3061383" y="1983562"/>
+            <a:ext cx="6069235" cy="3424277"/>
           </a:xfrm>
           <a:prstGeom prst="rect">
             <a:avLst/>
@@ -8609,10 +8312,186 @@
           </a:extLst>
         </p:spPr>
       </p:pic>
+      <p:sp>
+        <p:nvSpPr>
+          <p:cNvPr id="23" name="TextBox 22">
+            <a:extLst>
+              <a:ext uri="{FF2B5EF4-FFF2-40B4-BE49-F238E27FC236}">
+                <a16:creationId xmlns:a16="http://schemas.microsoft.com/office/drawing/2014/main" id="{28F4C33E-5E10-481E-9ECE-5EA74456A761}"/>
+              </a:ext>
+            </a:extLst>
+          </p:cNvPr>
+          <p:cNvSpPr txBox="1"/>
+          <p:nvPr/>
+        </p:nvSpPr>
+        <p:spPr>
+          <a:xfrm>
+            <a:off x="2621030" y="5893127"/>
+            <a:ext cx="6949941" cy="411972"/>
+          </a:xfrm>
+          <a:prstGeom prst="rect">
+            <a:avLst/>
+          </a:prstGeom>
+          <a:noFill/>
+        </p:spPr>
+        <p:txBody>
+          <a:bodyPr wrap="square" rtlCol="0">
+            <a:spAutoFit/>
+          </a:bodyPr>
+          <a:lstStyle/>
+          <a:p>
+            <a:pPr marL="171450" indent="-171450" algn="ctr">
+              <a:lnSpc>
+                <a:spcPct val="200000"/>
+              </a:lnSpc>
+              <a:buFont typeface="Arial" panose="020B0604020202020204" pitchFamily="34" charset="0"/>
+              <a:buChar char="•"/>
+            </a:pPr>
+            <a:r>
+              <a:rPr lang="en-US" altLang="ko-KR" sz="1200" spc="-100">
+                <a:ln>
+                  <a:solidFill>
+                    <a:schemeClr val="bg1">
+                      <a:lumMod val="65000"/>
+                      <a:alpha val="0"/>
+                    </a:schemeClr>
+                  </a:solidFill>
+                </a:ln>
+                <a:latin typeface="나눔스퀘어 Bold" panose="020B0600000101010101" pitchFamily="50" charset="-127"/>
+                <a:ea typeface="나눔스퀘어 Bold" panose="020B0600000101010101" pitchFamily="50" charset="-127"/>
+              </a:rPr>
+              <a:t>RNN</a:t>
+            </a:r>
+            <a:r>
+              <a:rPr lang="ko-KR" altLang="en-US" sz="1200" spc="-100">
+                <a:ln>
+                  <a:solidFill>
+                    <a:schemeClr val="bg1">
+                      <a:lumMod val="65000"/>
+                      <a:alpha val="0"/>
+                    </a:schemeClr>
+                  </a:solidFill>
+                </a:ln>
+                <a:latin typeface="나눔스퀘어 Bold" panose="020B0600000101010101" pitchFamily="50" charset="-127"/>
+                <a:ea typeface="나눔스퀘어 Bold" panose="020B0600000101010101" pitchFamily="50" charset="-127"/>
+              </a:rPr>
+              <a:t>이라고 부를 수 있을까</a:t>
+            </a:r>
+            <a:r>
+              <a:rPr lang="en-US" altLang="ko-KR" sz="1200" spc="-100">
+                <a:ln>
+                  <a:solidFill>
+                    <a:schemeClr val="bg1">
+                      <a:lumMod val="65000"/>
+                      <a:alpha val="0"/>
+                    </a:schemeClr>
+                  </a:solidFill>
+                </a:ln>
+                <a:latin typeface="나눔스퀘어 Bold" panose="020B0600000101010101" pitchFamily="50" charset="-127"/>
+                <a:ea typeface="나눔스퀘어 Bold" panose="020B0600000101010101" pitchFamily="50" charset="-127"/>
+              </a:rPr>
+              <a:t>?</a:t>
+            </a:r>
+          </a:p>
+        </p:txBody>
+      </p:sp>
+      <p:cxnSp>
+        <p:nvCxnSpPr>
+          <p:cNvPr id="13" name="직선 연결선 12">
+            <a:extLst>
+              <a:ext uri="{FF2B5EF4-FFF2-40B4-BE49-F238E27FC236}">
+                <a16:creationId xmlns:a16="http://schemas.microsoft.com/office/drawing/2014/main" id="{862A21C3-D2F5-4D25-93EE-9140ACE39BB0}"/>
+              </a:ext>
+            </a:extLst>
+          </p:cNvPr>
+          <p:cNvCxnSpPr>
+            <a:cxnSpLocks/>
+          </p:cNvCxnSpPr>
+          <p:nvPr/>
+        </p:nvCxnSpPr>
+        <p:spPr>
+          <a:xfrm>
+            <a:off x="1026522" y="989148"/>
+            <a:ext cx="3380015" cy="0"/>
+          </a:xfrm>
+          <a:prstGeom prst="line">
+            <a:avLst/>
+          </a:prstGeom>
+          <a:ln>
+            <a:solidFill>
+              <a:schemeClr val="bg1">
+                <a:lumMod val="50000"/>
+              </a:schemeClr>
+            </a:solidFill>
+          </a:ln>
+        </p:spPr>
+        <p:style>
+          <a:lnRef idx="1">
+            <a:schemeClr val="accent1"/>
+          </a:lnRef>
+          <a:fillRef idx="0">
+            <a:schemeClr val="accent1"/>
+          </a:fillRef>
+          <a:effectRef idx="0">
+            <a:schemeClr val="accent1"/>
+          </a:effectRef>
+          <a:fontRef idx="minor">
+            <a:schemeClr val="tx1"/>
+          </a:fontRef>
+        </p:style>
+      </p:cxnSp>
+      <p:sp>
+        <p:nvSpPr>
+          <p:cNvPr id="24" name="TextBox 23">
+            <a:extLst>
+              <a:ext uri="{FF2B5EF4-FFF2-40B4-BE49-F238E27FC236}">
+                <a16:creationId xmlns:a16="http://schemas.microsoft.com/office/drawing/2014/main" id="{3B69F280-7BE9-4FC1-9FCD-B39A64E77B19}"/>
+              </a:ext>
+            </a:extLst>
+          </p:cNvPr>
+          <p:cNvSpPr txBox="1"/>
+          <p:nvPr/>
+        </p:nvSpPr>
+        <p:spPr>
+          <a:xfrm>
+            <a:off x="1088239" y="437393"/>
+            <a:ext cx="3380016" cy="584775"/>
+          </a:xfrm>
+          <a:prstGeom prst="rect">
+            <a:avLst/>
+          </a:prstGeom>
+          <a:noFill/>
+        </p:spPr>
+        <p:txBody>
+          <a:bodyPr wrap="square" rtlCol="0">
+            <a:spAutoFit/>
+          </a:bodyPr>
+          <a:lstStyle/>
+          <a:p>
+            <a:r>
+              <a:rPr lang="en-US" altLang="ko-KR" sz="3200" spc="-150">
+                <a:solidFill>
+                  <a:srgbClr val="00002F"/>
+                </a:solidFill>
+                <a:latin typeface="나눔스퀘어 ExtraBold" panose="020B0600000101010101" pitchFamily="50" charset="-127"/>
+                <a:ea typeface="나눔스퀘어 ExtraBold" panose="020B0600000101010101" pitchFamily="50" charset="-127"/>
+              </a:rPr>
+              <a:t>RNN Applications</a:t>
+            </a:r>
+            <a:endParaRPr lang="ko-KR" altLang="en-US" sz="3200" spc="-150" dirty="0">
+              <a:solidFill>
+                <a:srgbClr val="00002F"/>
+              </a:solidFill>
+              <a:latin typeface="나눔스퀘어 ExtraBold" panose="020B0600000101010101" pitchFamily="50" charset="-127"/>
+              <a:ea typeface="나눔스퀘어 ExtraBold" panose="020B0600000101010101" pitchFamily="50" charset="-127"/>
+            </a:endParaRPr>
+          </a:p>
+        </p:txBody>
+      </p:sp>
     </p:spTree>
     <p:extLst>
       <p:ext uri="{BB962C8B-B14F-4D97-AF65-F5344CB8AC3E}">
-        <p14:creationId xmlns:p14="http://schemas.microsoft.com/office/powerpoint/2010/main" val="195540335"/>
+        <p14:creationId xmlns:p14="http://schemas.microsoft.com/office/powerpoint/2010/main" val="1776384565"/>
       </p:ext>
     </p:extLst>
   </p:cSld>
@@ -8639,148 +8518,6 @@
           <a:chExt cx="0" cy="0"/>
         </a:xfrm>
       </p:grpSpPr>
-      <p:cxnSp>
-        <p:nvCxnSpPr>
-          <p:cNvPr id="18" name="직선 연결선 17">
-            <a:extLst>
-              <a:ext uri="{FF2B5EF4-FFF2-40B4-BE49-F238E27FC236}">
-                <a16:creationId xmlns:a16="http://schemas.microsoft.com/office/drawing/2014/main" id="{7E9713F1-EFA3-4E39-84E5-8C1322B4CD7F}"/>
-              </a:ext>
-            </a:extLst>
-          </p:cNvPr>
-          <p:cNvCxnSpPr>
-            <a:cxnSpLocks/>
-          </p:cNvCxnSpPr>
-          <p:nvPr/>
-        </p:nvCxnSpPr>
-        <p:spPr>
-          <a:xfrm>
-            <a:off x="1026522" y="989148"/>
-            <a:ext cx="4716252" cy="0"/>
-          </a:xfrm>
-          <a:prstGeom prst="line">
-            <a:avLst/>
-          </a:prstGeom>
-          <a:ln>
-            <a:solidFill>
-              <a:schemeClr val="bg1">
-                <a:lumMod val="50000"/>
-              </a:schemeClr>
-            </a:solidFill>
-          </a:ln>
-        </p:spPr>
-        <p:style>
-          <a:lnRef idx="1">
-            <a:schemeClr val="accent1"/>
-          </a:lnRef>
-          <a:fillRef idx="0">
-            <a:schemeClr val="accent1"/>
-          </a:fillRef>
-          <a:effectRef idx="0">
-            <a:schemeClr val="accent1"/>
-          </a:effectRef>
-          <a:fontRef idx="minor">
-            <a:schemeClr val="tx1"/>
-          </a:fontRef>
-        </p:style>
-      </p:cxnSp>
-      <p:sp>
-        <p:nvSpPr>
-          <p:cNvPr id="19" name="TextBox 18">
-            <a:extLst>
-              <a:ext uri="{FF2B5EF4-FFF2-40B4-BE49-F238E27FC236}">
-                <a16:creationId xmlns:a16="http://schemas.microsoft.com/office/drawing/2014/main" id="{8424AEC0-7C50-4914-9167-6E0A9BA9A77F}"/>
-              </a:ext>
-            </a:extLst>
-          </p:cNvPr>
-          <p:cNvSpPr txBox="1"/>
-          <p:nvPr/>
-        </p:nvSpPr>
-        <p:spPr>
-          <a:xfrm>
-            <a:off x="1088238" y="437393"/>
-            <a:ext cx="5007762" cy="584775"/>
-          </a:xfrm>
-          <a:prstGeom prst="rect">
-            <a:avLst/>
-          </a:prstGeom>
-          <a:noFill/>
-        </p:spPr>
-        <p:txBody>
-          <a:bodyPr wrap="square" rtlCol="0">
-            <a:spAutoFit/>
-          </a:bodyPr>
-          <a:lstStyle/>
-          <a:p>
-            <a:r>
-              <a:rPr lang="en-US" altLang="ko-KR" sz="3200" spc="-150">
-                <a:solidFill>
-                  <a:srgbClr val="00002F"/>
-                </a:solidFill>
-                <a:latin typeface="나눔스퀘어 ExtraBold" panose="020B0600000101010101" pitchFamily="50" charset="-127"/>
-                <a:ea typeface="나눔스퀘어 ExtraBold" panose="020B0600000101010101" pitchFamily="50" charset="-127"/>
-              </a:rPr>
-              <a:t>Recurrent Neural Net</a:t>
-            </a:r>
-            <a:endParaRPr lang="ko-KR" altLang="en-US" sz="3200" spc="-150" dirty="0">
-              <a:solidFill>
-                <a:srgbClr val="00002F"/>
-              </a:solidFill>
-              <a:latin typeface="나눔스퀘어 ExtraBold" panose="020B0600000101010101" pitchFamily="50" charset="-127"/>
-              <a:ea typeface="나눔스퀘어 ExtraBold" panose="020B0600000101010101" pitchFamily="50" charset="-127"/>
-            </a:endParaRPr>
-          </a:p>
-        </p:txBody>
-      </p:sp>
-      <p:sp>
-        <p:nvSpPr>
-          <p:cNvPr id="20" name="TextBox 19">
-            <a:extLst>
-              <a:ext uri="{FF2B5EF4-FFF2-40B4-BE49-F238E27FC236}">
-                <a16:creationId xmlns:a16="http://schemas.microsoft.com/office/drawing/2014/main" id="{7101A769-9F33-4558-A4C3-3FE2F9C437E2}"/>
-              </a:ext>
-            </a:extLst>
-          </p:cNvPr>
-          <p:cNvSpPr txBox="1"/>
-          <p:nvPr/>
-        </p:nvSpPr>
-        <p:spPr>
-          <a:xfrm>
-            <a:off x="455532" y="498947"/>
-            <a:ext cx="614271" cy="461665"/>
-          </a:xfrm>
-          <a:prstGeom prst="rect">
-            <a:avLst/>
-          </a:prstGeom>
-          <a:noFill/>
-        </p:spPr>
-        <p:txBody>
-          <a:bodyPr wrap="none" rtlCol="0">
-            <a:spAutoFit/>
-          </a:bodyPr>
-          <a:lstStyle/>
-          <a:p>
-            <a:pPr algn="ctr"/>
-            <a:r>
-              <a:rPr lang="en-US" altLang="ko-KR" sz="2400" spc="-150">
-                <a:solidFill>
-                  <a:srgbClr val="00002F"/>
-                </a:solidFill>
-                <a:latin typeface="나눔스퀘어 ExtraBold" panose="020B0600000101010101" pitchFamily="50" charset="-127"/>
-                <a:ea typeface="나눔스퀘어 ExtraBold" panose="020B0600000101010101" pitchFamily="50" charset="-127"/>
-              </a:rPr>
-              <a:t>02.</a:t>
-            </a:r>
-            <a:endParaRPr lang="ko-KR" altLang="en-US" sz="2400" spc="-150" dirty="0">
-              <a:solidFill>
-                <a:srgbClr val="00002F"/>
-              </a:solidFill>
-              <a:latin typeface="나눔스퀘어 ExtraBold" panose="020B0600000101010101" pitchFamily="50" charset="-127"/>
-              <a:ea typeface="나눔스퀘어 ExtraBold" panose="020B0600000101010101" pitchFamily="50" charset="-127"/>
-            </a:endParaRPr>
-          </a:p>
-        </p:txBody>
-      </p:sp>
       <p:sp>
         <p:nvSpPr>
           <p:cNvPr id="21" name="TextBox 20">
@@ -9106,10 +8843,10 @@
       </p:cxnSp>
       <p:pic>
         <p:nvPicPr>
-          <p:cNvPr id="13314" name="Picture 2" descr="https://t1.daumcdn.net/cfile/tistory/2252F44E57AC18752E">
-            <a:extLst>
-              <a:ext uri="{FF2B5EF4-FFF2-40B4-BE49-F238E27FC236}">
-                <a16:creationId xmlns:a16="http://schemas.microsoft.com/office/drawing/2014/main" id="{06D54358-C624-425D-8C75-83A6F7F1732F}"/>
+          <p:cNvPr id="14338" name="Picture 2" descr="https://t1.daumcdn.net/cfile/tistory/2264384F57AC18750D">
+            <a:extLst>
+              <a:ext uri="{FF2B5EF4-FFF2-40B4-BE49-F238E27FC236}">
+                <a16:creationId xmlns:a16="http://schemas.microsoft.com/office/drawing/2014/main" id="{F51EB66E-59A6-4482-AB0F-1FED3ECB3964}"/>
               </a:ext>
             </a:extLst>
           </p:cNvPr>
@@ -9133,7 +8870,7 @@
         </p:blipFill>
         <p:spPr bwMode="auto">
           <a:xfrm>
-            <a:off x="2424113" y="1938338"/>
+            <a:off x="2424113" y="1928813"/>
             <a:ext cx="7343775" cy="4143375"/>
           </a:xfrm>
           <a:prstGeom prst="rect">
@@ -9151,10 +8888,152 @@
           </a:extLst>
         </p:spPr>
       </p:pic>
+      <p:sp>
+        <p:nvSpPr>
+          <p:cNvPr id="12" name="TextBox 11">
+            <a:extLst>
+              <a:ext uri="{FF2B5EF4-FFF2-40B4-BE49-F238E27FC236}">
+                <a16:creationId xmlns:a16="http://schemas.microsoft.com/office/drawing/2014/main" id="{EB8937F1-8CBF-46C2-A37E-888960A48BDA}"/>
+              </a:ext>
+            </a:extLst>
+          </p:cNvPr>
+          <p:cNvSpPr txBox="1"/>
+          <p:nvPr/>
+        </p:nvSpPr>
+        <p:spPr>
+          <a:xfrm>
+            <a:off x="455532" y="498947"/>
+            <a:ext cx="614271" cy="461665"/>
+          </a:xfrm>
+          <a:prstGeom prst="rect">
+            <a:avLst/>
+          </a:prstGeom>
+          <a:noFill/>
+        </p:spPr>
+        <p:txBody>
+          <a:bodyPr wrap="none" rtlCol="0">
+            <a:spAutoFit/>
+          </a:bodyPr>
+          <a:lstStyle/>
+          <a:p>
+            <a:pPr algn="ctr"/>
+            <a:r>
+              <a:rPr lang="en-US" altLang="ko-KR" sz="2400" spc="-150">
+                <a:solidFill>
+                  <a:srgbClr val="00002F"/>
+                </a:solidFill>
+                <a:latin typeface="나눔스퀘어 ExtraBold" panose="020B0600000101010101" pitchFamily="50" charset="-127"/>
+                <a:ea typeface="나눔스퀘어 ExtraBold" panose="020B0600000101010101" pitchFamily="50" charset="-127"/>
+              </a:rPr>
+              <a:t>03.</a:t>
+            </a:r>
+            <a:endParaRPr lang="ko-KR" altLang="en-US" sz="2400" spc="-150" dirty="0">
+              <a:solidFill>
+                <a:srgbClr val="00002F"/>
+              </a:solidFill>
+              <a:latin typeface="나눔스퀘어 ExtraBold" panose="020B0600000101010101" pitchFamily="50" charset="-127"/>
+              <a:ea typeface="나눔스퀘어 ExtraBold" panose="020B0600000101010101" pitchFamily="50" charset="-127"/>
+            </a:endParaRPr>
+          </a:p>
+        </p:txBody>
+      </p:sp>
+      <p:cxnSp>
+        <p:nvCxnSpPr>
+          <p:cNvPr id="13" name="직선 연결선 12">
+            <a:extLst>
+              <a:ext uri="{FF2B5EF4-FFF2-40B4-BE49-F238E27FC236}">
+                <a16:creationId xmlns:a16="http://schemas.microsoft.com/office/drawing/2014/main" id="{7AC02D57-A4E8-435C-B9BB-486E28490047}"/>
+              </a:ext>
+            </a:extLst>
+          </p:cNvPr>
+          <p:cNvCxnSpPr>
+            <a:cxnSpLocks/>
+          </p:cNvCxnSpPr>
+          <p:nvPr/>
+        </p:nvCxnSpPr>
+        <p:spPr>
+          <a:xfrm>
+            <a:off x="1026522" y="989148"/>
+            <a:ext cx="3380015" cy="0"/>
+          </a:xfrm>
+          <a:prstGeom prst="line">
+            <a:avLst/>
+          </a:prstGeom>
+          <a:ln>
+            <a:solidFill>
+              <a:schemeClr val="bg1">
+                <a:lumMod val="50000"/>
+              </a:schemeClr>
+            </a:solidFill>
+          </a:ln>
+        </p:spPr>
+        <p:style>
+          <a:lnRef idx="1">
+            <a:schemeClr val="accent1"/>
+          </a:lnRef>
+          <a:fillRef idx="0">
+            <a:schemeClr val="accent1"/>
+          </a:fillRef>
+          <a:effectRef idx="0">
+            <a:schemeClr val="accent1"/>
+          </a:effectRef>
+          <a:fontRef idx="minor">
+            <a:schemeClr val="tx1"/>
+          </a:fontRef>
+        </p:style>
+      </p:cxnSp>
+      <p:sp>
+        <p:nvSpPr>
+          <p:cNvPr id="23" name="TextBox 22">
+            <a:extLst>
+              <a:ext uri="{FF2B5EF4-FFF2-40B4-BE49-F238E27FC236}">
+                <a16:creationId xmlns:a16="http://schemas.microsoft.com/office/drawing/2014/main" id="{98661146-E701-48B7-A20A-D1F129311969}"/>
+              </a:ext>
+            </a:extLst>
+          </p:cNvPr>
+          <p:cNvSpPr txBox="1"/>
+          <p:nvPr/>
+        </p:nvSpPr>
+        <p:spPr>
+          <a:xfrm>
+            <a:off x="1088239" y="437393"/>
+            <a:ext cx="3380016" cy="584775"/>
+          </a:xfrm>
+          <a:prstGeom prst="rect">
+            <a:avLst/>
+          </a:prstGeom>
+          <a:noFill/>
+        </p:spPr>
+        <p:txBody>
+          <a:bodyPr wrap="square" rtlCol="0">
+            <a:spAutoFit/>
+          </a:bodyPr>
+          <a:lstStyle/>
+          <a:p>
+            <a:r>
+              <a:rPr lang="en-US" altLang="ko-KR" sz="3200" spc="-150">
+                <a:solidFill>
+                  <a:srgbClr val="00002F"/>
+                </a:solidFill>
+                <a:latin typeface="나눔스퀘어 ExtraBold" panose="020B0600000101010101" pitchFamily="50" charset="-127"/>
+                <a:ea typeface="나눔스퀘어 ExtraBold" panose="020B0600000101010101" pitchFamily="50" charset="-127"/>
+              </a:rPr>
+              <a:t>RNN Applications</a:t>
+            </a:r>
+            <a:endParaRPr lang="ko-KR" altLang="en-US" sz="3200" spc="-150" dirty="0">
+              <a:solidFill>
+                <a:srgbClr val="00002F"/>
+              </a:solidFill>
+              <a:latin typeface="나눔스퀘어 ExtraBold" panose="020B0600000101010101" pitchFamily="50" charset="-127"/>
+              <a:ea typeface="나눔스퀘어 ExtraBold" panose="020B0600000101010101" pitchFamily="50" charset="-127"/>
+            </a:endParaRPr>
+          </a:p>
+        </p:txBody>
+      </p:sp>
     </p:spTree>
     <p:extLst>
       <p:ext uri="{BB962C8B-B14F-4D97-AF65-F5344CB8AC3E}">
-        <p14:creationId xmlns:p14="http://schemas.microsoft.com/office/powerpoint/2010/main" val="1519676523"/>
+        <p14:creationId xmlns:p14="http://schemas.microsoft.com/office/powerpoint/2010/main" val="195540335"/>
       </p:ext>
     </p:extLst>
   </p:cSld>
@@ -9181,148 +9060,6 @@
           <a:chExt cx="0" cy="0"/>
         </a:xfrm>
       </p:grpSpPr>
-      <p:cxnSp>
-        <p:nvCxnSpPr>
-          <p:cNvPr id="18" name="직선 연결선 17">
-            <a:extLst>
-              <a:ext uri="{FF2B5EF4-FFF2-40B4-BE49-F238E27FC236}">
-                <a16:creationId xmlns:a16="http://schemas.microsoft.com/office/drawing/2014/main" id="{7E9713F1-EFA3-4E39-84E5-8C1322B4CD7F}"/>
-              </a:ext>
-            </a:extLst>
-          </p:cNvPr>
-          <p:cNvCxnSpPr>
-            <a:cxnSpLocks/>
-          </p:cNvCxnSpPr>
-          <p:nvPr/>
-        </p:nvCxnSpPr>
-        <p:spPr>
-          <a:xfrm>
-            <a:off x="1026522" y="989148"/>
-            <a:ext cx="4716252" cy="0"/>
-          </a:xfrm>
-          <a:prstGeom prst="line">
-            <a:avLst/>
-          </a:prstGeom>
-          <a:ln>
-            <a:solidFill>
-              <a:schemeClr val="bg1">
-                <a:lumMod val="50000"/>
-              </a:schemeClr>
-            </a:solidFill>
-          </a:ln>
-        </p:spPr>
-        <p:style>
-          <a:lnRef idx="1">
-            <a:schemeClr val="accent1"/>
-          </a:lnRef>
-          <a:fillRef idx="0">
-            <a:schemeClr val="accent1"/>
-          </a:fillRef>
-          <a:effectRef idx="0">
-            <a:schemeClr val="accent1"/>
-          </a:effectRef>
-          <a:fontRef idx="minor">
-            <a:schemeClr val="tx1"/>
-          </a:fontRef>
-        </p:style>
-      </p:cxnSp>
-      <p:sp>
-        <p:nvSpPr>
-          <p:cNvPr id="19" name="TextBox 18">
-            <a:extLst>
-              <a:ext uri="{FF2B5EF4-FFF2-40B4-BE49-F238E27FC236}">
-                <a16:creationId xmlns:a16="http://schemas.microsoft.com/office/drawing/2014/main" id="{8424AEC0-7C50-4914-9167-6E0A9BA9A77F}"/>
-              </a:ext>
-            </a:extLst>
-          </p:cNvPr>
-          <p:cNvSpPr txBox="1"/>
-          <p:nvPr/>
-        </p:nvSpPr>
-        <p:spPr>
-          <a:xfrm>
-            <a:off x="1088238" y="437393"/>
-            <a:ext cx="5007762" cy="584775"/>
-          </a:xfrm>
-          <a:prstGeom prst="rect">
-            <a:avLst/>
-          </a:prstGeom>
-          <a:noFill/>
-        </p:spPr>
-        <p:txBody>
-          <a:bodyPr wrap="square" rtlCol="0">
-            <a:spAutoFit/>
-          </a:bodyPr>
-          <a:lstStyle/>
-          <a:p>
-            <a:r>
-              <a:rPr lang="en-US" altLang="ko-KR" sz="3200" spc="-150">
-                <a:solidFill>
-                  <a:srgbClr val="00002F"/>
-                </a:solidFill>
-                <a:latin typeface="나눔스퀘어 ExtraBold" panose="020B0600000101010101" pitchFamily="50" charset="-127"/>
-                <a:ea typeface="나눔스퀘어 ExtraBold" panose="020B0600000101010101" pitchFamily="50" charset="-127"/>
-              </a:rPr>
-              <a:t>Recurrent Neural Net</a:t>
-            </a:r>
-            <a:endParaRPr lang="ko-KR" altLang="en-US" sz="3200" spc="-150" dirty="0">
-              <a:solidFill>
-                <a:srgbClr val="00002F"/>
-              </a:solidFill>
-              <a:latin typeface="나눔스퀘어 ExtraBold" panose="020B0600000101010101" pitchFamily="50" charset="-127"/>
-              <a:ea typeface="나눔스퀘어 ExtraBold" panose="020B0600000101010101" pitchFamily="50" charset="-127"/>
-            </a:endParaRPr>
-          </a:p>
-        </p:txBody>
-      </p:sp>
-      <p:sp>
-        <p:nvSpPr>
-          <p:cNvPr id="20" name="TextBox 19">
-            <a:extLst>
-              <a:ext uri="{FF2B5EF4-FFF2-40B4-BE49-F238E27FC236}">
-                <a16:creationId xmlns:a16="http://schemas.microsoft.com/office/drawing/2014/main" id="{7101A769-9F33-4558-A4C3-3FE2F9C437E2}"/>
-              </a:ext>
-            </a:extLst>
-          </p:cNvPr>
-          <p:cNvSpPr txBox="1"/>
-          <p:nvPr/>
-        </p:nvSpPr>
-        <p:spPr>
-          <a:xfrm>
-            <a:off x="455532" y="498947"/>
-            <a:ext cx="614271" cy="461665"/>
-          </a:xfrm>
-          <a:prstGeom prst="rect">
-            <a:avLst/>
-          </a:prstGeom>
-          <a:noFill/>
-        </p:spPr>
-        <p:txBody>
-          <a:bodyPr wrap="none" rtlCol="0">
-            <a:spAutoFit/>
-          </a:bodyPr>
-          <a:lstStyle/>
-          <a:p>
-            <a:pPr algn="ctr"/>
-            <a:r>
-              <a:rPr lang="en-US" altLang="ko-KR" sz="2400" spc="-150">
-                <a:solidFill>
-                  <a:srgbClr val="00002F"/>
-                </a:solidFill>
-                <a:latin typeface="나눔스퀘어 ExtraBold" panose="020B0600000101010101" pitchFamily="50" charset="-127"/>
-                <a:ea typeface="나눔스퀘어 ExtraBold" panose="020B0600000101010101" pitchFamily="50" charset="-127"/>
-              </a:rPr>
-              <a:t>02.</a:t>
-            </a:r>
-            <a:endParaRPr lang="ko-KR" altLang="en-US" sz="2400" spc="-150" dirty="0">
-              <a:solidFill>
-                <a:srgbClr val="00002F"/>
-              </a:solidFill>
-              <a:latin typeface="나눔스퀘어 ExtraBold" panose="020B0600000101010101" pitchFamily="50" charset="-127"/>
-              <a:ea typeface="나눔스퀘어 ExtraBold" panose="020B0600000101010101" pitchFamily="50" charset="-127"/>
-            </a:endParaRPr>
-          </a:p>
-        </p:txBody>
-      </p:sp>
       <p:sp>
         <p:nvSpPr>
           <p:cNvPr id="21" name="TextBox 20">
@@ -9648,10 +9385,10 @@
       </p:cxnSp>
       <p:pic>
         <p:nvPicPr>
-          <p:cNvPr id="12290" name="Picture 2" descr="https://t1.daumcdn.net/cfile/tistory/2756384E57AC187628">
-            <a:extLst>
-              <a:ext uri="{FF2B5EF4-FFF2-40B4-BE49-F238E27FC236}">
-                <a16:creationId xmlns:a16="http://schemas.microsoft.com/office/drawing/2014/main" id="{96148BDF-03AC-4299-975D-4A82FB7B9250}"/>
+          <p:cNvPr id="13314" name="Picture 2" descr="https://t1.daumcdn.net/cfile/tistory/2252F44E57AC18752E">
+            <a:extLst>
+              <a:ext uri="{FF2B5EF4-FFF2-40B4-BE49-F238E27FC236}">
+                <a16:creationId xmlns:a16="http://schemas.microsoft.com/office/drawing/2014/main" id="{06D54358-C624-425D-8C75-83A6F7F1732F}"/>
               </a:ext>
             </a:extLst>
           </p:cNvPr>
@@ -9675,7 +9412,7 @@
         </p:blipFill>
         <p:spPr bwMode="auto">
           <a:xfrm>
-            <a:off x="2424113" y="1909763"/>
+            <a:off x="2424113" y="1938338"/>
             <a:ext cx="7343775" cy="4143375"/>
           </a:xfrm>
           <a:prstGeom prst="rect">
@@ -9693,10 +9430,152 @@
           </a:extLst>
         </p:spPr>
       </p:pic>
+      <p:sp>
+        <p:nvSpPr>
+          <p:cNvPr id="12" name="TextBox 11">
+            <a:extLst>
+              <a:ext uri="{FF2B5EF4-FFF2-40B4-BE49-F238E27FC236}">
+                <a16:creationId xmlns:a16="http://schemas.microsoft.com/office/drawing/2014/main" id="{12DEFCB9-5894-4689-8A76-C3BC3463A313}"/>
+              </a:ext>
+            </a:extLst>
+          </p:cNvPr>
+          <p:cNvSpPr txBox="1"/>
+          <p:nvPr/>
+        </p:nvSpPr>
+        <p:spPr>
+          <a:xfrm>
+            <a:off x="455532" y="498947"/>
+            <a:ext cx="614271" cy="461665"/>
+          </a:xfrm>
+          <a:prstGeom prst="rect">
+            <a:avLst/>
+          </a:prstGeom>
+          <a:noFill/>
+        </p:spPr>
+        <p:txBody>
+          <a:bodyPr wrap="none" rtlCol="0">
+            <a:spAutoFit/>
+          </a:bodyPr>
+          <a:lstStyle/>
+          <a:p>
+            <a:pPr algn="ctr"/>
+            <a:r>
+              <a:rPr lang="en-US" altLang="ko-KR" sz="2400" spc="-150">
+                <a:solidFill>
+                  <a:srgbClr val="00002F"/>
+                </a:solidFill>
+                <a:latin typeface="나눔스퀘어 ExtraBold" panose="020B0600000101010101" pitchFamily="50" charset="-127"/>
+                <a:ea typeface="나눔스퀘어 ExtraBold" panose="020B0600000101010101" pitchFamily="50" charset="-127"/>
+              </a:rPr>
+              <a:t>03.</a:t>
+            </a:r>
+            <a:endParaRPr lang="ko-KR" altLang="en-US" sz="2400" spc="-150" dirty="0">
+              <a:solidFill>
+                <a:srgbClr val="00002F"/>
+              </a:solidFill>
+              <a:latin typeface="나눔스퀘어 ExtraBold" panose="020B0600000101010101" pitchFamily="50" charset="-127"/>
+              <a:ea typeface="나눔스퀘어 ExtraBold" panose="020B0600000101010101" pitchFamily="50" charset="-127"/>
+            </a:endParaRPr>
+          </a:p>
+        </p:txBody>
+      </p:sp>
+      <p:cxnSp>
+        <p:nvCxnSpPr>
+          <p:cNvPr id="13" name="직선 연결선 12">
+            <a:extLst>
+              <a:ext uri="{FF2B5EF4-FFF2-40B4-BE49-F238E27FC236}">
+                <a16:creationId xmlns:a16="http://schemas.microsoft.com/office/drawing/2014/main" id="{E5D99484-226D-4E09-B20F-49124FA25985}"/>
+              </a:ext>
+            </a:extLst>
+          </p:cNvPr>
+          <p:cNvCxnSpPr>
+            <a:cxnSpLocks/>
+          </p:cNvCxnSpPr>
+          <p:nvPr/>
+        </p:nvCxnSpPr>
+        <p:spPr>
+          <a:xfrm>
+            <a:off x="1026522" y="989148"/>
+            <a:ext cx="3380015" cy="0"/>
+          </a:xfrm>
+          <a:prstGeom prst="line">
+            <a:avLst/>
+          </a:prstGeom>
+          <a:ln>
+            <a:solidFill>
+              <a:schemeClr val="bg1">
+                <a:lumMod val="50000"/>
+              </a:schemeClr>
+            </a:solidFill>
+          </a:ln>
+        </p:spPr>
+        <p:style>
+          <a:lnRef idx="1">
+            <a:schemeClr val="accent1"/>
+          </a:lnRef>
+          <a:fillRef idx="0">
+            <a:schemeClr val="accent1"/>
+          </a:fillRef>
+          <a:effectRef idx="0">
+            <a:schemeClr val="accent1"/>
+          </a:effectRef>
+          <a:fontRef idx="minor">
+            <a:schemeClr val="tx1"/>
+          </a:fontRef>
+        </p:style>
+      </p:cxnSp>
+      <p:sp>
+        <p:nvSpPr>
+          <p:cNvPr id="23" name="TextBox 22">
+            <a:extLst>
+              <a:ext uri="{FF2B5EF4-FFF2-40B4-BE49-F238E27FC236}">
+                <a16:creationId xmlns:a16="http://schemas.microsoft.com/office/drawing/2014/main" id="{ED68ACEC-CA81-4C80-BAD3-1EC247A1E403}"/>
+              </a:ext>
+            </a:extLst>
+          </p:cNvPr>
+          <p:cNvSpPr txBox="1"/>
+          <p:nvPr/>
+        </p:nvSpPr>
+        <p:spPr>
+          <a:xfrm>
+            <a:off x="1088239" y="437393"/>
+            <a:ext cx="3380016" cy="584775"/>
+          </a:xfrm>
+          <a:prstGeom prst="rect">
+            <a:avLst/>
+          </a:prstGeom>
+          <a:noFill/>
+        </p:spPr>
+        <p:txBody>
+          <a:bodyPr wrap="square" rtlCol="0">
+            <a:spAutoFit/>
+          </a:bodyPr>
+          <a:lstStyle/>
+          <a:p>
+            <a:r>
+              <a:rPr lang="en-US" altLang="ko-KR" sz="3200" spc="-150">
+                <a:solidFill>
+                  <a:srgbClr val="00002F"/>
+                </a:solidFill>
+                <a:latin typeface="나눔스퀘어 ExtraBold" panose="020B0600000101010101" pitchFamily="50" charset="-127"/>
+                <a:ea typeface="나눔스퀘어 ExtraBold" panose="020B0600000101010101" pitchFamily="50" charset="-127"/>
+              </a:rPr>
+              <a:t>RNN Applications</a:t>
+            </a:r>
+            <a:endParaRPr lang="ko-KR" altLang="en-US" sz="3200" spc="-150" dirty="0">
+              <a:solidFill>
+                <a:srgbClr val="00002F"/>
+              </a:solidFill>
+              <a:latin typeface="나눔스퀘어 ExtraBold" panose="020B0600000101010101" pitchFamily="50" charset="-127"/>
+              <a:ea typeface="나눔스퀘어 ExtraBold" panose="020B0600000101010101" pitchFamily="50" charset="-127"/>
+            </a:endParaRPr>
+          </a:p>
+        </p:txBody>
+      </p:sp>
     </p:spTree>
     <p:extLst>
       <p:ext uri="{BB962C8B-B14F-4D97-AF65-F5344CB8AC3E}">
-        <p14:creationId xmlns:p14="http://schemas.microsoft.com/office/powerpoint/2010/main" val="506101401"/>
+        <p14:creationId xmlns:p14="http://schemas.microsoft.com/office/powerpoint/2010/main" val="1519676523"/>
       </p:ext>
     </p:extLst>
   </p:cSld>
@@ -9723,148 +9602,6 @@
           <a:chExt cx="0" cy="0"/>
         </a:xfrm>
       </p:grpSpPr>
-      <p:cxnSp>
-        <p:nvCxnSpPr>
-          <p:cNvPr id="18" name="직선 연결선 17">
-            <a:extLst>
-              <a:ext uri="{FF2B5EF4-FFF2-40B4-BE49-F238E27FC236}">
-                <a16:creationId xmlns:a16="http://schemas.microsoft.com/office/drawing/2014/main" id="{7E9713F1-EFA3-4E39-84E5-8C1322B4CD7F}"/>
-              </a:ext>
-            </a:extLst>
-          </p:cNvPr>
-          <p:cNvCxnSpPr>
-            <a:cxnSpLocks/>
-          </p:cNvCxnSpPr>
-          <p:nvPr/>
-        </p:nvCxnSpPr>
-        <p:spPr>
-          <a:xfrm>
-            <a:off x="1026522" y="989148"/>
-            <a:ext cx="4716252" cy="0"/>
-          </a:xfrm>
-          <a:prstGeom prst="line">
-            <a:avLst/>
-          </a:prstGeom>
-          <a:ln>
-            <a:solidFill>
-              <a:schemeClr val="bg1">
-                <a:lumMod val="50000"/>
-              </a:schemeClr>
-            </a:solidFill>
-          </a:ln>
-        </p:spPr>
-        <p:style>
-          <a:lnRef idx="1">
-            <a:schemeClr val="accent1"/>
-          </a:lnRef>
-          <a:fillRef idx="0">
-            <a:schemeClr val="accent1"/>
-          </a:fillRef>
-          <a:effectRef idx="0">
-            <a:schemeClr val="accent1"/>
-          </a:effectRef>
-          <a:fontRef idx="minor">
-            <a:schemeClr val="tx1"/>
-          </a:fontRef>
-        </p:style>
-      </p:cxnSp>
-      <p:sp>
-        <p:nvSpPr>
-          <p:cNvPr id="19" name="TextBox 18">
-            <a:extLst>
-              <a:ext uri="{FF2B5EF4-FFF2-40B4-BE49-F238E27FC236}">
-                <a16:creationId xmlns:a16="http://schemas.microsoft.com/office/drawing/2014/main" id="{8424AEC0-7C50-4914-9167-6E0A9BA9A77F}"/>
-              </a:ext>
-            </a:extLst>
-          </p:cNvPr>
-          <p:cNvSpPr txBox="1"/>
-          <p:nvPr/>
-        </p:nvSpPr>
-        <p:spPr>
-          <a:xfrm>
-            <a:off x="1088238" y="437393"/>
-            <a:ext cx="5007762" cy="584775"/>
-          </a:xfrm>
-          <a:prstGeom prst="rect">
-            <a:avLst/>
-          </a:prstGeom>
-          <a:noFill/>
-        </p:spPr>
-        <p:txBody>
-          <a:bodyPr wrap="square" rtlCol="0">
-            <a:spAutoFit/>
-          </a:bodyPr>
-          <a:lstStyle/>
-          <a:p>
-            <a:r>
-              <a:rPr lang="en-US" altLang="ko-KR" sz="3200" spc="-150">
-                <a:solidFill>
-                  <a:srgbClr val="00002F"/>
-                </a:solidFill>
-                <a:latin typeface="나눔스퀘어 ExtraBold" panose="020B0600000101010101" pitchFamily="50" charset="-127"/>
-                <a:ea typeface="나눔스퀘어 ExtraBold" panose="020B0600000101010101" pitchFamily="50" charset="-127"/>
-              </a:rPr>
-              <a:t>Recurrent Neural Net</a:t>
-            </a:r>
-            <a:endParaRPr lang="ko-KR" altLang="en-US" sz="3200" spc="-150" dirty="0">
-              <a:solidFill>
-                <a:srgbClr val="00002F"/>
-              </a:solidFill>
-              <a:latin typeface="나눔스퀘어 ExtraBold" panose="020B0600000101010101" pitchFamily="50" charset="-127"/>
-              <a:ea typeface="나눔스퀘어 ExtraBold" panose="020B0600000101010101" pitchFamily="50" charset="-127"/>
-            </a:endParaRPr>
-          </a:p>
-        </p:txBody>
-      </p:sp>
-      <p:sp>
-        <p:nvSpPr>
-          <p:cNvPr id="20" name="TextBox 19">
-            <a:extLst>
-              <a:ext uri="{FF2B5EF4-FFF2-40B4-BE49-F238E27FC236}">
-                <a16:creationId xmlns:a16="http://schemas.microsoft.com/office/drawing/2014/main" id="{7101A769-9F33-4558-A4C3-3FE2F9C437E2}"/>
-              </a:ext>
-            </a:extLst>
-          </p:cNvPr>
-          <p:cNvSpPr txBox="1"/>
-          <p:nvPr/>
-        </p:nvSpPr>
-        <p:spPr>
-          <a:xfrm>
-            <a:off x="455532" y="498947"/>
-            <a:ext cx="614271" cy="461665"/>
-          </a:xfrm>
-          <a:prstGeom prst="rect">
-            <a:avLst/>
-          </a:prstGeom>
-          <a:noFill/>
-        </p:spPr>
-        <p:txBody>
-          <a:bodyPr wrap="none" rtlCol="0">
-            <a:spAutoFit/>
-          </a:bodyPr>
-          <a:lstStyle/>
-          <a:p>
-            <a:pPr algn="ctr"/>
-            <a:r>
-              <a:rPr lang="en-US" altLang="ko-KR" sz="2400" spc="-150">
-                <a:solidFill>
-                  <a:srgbClr val="00002F"/>
-                </a:solidFill>
-                <a:latin typeface="나눔스퀘어 ExtraBold" panose="020B0600000101010101" pitchFamily="50" charset="-127"/>
-                <a:ea typeface="나눔스퀘어 ExtraBold" panose="020B0600000101010101" pitchFamily="50" charset="-127"/>
-              </a:rPr>
-              <a:t>02.</a:t>
-            </a:r>
-            <a:endParaRPr lang="ko-KR" altLang="en-US" sz="2400" spc="-150" dirty="0">
-              <a:solidFill>
-                <a:srgbClr val="00002F"/>
-              </a:solidFill>
-              <a:latin typeface="나눔스퀘어 ExtraBold" panose="020B0600000101010101" pitchFamily="50" charset="-127"/>
-              <a:ea typeface="나눔스퀘어 ExtraBold" panose="020B0600000101010101" pitchFamily="50" charset="-127"/>
-            </a:endParaRPr>
-          </a:p>
-        </p:txBody>
-      </p:sp>
       <p:sp>
         <p:nvSpPr>
           <p:cNvPr id="21" name="TextBox 20">
@@ -10190,10 +9927,10 @@
       </p:cxnSp>
       <p:pic>
         <p:nvPicPr>
-          <p:cNvPr id="16386" name="Picture 2" descr="https://t1.daumcdn.net/cfile/tistory/2372964E57AC18770A">
-            <a:extLst>
-              <a:ext uri="{FF2B5EF4-FFF2-40B4-BE49-F238E27FC236}">
-                <a16:creationId xmlns:a16="http://schemas.microsoft.com/office/drawing/2014/main" id="{D706D3CE-3EAD-446B-B588-9B023F15FFCF}"/>
+          <p:cNvPr id="12290" name="Picture 2" descr="https://t1.daumcdn.net/cfile/tistory/2756384E57AC187628">
+            <a:extLst>
+              <a:ext uri="{FF2B5EF4-FFF2-40B4-BE49-F238E27FC236}">
+                <a16:creationId xmlns:a16="http://schemas.microsoft.com/office/drawing/2014/main" id="{96148BDF-03AC-4299-975D-4A82FB7B9250}"/>
               </a:ext>
             </a:extLst>
           </p:cNvPr>
@@ -10217,7 +9954,7 @@
         </p:blipFill>
         <p:spPr bwMode="auto">
           <a:xfrm>
-            <a:off x="2424113" y="1833563"/>
+            <a:off x="2424113" y="1909763"/>
             <a:ext cx="7343775" cy="4143375"/>
           </a:xfrm>
           <a:prstGeom prst="rect">
@@ -10235,10 +9972,152 @@
           </a:extLst>
         </p:spPr>
       </p:pic>
+      <p:sp>
+        <p:nvSpPr>
+          <p:cNvPr id="12" name="TextBox 11">
+            <a:extLst>
+              <a:ext uri="{FF2B5EF4-FFF2-40B4-BE49-F238E27FC236}">
+                <a16:creationId xmlns:a16="http://schemas.microsoft.com/office/drawing/2014/main" id="{BB3F9BFA-92EA-417F-A01B-C42630857710}"/>
+              </a:ext>
+            </a:extLst>
+          </p:cNvPr>
+          <p:cNvSpPr txBox="1"/>
+          <p:nvPr/>
+        </p:nvSpPr>
+        <p:spPr>
+          <a:xfrm>
+            <a:off x="455532" y="498947"/>
+            <a:ext cx="614271" cy="461665"/>
+          </a:xfrm>
+          <a:prstGeom prst="rect">
+            <a:avLst/>
+          </a:prstGeom>
+          <a:noFill/>
+        </p:spPr>
+        <p:txBody>
+          <a:bodyPr wrap="none" rtlCol="0">
+            <a:spAutoFit/>
+          </a:bodyPr>
+          <a:lstStyle/>
+          <a:p>
+            <a:pPr algn="ctr"/>
+            <a:r>
+              <a:rPr lang="en-US" altLang="ko-KR" sz="2400" spc="-150">
+                <a:solidFill>
+                  <a:srgbClr val="00002F"/>
+                </a:solidFill>
+                <a:latin typeface="나눔스퀘어 ExtraBold" panose="020B0600000101010101" pitchFamily="50" charset="-127"/>
+                <a:ea typeface="나눔스퀘어 ExtraBold" panose="020B0600000101010101" pitchFamily="50" charset="-127"/>
+              </a:rPr>
+              <a:t>03.</a:t>
+            </a:r>
+            <a:endParaRPr lang="ko-KR" altLang="en-US" sz="2400" spc="-150" dirty="0">
+              <a:solidFill>
+                <a:srgbClr val="00002F"/>
+              </a:solidFill>
+              <a:latin typeface="나눔스퀘어 ExtraBold" panose="020B0600000101010101" pitchFamily="50" charset="-127"/>
+              <a:ea typeface="나눔스퀘어 ExtraBold" panose="020B0600000101010101" pitchFamily="50" charset="-127"/>
+            </a:endParaRPr>
+          </a:p>
+        </p:txBody>
+      </p:sp>
+      <p:cxnSp>
+        <p:nvCxnSpPr>
+          <p:cNvPr id="13" name="직선 연결선 12">
+            <a:extLst>
+              <a:ext uri="{FF2B5EF4-FFF2-40B4-BE49-F238E27FC236}">
+                <a16:creationId xmlns:a16="http://schemas.microsoft.com/office/drawing/2014/main" id="{9CDF171B-492A-4FDB-B0E9-F5DD1839E5BE}"/>
+              </a:ext>
+            </a:extLst>
+          </p:cNvPr>
+          <p:cNvCxnSpPr>
+            <a:cxnSpLocks/>
+          </p:cNvCxnSpPr>
+          <p:nvPr/>
+        </p:nvCxnSpPr>
+        <p:spPr>
+          <a:xfrm>
+            <a:off x="1026522" y="989148"/>
+            <a:ext cx="3380015" cy="0"/>
+          </a:xfrm>
+          <a:prstGeom prst="line">
+            <a:avLst/>
+          </a:prstGeom>
+          <a:ln>
+            <a:solidFill>
+              <a:schemeClr val="bg1">
+                <a:lumMod val="50000"/>
+              </a:schemeClr>
+            </a:solidFill>
+          </a:ln>
+        </p:spPr>
+        <p:style>
+          <a:lnRef idx="1">
+            <a:schemeClr val="accent1"/>
+          </a:lnRef>
+          <a:fillRef idx="0">
+            <a:schemeClr val="accent1"/>
+          </a:fillRef>
+          <a:effectRef idx="0">
+            <a:schemeClr val="accent1"/>
+          </a:effectRef>
+          <a:fontRef idx="minor">
+            <a:schemeClr val="tx1"/>
+          </a:fontRef>
+        </p:style>
+      </p:cxnSp>
+      <p:sp>
+        <p:nvSpPr>
+          <p:cNvPr id="23" name="TextBox 22">
+            <a:extLst>
+              <a:ext uri="{FF2B5EF4-FFF2-40B4-BE49-F238E27FC236}">
+                <a16:creationId xmlns:a16="http://schemas.microsoft.com/office/drawing/2014/main" id="{390F818D-7A6D-4B01-949A-231F23CE0076}"/>
+              </a:ext>
+            </a:extLst>
+          </p:cNvPr>
+          <p:cNvSpPr txBox="1"/>
+          <p:nvPr/>
+        </p:nvSpPr>
+        <p:spPr>
+          <a:xfrm>
+            <a:off x="1088239" y="437393"/>
+            <a:ext cx="3380016" cy="584775"/>
+          </a:xfrm>
+          <a:prstGeom prst="rect">
+            <a:avLst/>
+          </a:prstGeom>
+          <a:noFill/>
+        </p:spPr>
+        <p:txBody>
+          <a:bodyPr wrap="square" rtlCol="0">
+            <a:spAutoFit/>
+          </a:bodyPr>
+          <a:lstStyle/>
+          <a:p>
+            <a:r>
+              <a:rPr lang="en-US" altLang="ko-KR" sz="3200" spc="-150">
+                <a:solidFill>
+                  <a:srgbClr val="00002F"/>
+                </a:solidFill>
+                <a:latin typeface="나눔스퀘어 ExtraBold" panose="020B0600000101010101" pitchFamily="50" charset="-127"/>
+                <a:ea typeface="나눔스퀘어 ExtraBold" panose="020B0600000101010101" pitchFamily="50" charset="-127"/>
+              </a:rPr>
+              <a:t>RNN Applications</a:t>
+            </a:r>
+            <a:endParaRPr lang="ko-KR" altLang="en-US" sz="3200" spc="-150" dirty="0">
+              <a:solidFill>
+                <a:srgbClr val="00002F"/>
+              </a:solidFill>
+              <a:latin typeface="나눔스퀘어 ExtraBold" panose="020B0600000101010101" pitchFamily="50" charset="-127"/>
+              <a:ea typeface="나눔스퀘어 ExtraBold" panose="020B0600000101010101" pitchFamily="50" charset="-127"/>
+            </a:endParaRPr>
+          </a:p>
+        </p:txBody>
+      </p:sp>
     </p:spTree>
     <p:extLst>
       <p:ext uri="{BB962C8B-B14F-4D97-AF65-F5344CB8AC3E}">
-        <p14:creationId xmlns:p14="http://schemas.microsoft.com/office/powerpoint/2010/main" val="3400284767"/>
+        <p14:creationId xmlns:p14="http://schemas.microsoft.com/office/powerpoint/2010/main" val="506101401"/>
       </p:ext>
     </p:extLst>
   </p:cSld>
@@ -10267,14 +10146,390 @@
       </p:grpSpPr>
       <p:sp>
         <p:nvSpPr>
-          <p:cNvPr id="2" name="TextBox 1"/>
+          <p:cNvPr id="21" name="TextBox 20">
+            <a:extLst>
+              <a:ext uri="{FF2B5EF4-FFF2-40B4-BE49-F238E27FC236}">
+                <a16:creationId xmlns:a16="http://schemas.microsoft.com/office/drawing/2014/main" id="{159FD76B-E015-48C0-ADB0-17BB7437A8DE}"/>
+              </a:ext>
+            </a:extLst>
+          </p:cNvPr>
           <p:cNvSpPr txBox="1"/>
           <p:nvPr/>
         </p:nvSpPr>
         <p:spPr>
           <a:xfrm>
-            <a:off x="4000500" y="2472873"/>
-            <a:ext cx="797013" cy="769441"/>
+            <a:off x="1069802" y="1006929"/>
+            <a:ext cx="4203764" cy="369332"/>
+          </a:xfrm>
+          <a:prstGeom prst="rect">
+            <a:avLst/>
+          </a:prstGeom>
+          <a:noFill/>
+        </p:spPr>
+        <p:txBody>
+          <a:bodyPr wrap="square" rtlCol="0">
+            <a:spAutoFit/>
+          </a:bodyPr>
+          <a:lstStyle/>
+          <a:p>
+            <a:r>
+              <a:rPr lang="en-US" altLang="ko-KR" spc="-150">
+                <a:solidFill>
+                  <a:srgbClr val="00002F"/>
+                </a:solidFill>
+                <a:latin typeface="나눔스퀘어 ExtraBold" panose="020B0600000101010101" pitchFamily="50" charset="-127"/>
+                <a:ea typeface="나눔스퀘어 ExtraBold" panose="020B0600000101010101" pitchFamily="50" charset="-127"/>
+              </a:rPr>
+              <a:t>CS231 </a:t>
+            </a:r>
+            <a:endParaRPr lang="ko-KR" altLang="en-US" spc="-150" dirty="0">
+              <a:solidFill>
+                <a:srgbClr val="00002F"/>
+              </a:solidFill>
+              <a:latin typeface="나눔스퀘어 ExtraBold" panose="020B0600000101010101" pitchFamily="50" charset="-127"/>
+              <a:ea typeface="나눔스퀘어 ExtraBold" panose="020B0600000101010101" pitchFamily="50" charset="-127"/>
+            </a:endParaRPr>
+          </a:p>
+        </p:txBody>
+      </p:sp>
+      <p:sp>
+        <p:nvSpPr>
+          <p:cNvPr id="22" name="TextBox 21">
+            <a:extLst>
+              <a:ext uri="{FF2B5EF4-FFF2-40B4-BE49-F238E27FC236}">
+                <a16:creationId xmlns:a16="http://schemas.microsoft.com/office/drawing/2014/main" id="{8019C11E-6100-423B-900D-1A90B1CD5579}"/>
+              </a:ext>
+            </a:extLst>
+          </p:cNvPr>
+          <p:cNvSpPr txBox="1"/>
+          <p:nvPr/>
+        </p:nvSpPr>
+        <p:spPr>
+          <a:xfrm>
+            <a:off x="0" y="6669345"/>
+            <a:ext cx="5805938" cy="215444"/>
+          </a:xfrm>
+          <a:prstGeom prst="rect">
+            <a:avLst/>
+          </a:prstGeom>
+          <a:noFill/>
+        </p:spPr>
+        <p:txBody>
+          <a:bodyPr wrap="square" rtlCol="0">
+            <a:spAutoFit/>
+          </a:bodyPr>
+          <a:lstStyle/>
+          <a:p>
+            <a:r>
+              <a:rPr lang="ko-KR" altLang="en-US" sz="800" spc="-100">
+                <a:ln>
+                  <a:solidFill>
+                    <a:schemeClr val="bg1">
+                      <a:lumMod val="65000"/>
+                      <a:alpha val="0"/>
+                    </a:schemeClr>
+                  </a:solidFill>
+                </a:ln>
+                <a:latin typeface="나눔스퀘어 Bold" panose="020B0600000101010101" pitchFamily="50" charset="-127"/>
+                <a:ea typeface="나눔스퀘어 Bold" panose="020B0600000101010101" pitchFamily="50" charset="-127"/>
+              </a:rPr>
+              <a:t>이미지 출처 </a:t>
+            </a:r>
+            <a:r>
+              <a:rPr lang="en-US" altLang="ko-KR" sz="800" spc="-100">
+                <a:ln>
+                  <a:solidFill>
+                    <a:schemeClr val="bg1">
+                      <a:lumMod val="65000"/>
+                      <a:alpha val="0"/>
+                    </a:schemeClr>
+                  </a:solidFill>
+                </a:ln>
+                <a:latin typeface="나눔스퀘어 Bold" panose="020B0600000101010101" pitchFamily="50" charset="-127"/>
+                <a:ea typeface="나눔스퀘어 Bold" panose="020B0600000101010101" pitchFamily="50" charset="-127"/>
+              </a:rPr>
+              <a:t>: </a:t>
+            </a:r>
+            <a:r>
+              <a:rPr lang="en-US" altLang="ko-KR" sz="800">
+                <a:hlinkClick r:id="rId2"/>
+              </a:rPr>
+              <a:t>http://cs231n.stanford.edu/slides/2017/cs231n_2017_lecture10.pdf</a:t>
+            </a:r>
+            <a:endParaRPr lang="en-US" altLang="ko-KR" sz="800" spc="-100">
+              <a:ln>
+                <a:solidFill>
+                  <a:schemeClr val="bg1">
+                    <a:lumMod val="65000"/>
+                    <a:alpha val="0"/>
+                  </a:schemeClr>
+                </a:solidFill>
+              </a:ln>
+              <a:latin typeface="나눔스퀘어 Bold" panose="020B0600000101010101" pitchFamily="50" charset="-127"/>
+              <a:ea typeface="나눔스퀘어 Bold" panose="020B0600000101010101" pitchFamily="50" charset="-127"/>
+            </a:endParaRPr>
+          </a:p>
+        </p:txBody>
+      </p:sp>
+      <p:cxnSp>
+        <p:nvCxnSpPr>
+          <p:cNvPr id="14" name="직선 연결선 13">
+            <a:extLst>
+              <a:ext uri="{FF2B5EF4-FFF2-40B4-BE49-F238E27FC236}">
+                <a16:creationId xmlns:a16="http://schemas.microsoft.com/office/drawing/2014/main" id="{1C5B3F16-F5A5-45CE-AFF6-E2B566726F65}"/>
+              </a:ext>
+            </a:extLst>
+          </p:cNvPr>
+          <p:cNvCxnSpPr/>
+          <p:nvPr/>
+        </p:nvCxnSpPr>
+        <p:spPr>
+          <a:xfrm>
+            <a:off x="10430892" y="144941"/>
+            <a:ext cx="360000" cy="0"/>
+          </a:xfrm>
+          <a:prstGeom prst="line">
+            <a:avLst/>
+          </a:prstGeom>
+          <a:ln w="44450" cap="rnd">
+            <a:solidFill>
+              <a:srgbClr val="D0CECE"/>
+            </a:solidFill>
+          </a:ln>
+          <a:effectLst>
+            <a:outerShdw blurRad="50800" dist="38100" dir="5400000" algn="t" rotWithShape="0">
+              <a:prstClr val="black">
+                <a:alpha val="40000"/>
+              </a:prstClr>
+            </a:outerShdw>
+          </a:effectLst>
+        </p:spPr>
+        <p:style>
+          <a:lnRef idx="1">
+            <a:schemeClr val="accent1"/>
+          </a:lnRef>
+          <a:fillRef idx="0">
+            <a:schemeClr val="accent1"/>
+          </a:fillRef>
+          <a:effectRef idx="0">
+            <a:schemeClr val="accent1"/>
+          </a:effectRef>
+          <a:fontRef idx="minor">
+            <a:schemeClr val="tx1"/>
+          </a:fontRef>
+        </p:style>
+      </p:cxnSp>
+      <p:cxnSp>
+        <p:nvCxnSpPr>
+          <p:cNvPr id="15" name="직선 연결선 14">
+            <a:extLst>
+              <a:ext uri="{FF2B5EF4-FFF2-40B4-BE49-F238E27FC236}">
+                <a16:creationId xmlns:a16="http://schemas.microsoft.com/office/drawing/2014/main" id="{0B38C793-3AF5-4A3B-B31E-CB3C08811AEC}"/>
+              </a:ext>
+            </a:extLst>
+          </p:cNvPr>
+          <p:cNvCxnSpPr/>
+          <p:nvPr/>
+        </p:nvCxnSpPr>
+        <p:spPr>
+          <a:xfrm>
+            <a:off x="10858459" y="144941"/>
+            <a:ext cx="360000" cy="0"/>
+          </a:xfrm>
+          <a:prstGeom prst="line">
+            <a:avLst/>
+          </a:prstGeom>
+          <a:ln w="44450" cap="rnd">
+            <a:solidFill>
+              <a:schemeClr val="bg2">
+                <a:lumMod val="90000"/>
+              </a:schemeClr>
+            </a:solidFill>
+          </a:ln>
+          <a:effectLst>
+            <a:outerShdw blurRad="50800" dist="38100" dir="5400000" algn="t" rotWithShape="0">
+              <a:prstClr val="black">
+                <a:alpha val="40000"/>
+              </a:prstClr>
+            </a:outerShdw>
+          </a:effectLst>
+        </p:spPr>
+        <p:style>
+          <a:lnRef idx="1">
+            <a:schemeClr val="accent1"/>
+          </a:lnRef>
+          <a:fillRef idx="0">
+            <a:schemeClr val="accent1"/>
+          </a:fillRef>
+          <a:effectRef idx="0">
+            <a:schemeClr val="accent1"/>
+          </a:effectRef>
+          <a:fontRef idx="minor">
+            <a:schemeClr val="tx1"/>
+          </a:fontRef>
+        </p:style>
+      </p:cxnSp>
+      <p:cxnSp>
+        <p:nvCxnSpPr>
+          <p:cNvPr id="16" name="직선 연결선 15">
+            <a:extLst>
+              <a:ext uri="{FF2B5EF4-FFF2-40B4-BE49-F238E27FC236}">
+                <a16:creationId xmlns:a16="http://schemas.microsoft.com/office/drawing/2014/main" id="{70C9F533-A0B2-422A-8499-86900B1A8D29}"/>
+              </a:ext>
+            </a:extLst>
+          </p:cNvPr>
+          <p:cNvCxnSpPr/>
+          <p:nvPr/>
+        </p:nvCxnSpPr>
+        <p:spPr>
+          <a:xfrm>
+            <a:off x="11286026" y="144941"/>
+            <a:ext cx="360000" cy="0"/>
+          </a:xfrm>
+          <a:prstGeom prst="line">
+            <a:avLst/>
+          </a:prstGeom>
+          <a:ln w="44450" cap="rnd">
+            <a:solidFill>
+              <a:srgbClr val="8DBABD"/>
+            </a:solidFill>
+          </a:ln>
+          <a:effectLst>
+            <a:outerShdw blurRad="50800" dist="38100" dir="5400000" algn="t" rotWithShape="0">
+              <a:prstClr val="black">
+                <a:alpha val="40000"/>
+              </a:prstClr>
+            </a:outerShdw>
+          </a:effectLst>
+        </p:spPr>
+        <p:style>
+          <a:lnRef idx="1">
+            <a:schemeClr val="accent1"/>
+          </a:lnRef>
+          <a:fillRef idx="0">
+            <a:schemeClr val="accent1"/>
+          </a:fillRef>
+          <a:effectRef idx="0">
+            <a:schemeClr val="accent1"/>
+          </a:effectRef>
+          <a:fontRef idx="minor">
+            <a:schemeClr val="tx1"/>
+          </a:fontRef>
+        </p:style>
+      </p:cxnSp>
+      <p:cxnSp>
+        <p:nvCxnSpPr>
+          <p:cNvPr id="17" name="직선 연결선 16">
+            <a:extLst>
+              <a:ext uri="{FF2B5EF4-FFF2-40B4-BE49-F238E27FC236}">
+                <a16:creationId xmlns:a16="http://schemas.microsoft.com/office/drawing/2014/main" id="{F35F3BC4-912B-455F-83BC-74AA130A0702}"/>
+              </a:ext>
+            </a:extLst>
+          </p:cNvPr>
+          <p:cNvCxnSpPr/>
+          <p:nvPr/>
+        </p:nvCxnSpPr>
+        <p:spPr>
+          <a:xfrm>
+            <a:off x="11713592" y="144941"/>
+            <a:ext cx="360000" cy="0"/>
+          </a:xfrm>
+          <a:prstGeom prst="line">
+            <a:avLst/>
+          </a:prstGeom>
+          <a:ln w="44450" cap="rnd">
+            <a:solidFill>
+              <a:schemeClr val="bg2">
+                <a:lumMod val="90000"/>
+              </a:schemeClr>
+            </a:solidFill>
+          </a:ln>
+          <a:effectLst>
+            <a:outerShdw blurRad="50800" dist="38100" dir="5400000" algn="t" rotWithShape="0">
+              <a:prstClr val="black">
+                <a:alpha val="40000"/>
+              </a:prstClr>
+            </a:outerShdw>
+          </a:effectLst>
+        </p:spPr>
+        <p:style>
+          <a:lnRef idx="1">
+            <a:schemeClr val="accent1"/>
+          </a:lnRef>
+          <a:fillRef idx="0">
+            <a:schemeClr val="accent1"/>
+          </a:fillRef>
+          <a:effectRef idx="0">
+            <a:schemeClr val="accent1"/>
+          </a:effectRef>
+          <a:fontRef idx="minor">
+            <a:schemeClr val="tx1"/>
+          </a:fontRef>
+        </p:style>
+      </p:cxnSp>
+      <p:pic>
+        <p:nvPicPr>
+          <p:cNvPr id="16386" name="Picture 2" descr="https://t1.daumcdn.net/cfile/tistory/2372964E57AC18770A">
+            <a:extLst>
+              <a:ext uri="{FF2B5EF4-FFF2-40B4-BE49-F238E27FC236}">
+                <a16:creationId xmlns:a16="http://schemas.microsoft.com/office/drawing/2014/main" id="{D706D3CE-3EAD-446B-B588-9B023F15FFCF}"/>
+              </a:ext>
+            </a:extLst>
+          </p:cNvPr>
+          <p:cNvPicPr>
+            <a:picLocks noChangeAspect="1" noChangeArrowheads="1"/>
+          </p:cNvPicPr>
+          <p:nvPr/>
+        </p:nvPicPr>
+        <p:blipFill>
+          <a:blip r:embed="rId3">
+            <a:extLst>
+              <a:ext uri="{28A0092B-C50C-407E-A947-70E740481C1C}">
+                <a14:useLocalDpi xmlns:a14="http://schemas.microsoft.com/office/drawing/2010/main" val="0"/>
+              </a:ext>
+            </a:extLst>
+          </a:blip>
+          <a:srcRect/>
+          <a:stretch>
+            <a:fillRect/>
+          </a:stretch>
+        </p:blipFill>
+        <p:spPr bwMode="auto">
+          <a:xfrm>
+            <a:off x="2424113" y="1833563"/>
+            <a:ext cx="7343775" cy="4143375"/>
+          </a:xfrm>
+          <a:prstGeom prst="rect">
+            <a:avLst/>
+          </a:prstGeom>
+          <a:noFill/>
+          <a:extLst>
+            <a:ext uri="{909E8E84-426E-40DD-AFC4-6F175D3DCCD1}">
+              <a14:hiddenFill xmlns:a14="http://schemas.microsoft.com/office/drawing/2010/main">
+                <a:solidFill>
+                  <a:srgbClr val="FFFFFF"/>
+                </a:solidFill>
+              </a14:hiddenFill>
+            </a:ext>
+          </a:extLst>
+        </p:spPr>
+      </p:pic>
+      <p:sp>
+        <p:nvSpPr>
+          <p:cNvPr id="12" name="TextBox 11">
+            <a:extLst>
+              <a:ext uri="{FF2B5EF4-FFF2-40B4-BE49-F238E27FC236}">
+                <a16:creationId xmlns:a16="http://schemas.microsoft.com/office/drawing/2014/main" id="{2674C816-033D-4DE8-BC30-512ECDBFA9D2}"/>
+              </a:ext>
+            </a:extLst>
+          </p:cNvPr>
+          <p:cNvSpPr txBox="1"/>
+          <p:nvPr/>
+        </p:nvSpPr>
+        <p:spPr>
+          <a:xfrm>
+            <a:off x="455532" y="498947"/>
+            <a:ext cx="614271" cy="461665"/>
           </a:xfrm>
           <a:prstGeom prst="rect">
             <a:avLst/>
@@ -10287,80 +10542,116 @@
           </a:bodyPr>
           <a:lstStyle/>
           <a:p>
-            <a:r>
-              <a:rPr lang="en-US" altLang="ko-KR" sz="4400" spc="-300" dirty="0">
+            <a:pPr algn="ctr"/>
+            <a:r>
+              <a:rPr lang="en-US" altLang="ko-KR" sz="2400" spc="-150">
                 <a:solidFill>
                   <a:srgbClr val="00002F"/>
                 </a:solidFill>
-                <a:latin typeface="나눔스퀘어 Bold" panose="020B0600000101010101" pitchFamily="50" charset="-127"/>
-                <a:ea typeface="나눔스퀘어 Bold" panose="020B0600000101010101" pitchFamily="50" charset="-127"/>
-              </a:rPr>
-              <a:t>04</a:t>
-            </a:r>
-            <a:endParaRPr lang="ko-KR" altLang="en-US" sz="4400" spc="-300" dirty="0">
+                <a:latin typeface="나눔스퀘어 ExtraBold" panose="020B0600000101010101" pitchFamily="50" charset="-127"/>
+                <a:ea typeface="나눔스퀘어 ExtraBold" panose="020B0600000101010101" pitchFamily="50" charset="-127"/>
+              </a:rPr>
+              <a:t>03.</a:t>
+            </a:r>
+            <a:endParaRPr lang="ko-KR" altLang="en-US" sz="2400" spc="-150" dirty="0">
               <a:solidFill>
                 <a:srgbClr val="00002F"/>
               </a:solidFill>
-              <a:latin typeface="나눔스퀘어 Bold" panose="020B0600000101010101" pitchFamily="50" charset="-127"/>
-              <a:ea typeface="나눔스퀘어 Bold" panose="020B0600000101010101" pitchFamily="50" charset="-127"/>
+              <a:latin typeface="나눔스퀘어 ExtraBold" panose="020B0600000101010101" pitchFamily="50" charset="-127"/>
+              <a:ea typeface="나눔스퀘어 ExtraBold" panose="020B0600000101010101" pitchFamily="50" charset="-127"/>
             </a:endParaRPr>
           </a:p>
         </p:txBody>
       </p:sp>
+      <p:cxnSp>
+        <p:nvCxnSpPr>
+          <p:cNvPr id="13" name="직선 연결선 12">
+            <a:extLst>
+              <a:ext uri="{FF2B5EF4-FFF2-40B4-BE49-F238E27FC236}">
+                <a16:creationId xmlns:a16="http://schemas.microsoft.com/office/drawing/2014/main" id="{CA9A0080-BDD6-40F3-A59F-CDA2AD2FDEED}"/>
+              </a:ext>
+            </a:extLst>
+          </p:cNvPr>
+          <p:cNvCxnSpPr>
+            <a:cxnSpLocks/>
+          </p:cNvCxnSpPr>
+          <p:nvPr/>
+        </p:nvCxnSpPr>
+        <p:spPr>
+          <a:xfrm>
+            <a:off x="1026522" y="989148"/>
+            <a:ext cx="3380015" cy="0"/>
+          </a:xfrm>
+          <a:prstGeom prst="line">
+            <a:avLst/>
+          </a:prstGeom>
+          <a:ln>
+            <a:solidFill>
+              <a:schemeClr val="bg1">
+                <a:lumMod val="50000"/>
+              </a:schemeClr>
+            </a:solidFill>
+          </a:ln>
+        </p:spPr>
+        <p:style>
+          <a:lnRef idx="1">
+            <a:schemeClr val="accent1"/>
+          </a:lnRef>
+          <a:fillRef idx="0">
+            <a:schemeClr val="accent1"/>
+          </a:fillRef>
+          <a:effectRef idx="0">
+            <a:schemeClr val="accent1"/>
+          </a:effectRef>
+          <a:fontRef idx="minor">
+            <a:schemeClr val="tx1"/>
+          </a:fontRef>
+        </p:style>
+      </p:cxnSp>
       <p:sp>
         <p:nvSpPr>
-          <p:cNvPr id="3" name="직사각형 2"/>
-          <p:cNvSpPr/>
+          <p:cNvPr id="23" name="TextBox 22">
+            <a:extLst>
+              <a:ext uri="{FF2B5EF4-FFF2-40B4-BE49-F238E27FC236}">
+                <a16:creationId xmlns:a16="http://schemas.microsoft.com/office/drawing/2014/main" id="{589517A5-E27C-42DB-9528-CAC907223C00}"/>
+              </a:ext>
+            </a:extLst>
+          </p:cNvPr>
+          <p:cNvSpPr txBox="1"/>
           <p:nvPr/>
         </p:nvSpPr>
         <p:spPr>
           <a:xfrm>
-            <a:off x="4000499" y="3169741"/>
-            <a:ext cx="4200071" cy="473345"/>
+            <a:off x="1088239" y="437393"/>
+            <a:ext cx="3380016" cy="584775"/>
           </a:xfrm>
           <a:prstGeom prst="rect">
             <a:avLst/>
           </a:prstGeom>
-          <a:solidFill>
-            <a:srgbClr val="8DBABD"/>
-          </a:solidFill>
-          <a:ln>
-            <a:solidFill>
-              <a:srgbClr val="8DBABD"/>
-            </a:solidFill>
-          </a:ln>
-        </p:spPr>
-        <p:style>
-          <a:lnRef idx="2">
-            <a:schemeClr val="accent1">
-              <a:shade val="50000"/>
-            </a:schemeClr>
-          </a:lnRef>
-          <a:fillRef idx="1">
-            <a:schemeClr val="accent1"/>
-          </a:fillRef>
-          <a:effectRef idx="0">
-            <a:schemeClr val="accent1"/>
-          </a:effectRef>
-          <a:fontRef idx="minor">
-            <a:schemeClr val="lt1"/>
-          </a:fontRef>
-        </p:style>
+          <a:noFill/>
+        </p:spPr>
         <p:txBody>
-          <a:bodyPr rtlCol="0" anchor="ctr"/>
+          <a:bodyPr wrap="square" rtlCol="0">
+            <a:spAutoFit/>
+          </a:bodyPr>
           <a:lstStyle/>
           <a:p>
-            <a:pPr algn="ctr"/>
-            <a:r>
-              <a:rPr lang="en-US" altLang="ko-KR">
-                <a:latin typeface="나눔스퀘어 Bold" panose="020B0600000101010101" pitchFamily="50" charset="-127"/>
-                <a:ea typeface="나눔스퀘어 Bold" panose="020B0600000101010101" pitchFamily="50" charset="-127"/>
-              </a:rPr>
-              <a:t>Exercise</a:t>
-            </a:r>
-            <a:endParaRPr lang="ko-KR" altLang="en-US" dirty="0">
-              <a:latin typeface="나눔스퀘어 Bold" panose="020B0600000101010101" pitchFamily="50" charset="-127"/>
-              <a:ea typeface="나눔스퀘어 Bold" panose="020B0600000101010101" pitchFamily="50" charset="-127"/>
+            <a:r>
+              <a:rPr lang="en-US" altLang="ko-KR" sz="3200" spc="-150">
+                <a:solidFill>
+                  <a:srgbClr val="00002F"/>
+                </a:solidFill>
+                <a:latin typeface="나눔스퀘어 ExtraBold" panose="020B0600000101010101" pitchFamily="50" charset="-127"/>
+                <a:ea typeface="나눔스퀘어 ExtraBold" panose="020B0600000101010101" pitchFamily="50" charset="-127"/>
+              </a:rPr>
+              <a:t>RNN Applications</a:t>
+            </a:r>
+            <a:endParaRPr lang="ko-KR" altLang="en-US" sz="3200" spc="-150" dirty="0">
+              <a:solidFill>
+                <a:srgbClr val="00002F"/>
+              </a:solidFill>
+              <a:latin typeface="나눔스퀘어 ExtraBold" panose="020B0600000101010101" pitchFamily="50" charset="-127"/>
+              <a:ea typeface="나눔스퀘어 ExtraBold" panose="020B0600000101010101" pitchFamily="50" charset="-127"/>
             </a:endParaRPr>
           </a:p>
         </p:txBody>
@@ -10368,7 +10659,7 @@
     </p:spTree>
     <p:extLst>
       <p:ext uri="{BB962C8B-B14F-4D97-AF65-F5344CB8AC3E}">
-        <p14:creationId xmlns:p14="http://schemas.microsoft.com/office/powerpoint/2010/main" val="2671169022"/>
+        <p14:creationId xmlns:p14="http://schemas.microsoft.com/office/powerpoint/2010/main" val="3400284767"/>
       </p:ext>
     </p:extLst>
   </p:cSld>
@@ -10395,55 +10686,16 @@
           <a:chExt cx="0" cy="0"/>
         </a:xfrm>
       </p:grpSpPr>
-      <p:cxnSp>
-        <p:nvCxnSpPr>
-          <p:cNvPr id="4" name="직선 연결선 3"/>
-          <p:cNvCxnSpPr>
-            <a:cxnSpLocks/>
-          </p:cNvCxnSpPr>
-          <p:nvPr/>
-        </p:nvCxnSpPr>
-        <p:spPr>
-          <a:xfrm>
-            <a:off x="1026522" y="989148"/>
-            <a:ext cx="4002678" cy="0"/>
-          </a:xfrm>
-          <a:prstGeom prst="line">
-            <a:avLst/>
-          </a:prstGeom>
-          <a:ln>
-            <a:solidFill>
-              <a:schemeClr val="bg1">
-                <a:lumMod val="50000"/>
-              </a:schemeClr>
-            </a:solidFill>
-          </a:ln>
-        </p:spPr>
-        <p:style>
-          <a:lnRef idx="1">
-            <a:schemeClr val="accent1"/>
-          </a:lnRef>
-          <a:fillRef idx="0">
-            <a:schemeClr val="accent1"/>
-          </a:fillRef>
-          <a:effectRef idx="0">
-            <a:schemeClr val="accent1"/>
-          </a:effectRef>
-          <a:fontRef idx="minor">
-            <a:schemeClr val="tx1"/>
-          </a:fontRef>
-        </p:style>
-      </p:cxnSp>
       <p:sp>
         <p:nvSpPr>
-          <p:cNvPr id="5" name="TextBox 4"/>
+          <p:cNvPr id="2" name="TextBox 1"/>
           <p:cNvSpPr txBox="1"/>
           <p:nvPr/>
         </p:nvSpPr>
         <p:spPr>
           <a:xfrm>
-            <a:off x="1088238" y="437393"/>
-            <a:ext cx="4595231" cy="584775"/>
+            <a:off x="4000500" y="2472873"/>
+            <a:ext cx="797013" cy="769441"/>
           </a:xfrm>
           <a:prstGeom prst="rect">
             <a:avLst/>
@@ -10451,462 +10703,83 @@
           <a:noFill/>
         </p:spPr>
         <p:txBody>
-          <a:bodyPr wrap="square" rtlCol="0">
+          <a:bodyPr wrap="none" rtlCol="0">
             <a:spAutoFit/>
           </a:bodyPr>
           <a:lstStyle/>
           <a:p>
             <a:r>
-              <a:rPr lang="en-US" altLang="ko-KR" sz="3200" spc="-150">
+              <a:rPr lang="en-US" altLang="ko-KR" sz="4400" spc="-300" dirty="0">
                 <a:solidFill>
                   <a:srgbClr val="00002F"/>
                 </a:solidFill>
-                <a:latin typeface="나눔스퀘어 ExtraBold" panose="020B0600000101010101" pitchFamily="50" charset="-127"/>
-                <a:ea typeface="나눔스퀘어 ExtraBold" panose="020B0600000101010101" pitchFamily="50" charset="-127"/>
-              </a:rPr>
-              <a:t>Exercise</a:t>
-            </a:r>
-            <a:endParaRPr lang="ko-KR" altLang="en-US" sz="3200" spc="-150" dirty="0">
+                <a:latin typeface="나눔스퀘어 Bold" panose="020B0600000101010101" pitchFamily="50" charset="-127"/>
+                <a:ea typeface="나눔스퀘어 Bold" panose="020B0600000101010101" pitchFamily="50" charset="-127"/>
+              </a:rPr>
+              <a:t>04</a:t>
+            </a:r>
+            <a:endParaRPr lang="ko-KR" altLang="en-US" sz="4400" spc="-300" dirty="0">
               <a:solidFill>
                 <a:srgbClr val="00002F"/>
               </a:solidFill>
-              <a:latin typeface="나눔스퀘어 ExtraBold" panose="020B0600000101010101" pitchFamily="50" charset="-127"/>
-              <a:ea typeface="나눔스퀘어 ExtraBold" panose="020B0600000101010101" pitchFamily="50" charset="-127"/>
+              <a:latin typeface="나눔스퀘어 Bold" panose="020B0600000101010101" pitchFamily="50" charset="-127"/>
+              <a:ea typeface="나눔스퀘어 Bold" panose="020B0600000101010101" pitchFamily="50" charset="-127"/>
             </a:endParaRPr>
           </a:p>
         </p:txBody>
       </p:sp>
       <p:sp>
         <p:nvSpPr>
-          <p:cNvPr id="12" name="TextBox 11"/>
-          <p:cNvSpPr txBox="1"/>
+          <p:cNvPr id="3" name="직사각형 2"/>
+          <p:cNvSpPr/>
           <p:nvPr/>
         </p:nvSpPr>
         <p:spPr>
           <a:xfrm>
-            <a:off x="455532" y="498947"/>
-            <a:ext cx="614271" cy="461665"/>
+            <a:off x="4000499" y="3169741"/>
+            <a:ext cx="4200071" cy="473345"/>
           </a:xfrm>
           <a:prstGeom prst="rect">
             <a:avLst/>
           </a:prstGeom>
-          <a:noFill/>
-        </p:spPr>
-        <p:txBody>
-          <a:bodyPr wrap="none" rtlCol="0">
-            <a:spAutoFit/>
-          </a:bodyPr>
-          <a:lstStyle/>
-          <a:p>
-            <a:pPr algn="ctr"/>
-            <a:r>
-              <a:rPr lang="en-US" altLang="ko-KR" sz="2400" spc="-150">
-                <a:solidFill>
-                  <a:srgbClr val="00002F"/>
-                </a:solidFill>
-                <a:latin typeface="나눔스퀘어 ExtraBold" panose="020B0600000101010101" pitchFamily="50" charset="-127"/>
-                <a:ea typeface="나눔스퀘어 ExtraBold" panose="020B0600000101010101" pitchFamily="50" charset="-127"/>
-              </a:rPr>
-              <a:t>04.</a:t>
-            </a:r>
-            <a:endParaRPr lang="ko-KR" altLang="en-US" sz="2400" spc="-150" dirty="0">
-              <a:solidFill>
-                <a:srgbClr val="00002F"/>
-              </a:solidFill>
-              <a:latin typeface="나눔스퀘어 ExtraBold" panose="020B0600000101010101" pitchFamily="50" charset="-127"/>
-              <a:ea typeface="나눔스퀘어 ExtraBold" panose="020B0600000101010101" pitchFamily="50" charset="-127"/>
-            </a:endParaRPr>
-          </a:p>
-        </p:txBody>
-      </p:sp>
-      <p:sp>
-        <p:nvSpPr>
-          <p:cNvPr id="11" name="TextBox 10">
-            <a:extLst>
-              <a:ext uri="{FF2B5EF4-FFF2-40B4-BE49-F238E27FC236}">
-                <a16:creationId xmlns:a16="http://schemas.microsoft.com/office/drawing/2014/main" id="{2B395301-37C5-4E49-8CBB-7A77E2A5F0AF}"/>
-              </a:ext>
-            </a:extLst>
-          </p:cNvPr>
-          <p:cNvSpPr txBox="1"/>
-          <p:nvPr/>
-        </p:nvSpPr>
-        <p:spPr>
-          <a:xfrm>
-            <a:off x="1069802" y="1006929"/>
-            <a:ext cx="7908152" cy="369332"/>
-          </a:xfrm>
-          <a:prstGeom prst="rect">
-            <a:avLst/>
-          </a:prstGeom>
-          <a:noFill/>
-        </p:spPr>
-        <p:txBody>
-          <a:bodyPr wrap="square" rtlCol="0">
-            <a:spAutoFit/>
-          </a:bodyPr>
-          <a:lstStyle/>
-          <a:p>
-            <a:r>
-              <a:rPr lang="en-US" altLang="ko-KR" spc="-150">
-                <a:solidFill>
-                  <a:srgbClr val="00002F"/>
-                </a:solidFill>
-                <a:latin typeface="나눔스퀘어 ExtraBold" panose="020B0600000101010101" pitchFamily="50" charset="-127"/>
-                <a:ea typeface="나눔스퀘어 ExtraBold" panose="020B0600000101010101" pitchFamily="50" charset="-127"/>
-              </a:rPr>
-              <a:t>Quora  Insurance Detection Using RNN</a:t>
-            </a:r>
-          </a:p>
-        </p:txBody>
-      </p:sp>
-      <p:cxnSp>
-        <p:nvCxnSpPr>
-          <p:cNvPr id="16" name="직선 연결선 15">
-            <a:extLst>
-              <a:ext uri="{FF2B5EF4-FFF2-40B4-BE49-F238E27FC236}">
-                <a16:creationId xmlns:a16="http://schemas.microsoft.com/office/drawing/2014/main" id="{C748FEAA-2F61-4476-BC12-D714309AEEE4}"/>
-              </a:ext>
-            </a:extLst>
-          </p:cNvPr>
-          <p:cNvCxnSpPr/>
-          <p:nvPr/>
-        </p:nvCxnSpPr>
-        <p:spPr>
-          <a:xfrm>
-            <a:off x="10430892" y="144941"/>
-            <a:ext cx="360000" cy="0"/>
-          </a:xfrm>
-          <a:prstGeom prst="line">
-            <a:avLst/>
-          </a:prstGeom>
-          <a:ln w="44450" cap="rnd">
-            <a:solidFill>
-              <a:srgbClr val="D0CECE"/>
-            </a:solidFill>
-          </a:ln>
-          <a:effectLst>
-            <a:outerShdw blurRad="50800" dist="38100" dir="5400000" algn="t" rotWithShape="0">
-              <a:prstClr val="black">
-                <a:alpha val="40000"/>
-              </a:prstClr>
-            </a:outerShdw>
-          </a:effectLst>
-        </p:spPr>
-        <p:style>
-          <a:lnRef idx="1">
-            <a:schemeClr val="accent1"/>
-          </a:lnRef>
-          <a:fillRef idx="0">
-            <a:schemeClr val="accent1"/>
-          </a:fillRef>
-          <a:effectRef idx="0">
-            <a:schemeClr val="accent1"/>
-          </a:effectRef>
-          <a:fontRef idx="minor">
-            <a:schemeClr val="tx1"/>
-          </a:fontRef>
-        </p:style>
-      </p:cxnSp>
-      <p:cxnSp>
-        <p:nvCxnSpPr>
-          <p:cNvPr id="17" name="직선 연결선 16">
-            <a:extLst>
-              <a:ext uri="{FF2B5EF4-FFF2-40B4-BE49-F238E27FC236}">
-                <a16:creationId xmlns:a16="http://schemas.microsoft.com/office/drawing/2014/main" id="{382B42FE-3DA7-4C75-9BF8-A89C2DB8E2E4}"/>
-              </a:ext>
-            </a:extLst>
-          </p:cNvPr>
-          <p:cNvCxnSpPr/>
-          <p:nvPr/>
-        </p:nvCxnSpPr>
-        <p:spPr>
-          <a:xfrm>
-            <a:off x="10858459" y="144941"/>
-            <a:ext cx="360000" cy="0"/>
-          </a:xfrm>
-          <a:prstGeom prst="line">
-            <a:avLst/>
-          </a:prstGeom>
-          <a:ln w="44450" cap="rnd">
-            <a:solidFill>
-              <a:schemeClr val="bg2">
-                <a:lumMod val="90000"/>
-              </a:schemeClr>
-            </a:solidFill>
-          </a:ln>
-          <a:effectLst>
-            <a:outerShdw blurRad="50800" dist="38100" dir="5400000" algn="t" rotWithShape="0">
-              <a:prstClr val="black">
-                <a:alpha val="40000"/>
-              </a:prstClr>
-            </a:outerShdw>
-          </a:effectLst>
-        </p:spPr>
-        <p:style>
-          <a:lnRef idx="1">
-            <a:schemeClr val="accent1"/>
-          </a:lnRef>
-          <a:fillRef idx="0">
-            <a:schemeClr val="accent1"/>
-          </a:fillRef>
-          <a:effectRef idx="0">
-            <a:schemeClr val="accent1"/>
-          </a:effectRef>
-          <a:fontRef idx="minor">
-            <a:schemeClr val="tx1"/>
-          </a:fontRef>
-        </p:style>
-      </p:cxnSp>
-      <p:cxnSp>
-        <p:nvCxnSpPr>
-          <p:cNvPr id="18" name="직선 연결선 17">
-            <a:extLst>
-              <a:ext uri="{FF2B5EF4-FFF2-40B4-BE49-F238E27FC236}">
-                <a16:creationId xmlns:a16="http://schemas.microsoft.com/office/drawing/2014/main" id="{A5EBB07B-7E65-43F9-8D1A-5F7A345B63EB}"/>
-              </a:ext>
-            </a:extLst>
-          </p:cNvPr>
-          <p:cNvCxnSpPr/>
-          <p:nvPr/>
-        </p:nvCxnSpPr>
-        <p:spPr>
-          <a:xfrm>
-            <a:off x="11286026" y="144941"/>
-            <a:ext cx="360000" cy="0"/>
-          </a:xfrm>
-          <a:prstGeom prst="line">
-            <a:avLst/>
-          </a:prstGeom>
-          <a:ln w="44450" cap="rnd">
-            <a:solidFill>
-              <a:schemeClr val="bg2">
-                <a:lumMod val="90000"/>
-              </a:schemeClr>
-            </a:solidFill>
-          </a:ln>
-          <a:effectLst>
-            <a:outerShdw blurRad="50800" dist="38100" dir="5400000" algn="t" rotWithShape="0">
-              <a:prstClr val="black">
-                <a:alpha val="40000"/>
-              </a:prstClr>
-            </a:outerShdw>
-          </a:effectLst>
-        </p:spPr>
-        <p:style>
-          <a:lnRef idx="1">
-            <a:schemeClr val="accent1"/>
-          </a:lnRef>
-          <a:fillRef idx="0">
-            <a:schemeClr val="accent1"/>
-          </a:fillRef>
-          <a:effectRef idx="0">
-            <a:schemeClr val="accent1"/>
-          </a:effectRef>
-          <a:fontRef idx="minor">
-            <a:schemeClr val="tx1"/>
-          </a:fontRef>
-        </p:style>
-      </p:cxnSp>
-      <p:cxnSp>
-        <p:nvCxnSpPr>
-          <p:cNvPr id="19" name="직선 연결선 18">
-            <a:extLst>
-              <a:ext uri="{FF2B5EF4-FFF2-40B4-BE49-F238E27FC236}">
-                <a16:creationId xmlns:a16="http://schemas.microsoft.com/office/drawing/2014/main" id="{3337B726-A515-4F67-90E6-D9501BDE392B}"/>
-              </a:ext>
-            </a:extLst>
-          </p:cNvPr>
-          <p:cNvCxnSpPr/>
-          <p:nvPr/>
-        </p:nvCxnSpPr>
-        <p:spPr>
-          <a:xfrm>
-            <a:off x="11713592" y="144941"/>
-            <a:ext cx="360000" cy="0"/>
-          </a:xfrm>
-          <a:prstGeom prst="line">
-            <a:avLst/>
-          </a:prstGeom>
-          <a:ln w="44450" cap="rnd">
+          <a:solidFill>
+            <a:srgbClr val="8DBABD"/>
+          </a:solidFill>
+          <a:ln>
             <a:solidFill>
               <a:srgbClr val="8DBABD"/>
             </a:solidFill>
           </a:ln>
-          <a:effectLst>
-            <a:outerShdw blurRad="50800" dist="38100" dir="5400000" algn="t" rotWithShape="0">
-              <a:prstClr val="black">
-                <a:alpha val="40000"/>
-              </a:prstClr>
-            </a:outerShdw>
-          </a:effectLst>
         </p:spPr>
         <p:style>
-          <a:lnRef idx="1">
-            <a:schemeClr val="accent1"/>
+          <a:lnRef idx="2">
+            <a:schemeClr val="accent1">
+              <a:shade val="50000"/>
+            </a:schemeClr>
           </a:lnRef>
-          <a:fillRef idx="0">
+          <a:fillRef idx="1">
             <a:schemeClr val="accent1"/>
           </a:fillRef>
           <a:effectRef idx="0">
             <a:schemeClr val="accent1"/>
           </a:effectRef>
           <a:fontRef idx="minor">
-            <a:schemeClr val="tx1"/>
+            <a:schemeClr val="lt1"/>
           </a:fontRef>
         </p:style>
-      </p:cxnSp>
-      <p:sp>
-        <p:nvSpPr>
-          <p:cNvPr id="121" name="TextBox 120">
-            <a:extLst>
-              <a:ext uri="{FF2B5EF4-FFF2-40B4-BE49-F238E27FC236}">
-                <a16:creationId xmlns:a16="http://schemas.microsoft.com/office/drawing/2014/main" id="{6331798B-A31D-448F-94EA-AE22677BB6E4}"/>
-              </a:ext>
-            </a:extLst>
-          </p:cNvPr>
-          <p:cNvSpPr txBox="1"/>
-          <p:nvPr/>
-        </p:nvSpPr>
-        <p:spPr>
-          <a:xfrm>
-            <a:off x="4626983" y="3520652"/>
-            <a:ext cx="2938035" cy="781304"/>
-          </a:xfrm>
-          <a:prstGeom prst="rect">
-            <a:avLst/>
-          </a:prstGeom>
-          <a:noFill/>
-        </p:spPr>
         <p:txBody>
-          <a:bodyPr wrap="square" rtlCol="0">
-            <a:spAutoFit/>
-          </a:bodyPr>
+          <a:bodyPr rtlCol="0" anchor="ctr"/>
           <a:lstStyle/>
           <a:p>
-            <a:pPr>
-              <a:lnSpc>
-                <a:spcPct val="200000"/>
-              </a:lnSpc>
-            </a:pPr>
-            <a:r>
-              <a:rPr lang="en-US" altLang="ko-KR" sz="1200" spc="-100">
-                <a:ln>
-                  <a:solidFill>
-                    <a:schemeClr val="bg1">
-                      <a:lumMod val="65000"/>
-                      <a:alpha val="0"/>
-                    </a:schemeClr>
-                  </a:solidFill>
-                </a:ln>
+            <a:pPr algn="ctr"/>
+            <a:r>
+              <a:rPr lang="en-US" altLang="ko-KR">
                 <a:latin typeface="나눔스퀘어 Bold" panose="020B0600000101010101" pitchFamily="50" charset="-127"/>
                 <a:ea typeface="나눔스퀘어 Bold" panose="020B0600000101010101" pitchFamily="50" charset="-127"/>
               </a:rPr>
-              <a:t>Quora</a:t>
-            </a:r>
-            <a:r>
-              <a:rPr lang="ko-KR" altLang="en-US" sz="1200" spc="-100">
-                <a:ln>
-                  <a:solidFill>
-                    <a:schemeClr val="bg1">
-                      <a:lumMod val="65000"/>
-                      <a:alpha val="0"/>
-                    </a:schemeClr>
-                  </a:solidFill>
-                </a:ln>
-                <a:latin typeface="나눔스퀘어 Bold" panose="020B0600000101010101" pitchFamily="50" charset="-127"/>
-                <a:ea typeface="나눔스퀘어 Bold" panose="020B0600000101010101" pitchFamily="50" charset="-127"/>
-              </a:rPr>
-              <a:t>에서 부적절한 질문 찾기</a:t>
-            </a:r>
-            <a:endParaRPr lang="en-US" altLang="ko-KR" sz="1200" spc="-100">
-              <a:ln>
-                <a:solidFill>
-                  <a:schemeClr val="bg1">
-                    <a:lumMod val="65000"/>
-                    <a:alpha val="0"/>
-                  </a:schemeClr>
-                </a:solidFill>
-              </a:ln>
-              <a:latin typeface="나눔스퀘어 Bold" panose="020B0600000101010101" pitchFamily="50" charset="-127"/>
-              <a:ea typeface="나눔스퀘어 Bold" panose="020B0600000101010101" pitchFamily="50" charset="-127"/>
-            </a:endParaRPr>
-          </a:p>
-          <a:p>
-            <a:pPr>
-              <a:lnSpc>
-                <a:spcPct val="200000"/>
-              </a:lnSpc>
-            </a:pPr>
-            <a:r>
-              <a:rPr lang="en-US" altLang="ko-KR" sz="1200" spc="-100">
-                <a:ln>
-                  <a:solidFill>
-                    <a:schemeClr val="bg1">
-                      <a:lumMod val="65000"/>
-                      <a:alpha val="0"/>
-                    </a:schemeClr>
-                  </a:solidFill>
-                </a:ln>
-                <a:latin typeface="나눔스퀘어 Bold" panose="020B0600000101010101" pitchFamily="50" charset="-127"/>
-                <a:ea typeface="나눔스퀘어 Bold" panose="020B0600000101010101" pitchFamily="50" charset="-127"/>
-              </a:rPr>
-              <a:t>RNN</a:t>
-            </a:r>
-            <a:r>
-              <a:rPr lang="ko-KR" altLang="en-US" sz="1200" spc="-100">
-                <a:ln>
-                  <a:solidFill>
-                    <a:schemeClr val="bg1">
-                      <a:lumMod val="65000"/>
-                      <a:alpha val="0"/>
-                    </a:schemeClr>
-                  </a:solidFill>
-                </a:ln>
-                <a:latin typeface="나눔스퀘어 Bold" panose="020B0600000101010101" pitchFamily="50" charset="-127"/>
-                <a:ea typeface="나눔스퀘어 Bold" panose="020B0600000101010101" pitchFamily="50" charset="-127"/>
-              </a:rPr>
-              <a:t>을 사용해서 </a:t>
-            </a:r>
-            <a:r>
-              <a:rPr lang="en-US" altLang="ko-KR" sz="1200" spc="-100">
-                <a:ln>
-                  <a:solidFill>
-                    <a:schemeClr val="bg1">
-                      <a:lumMod val="65000"/>
-                      <a:alpha val="0"/>
-                    </a:schemeClr>
-                  </a:solidFill>
-                </a:ln>
-                <a:latin typeface="나눔스퀘어 Bold" panose="020B0600000101010101" pitchFamily="50" charset="-127"/>
-                <a:ea typeface="나눔스퀘어 Bold" panose="020B0600000101010101" pitchFamily="50" charset="-127"/>
-              </a:rPr>
-              <a:t>Binary Classification </a:t>
-            </a:r>
-            <a:r>
-              <a:rPr lang="ko-KR" altLang="en-US" sz="1200" spc="-100">
-                <a:ln>
-                  <a:solidFill>
-                    <a:schemeClr val="bg1">
-                      <a:lumMod val="65000"/>
-                      <a:alpha val="0"/>
-                    </a:schemeClr>
-                  </a:solidFill>
-                </a:ln>
-                <a:latin typeface="나눔스퀘어 Bold" panose="020B0600000101010101" pitchFamily="50" charset="-127"/>
-                <a:ea typeface="나눔스퀘어 Bold" panose="020B0600000101010101" pitchFamily="50" charset="-127"/>
-              </a:rPr>
-              <a:t>진행</a:t>
-            </a:r>
-            <a:endParaRPr lang="en-US" altLang="ko-KR" sz="1200" spc="-100">
-              <a:ln>
-                <a:solidFill>
-                  <a:schemeClr val="bg1">
-                    <a:lumMod val="65000"/>
-                    <a:alpha val="0"/>
-                  </a:schemeClr>
-                </a:solidFill>
-              </a:ln>
+              <a:t>Exercise</a:t>
+            </a:r>
+            <a:endParaRPr lang="ko-KR" altLang="en-US" dirty="0">
               <a:latin typeface="나눔스퀘어 Bold" panose="020B0600000101010101" pitchFamily="50" charset="-127"/>
               <a:ea typeface="나눔스퀘어 Bold" panose="020B0600000101010101" pitchFamily="50" charset="-127"/>
             </a:endParaRPr>
@@ -10916,7 +10789,7 @@
     </p:spTree>
     <p:extLst>
       <p:ext uri="{BB962C8B-B14F-4D97-AF65-F5344CB8AC3E}">
-        <p14:creationId xmlns:p14="http://schemas.microsoft.com/office/powerpoint/2010/main" val="4289403849"/>
+        <p14:creationId xmlns:p14="http://schemas.microsoft.com/office/powerpoint/2010/main" val="2671169022"/>
       </p:ext>
     </p:extLst>
   </p:cSld>
@@ -11304,6 +11177,554 @@
           </a:fontRef>
         </p:style>
       </p:cxnSp>
+      <p:sp>
+        <p:nvSpPr>
+          <p:cNvPr id="121" name="TextBox 120">
+            <a:extLst>
+              <a:ext uri="{FF2B5EF4-FFF2-40B4-BE49-F238E27FC236}">
+                <a16:creationId xmlns:a16="http://schemas.microsoft.com/office/drawing/2014/main" id="{6331798B-A31D-448F-94EA-AE22677BB6E4}"/>
+              </a:ext>
+            </a:extLst>
+          </p:cNvPr>
+          <p:cNvSpPr txBox="1"/>
+          <p:nvPr/>
+        </p:nvSpPr>
+        <p:spPr>
+          <a:xfrm>
+            <a:off x="4626983" y="3520652"/>
+            <a:ext cx="2938035" cy="781304"/>
+          </a:xfrm>
+          <a:prstGeom prst="rect">
+            <a:avLst/>
+          </a:prstGeom>
+          <a:noFill/>
+        </p:spPr>
+        <p:txBody>
+          <a:bodyPr wrap="square" rtlCol="0">
+            <a:spAutoFit/>
+          </a:bodyPr>
+          <a:lstStyle/>
+          <a:p>
+            <a:pPr>
+              <a:lnSpc>
+                <a:spcPct val="200000"/>
+              </a:lnSpc>
+            </a:pPr>
+            <a:r>
+              <a:rPr lang="en-US" altLang="ko-KR" sz="1200" spc="-100">
+                <a:ln>
+                  <a:solidFill>
+                    <a:schemeClr val="bg1">
+                      <a:lumMod val="65000"/>
+                      <a:alpha val="0"/>
+                    </a:schemeClr>
+                  </a:solidFill>
+                </a:ln>
+                <a:latin typeface="나눔스퀘어 Bold" panose="020B0600000101010101" pitchFamily="50" charset="-127"/>
+                <a:ea typeface="나눔스퀘어 Bold" panose="020B0600000101010101" pitchFamily="50" charset="-127"/>
+              </a:rPr>
+              <a:t>Quora</a:t>
+            </a:r>
+            <a:r>
+              <a:rPr lang="ko-KR" altLang="en-US" sz="1200" spc="-100">
+                <a:ln>
+                  <a:solidFill>
+                    <a:schemeClr val="bg1">
+                      <a:lumMod val="65000"/>
+                      <a:alpha val="0"/>
+                    </a:schemeClr>
+                  </a:solidFill>
+                </a:ln>
+                <a:latin typeface="나눔스퀘어 Bold" panose="020B0600000101010101" pitchFamily="50" charset="-127"/>
+                <a:ea typeface="나눔스퀘어 Bold" panose="020B0600000101010101" pitchFamily="50" charset="-127"/>
+              </a:rPr>
+              <a:t>에서 부적절한 질문 찾기</a:t>
+            </a:r>
+            <a:endParaRPr lang="en-US" altLang="ko-KR" sz="1200" spc="-100">
+              <a:ln>
+                <a:solidFill>
+                  <a:schemeClr val="bg1">
+                    <a:lumMod val="65000"/>
+                    <a:alpha val="0"/>
+                  </a:schemeClr>
+                </a:solidFill>
+              </a:ln>
+              <a:latin typeface="나눔스퀘어 Bold" panose="020B0600000101010101" pitchFamily="50" charset="-127"/>
+              <a:ea typeface="나눔스퀘어 Bold" panose="020B0600000101010101" pitchFamily="50" charset="-127"/>
+            </a:endParaRPr>
+          </a:p>
+          <a:p>
+            <a:pPr>
+              <a:lnSpc>
+                <a:spcPct val="200000"/>
+              </a:lnSpc>
+            </a:pPr>
+            <a:r>
+              <a:rPr lang="en-US" altLang="ko-KR" sz="1200" spc="-100">
+                <a:ln>
+                  <a:solidFill>
+                    <a:schemeClr val="bg1">
+                      <a:lumMod val="65000"/>
+                      <a:alpha val="0"/>
+                    </a:schemeClr>
+                  </a:solidFill>
+                </a:ln>
+                <a:latin typeface="나눔스퀘어 Bold" panose="020B0600000101010101" pitchFamily="50" charset="-127"/>
+                <a:ea typeface="나눔스퀘어 Bold" panose="020B0600000101010101" pitchFamily="50" charset="-127"/>
+              </a:rPr>
+              <a:t>RNN</a:t>
+            </a:r>
+            <a:r>
+              <a:rPr lang="ko-KR" altLang="en-US" sz="1200" spc="-100">
+                <a:ln>
+                  <a:solidFill>
+                    <a:schemeClr val="bg1">
+                      <a:lumMod val="65000"/>
+                      <a:alpha val="0"/>
+                    </a:schemeClr>
+                  </a:solidFill>
+                </a:ln>
+                <a:latin typeface="나눔스퀘어 Bold" panose="020B0600000101010101" pitchFamily="50" charset="-127"/>
+                <a:ea typeface="나눔스퀘어 Bold" panose="020B0600000101010101" pitchFamily="50" charset="-127"/>
+              </a:rPr>
+              <a:t>을 사용해서 </a:t>
+            </a:r>
+            <a:r>
+              <a:rPr lang="en-US" altLang="ko-KR" sz="1200" spc="-100">
+                <a:ln>
+                  <a:solidFill>
+                    <a:schemeClr val="bg1">
+                      <a:lumMod val="65000"/>
+                      <a:alpha val="0"/>
+                    </a:schemeClr>
+                  </a:solidFill>
+                </a:ln>
+                <a:latin typeface="나눔스퀘어 Bold" panose="020B0600000101010101" pitchFamily="50" charset="-127"/>
+                <a:ea typeface="나눔스퀘어 Bold" panose="020B0600000101010101" pitchFamily="50" charset="-127"/>
+              </a:rPr>
+              <a:t>Binary Classification </a:t>
+            </a:r>
+            <a:r>
+              <a:rPr lang="ko-KR" altLang="en-US" sz="1200" spc="-100">
+                <a:ln>
+                  <a:solidFill>
+                    <a:schemeClr val="bg1">
+                      <a:lumMod val="65000"/>
+                      <a:alpha val="0"/>
+                    </a:schemeClr>
+                  </a:solidFill>
+                </a:ln>
+                <a:latin typeface="나눔스퀘어 Bold" panose="020B0600000101010101" pitchFamily="50" charset="-127"/>
+                <a:ea typeface="나눔스퀘어 Bold" panose="020B0600000101010101" pitchFamily="50" charset="-127"/>
+              </a:rPr>
+              <a:t>진행</a:t>
+            </a:r>
+            <a:endParaRPr lang="en-US" altLang="ko-KR" sz="1200" spc="-100">
+              <a:ln>
+                <a:solidFill>
+                  <a:schemeClr val="bg1">
+                    <a:lumMod val="65000"/>
+                    <a:alpha val="0"/>
+                  </a:schemeClr>
+                </a:solidFill>
+              </a:ln>
+              <a:latin typeface="나눔스퀘어 Bold" panose="020B0600000101010101" pitchFamily="50" charset="-127"/>
+              <a:ea typeface="나눔스퀘어 Bold" panose="020B0600000101010101" pitchFamily="50" charset="-127"/>
+            </a:endParaRPr>
+          </a:p>
+        </p:txBody>
+      </p:sp>
+    </p:spTree>
+    <p:extLst>
+      <p:ext uri="{BB962C8B-B14F-4D97-AF65-F5344CB8AC3E}">
+        <p14:creationId xmlns:p14="http://schemas.microsoft.com/office/powerpoint/2010/main" val="4289403849"/>
+      </p:ext>
+    </p:extLst>
+  </p:cSld>
+  <p:clrMapOvr>
+    <a:masterClrMapping/>
+  </p:clrMapOvr>
+</p:sld>
+</file>
+
+<file path=ppt/slides/slide28.xml><?xml version="1.0" encoding="utf-8"?>
+<p:sld xmlns:a="http://schemas.openxmlformats.org/drawingml/2006/main" xmlns:r="http://schemas.openxmlformats.org/officeDocument/2006/relationships" xmlns:p="http://schemas.openxmlformats.org/presentationml/2006/main">
+  <p:cSld>
+    <p:spTree>
+      <p:nvGrpSpPr>
+        <p:cNvPr id="1" name=""/>
+        <p:cNvGrpSpPr/>
+        <p:nvPr/>
+      </p:nvGrpSpPr>
+      <p:grpSpPr>
+        <a:xfrm>
+          <a:off x="0" y="0"/>
+          <a:ext cx="0" cy="0"/>
+          <a:chOff x="0" y="0"/>
+          <a:chExt cx="0" cy="0"/>
+        </a:xfrm>
+      </p:grpSpPr>
+      <p:cxnSp>
+        <p:nvCxnSpPr>
+          <p:cNvPr id="4" name="직선 연결선 3"/>
+          <p:cNvCxnSpPr>
+            <a:cxnSpLocks/>
+          </p:cNvCxnSpPr>
+          <p:nvPr/>
+        </p:nvCxnSpPr>
+        <p:spPr>
+          <a:xfrm>
+            <a:off x="1026522" y="989148"/>
+            <a:ext cx="4002678" cy="0"/>
+          </a:xfrm>
+          <a:prstGeom prst="line">
+            <a:avLst/>
+          </a:prstGeom>
+          <a:ln>
+            <a:solidFill>
+              <a:schemeClr val="bg1">
+                <a:lumMod val="50000"/>
+              </a:schemeClr>
+            </a:solidFill>
+          </a:ln>
+        </p:spPr>
+        <p:style>
+          <a:lnRef idx="1">
+            <a:schemeClr val="accent1"/>
+          </a:lnRef>
+          <a:fillRef idx="0">
+            <a:schemeClr val="accent1"/>
+          </a:fillRef>
+          <a:effectRef idx="0">
+            <a:schemeClr val="accent1"/>
+          </a:effectRef>
+          <a:fontRef idx="minor">
+            <a:schemeClr val="tx1"/>
+          </a:fontRef>
+        </p:style>
+      </p:cxnSp>
+      <p:sp>
+        <p:nvSpPr>
+          <p:cNvPr id="5" name="TextBox 4"/>
+          <p:cNvSpPr txBox="1"/>
+          <p:nvPr/>
+        </p:nvSpPr>
+        <p:spPr>
+          <a:xfrm>
+            <a:off x="1088238" y="437393"/>
+            <a:ext cx="4595231" cy="584775"/>
+          </a:xfrm>
+          <a:prstGeom prst="rect">
+            <a:avLst/>
+          </a:prstGeom>
+          <a:noFill/>
+        </p:spPr>
+        <p:txBody>
+          <a:bodyPr wrap="square" rtlCol="0">
+            <a:spAutoFit/>
+          </a:bodyPr>
+          <a:lstStyle/>
+          <a:p>
+            <a:r>
+              <a:rPr lang="en-US" altLang="ko-KR" sz="3200" spc="-150">
+                <a:solidFill>
+                  <a:srgbClr val="00002F"/>
+                </a:solidFill>
+                <a:latin typeface="나눔스퀘어 ExtraBold" panose="020B0600000101010101" pitchFamily="50" charset="-127"/>
+                <a:ea typeface="나눔스퀘어 ExtraBold" panose="020B0600000101010101" pitchFamily="50" charset="-127"/>
+              </a:rPr>
+              <a:t>Exercise</a:t>
+            </a:r>
+            <a:endParaRPr lang="ko-KR" altLang="en-US" sz="3200" spc="-150" dirty="0">
+              <a:solidFill>
+                <a:srgbClr val="00002F"/>
+              </a:solidFill>
+              <a:latin typeface="나눔스퀘어 ExtraBold" panose="020B0600000101010101" pitchFamily="50" charset="-127"/>
+              <a:ea typeface="나눔스퀘어 ExtraBold" panose="020B0600000101010101" pitchFamily="50" charset="-127"/>
+            </a:endParaRPr>
+          </a:p>
+        </p:txBody>
+      </p:sp>
+      <p:sp>
+        <p:nvSpPr>
+          <p:cNvPr id="12" name="TextBox 11"/>
+          <p:cNvSpPr txBox="1"/>
+          <p:nvPr/>
+        </p:nvSpPr>
+        <p:spPr>
+          <a:xfrm>
+            <a:off x="455532" y="498947"/>
+            <a:ext cx="614271" cy="461665"/>
+          </a:xfrm>
+          <a:prstGeom prst="rect">
+            <a:avLst/>
+          </a:prstGeom>
+          <a:noFill/>
+        </p:spPr>
+        <p:txBody>
+          <a:bodyPr wrap="none" rtlCol="0">
+            <a:spAutoFit/>
+          </a:bodyPr>
+          <a:lstStyle/>
+          <a:p>
+            <a:pPr algn="ctr"/>
+            <a:r>
+              <a:rPr lang="en-US" altLang="ko-KR" sz="2400" spc="-150">
+                <a:solidFill>
+                  <a:srgbClr val="00002F"/>
+                </a:solidFill>
+                <a:latin typeface="나눔스퀘어 ExtraBold" panose="020B0600000101010101" pitchFamily="50" charset="-127"/>
+                <a:ea typeface="나눔스퀘어 ExtraBold" panose="020B0600000101010101" pitchFamily="50" charset="-127"/>
+              </a:rPr>
+              <a:t>04.</a:t>
+            </a:r>
+            <a:endParaRPr lang="ko-KR" altLang="en-US" sz="2400" spc="-150" dirty="0">
+              <a:solidFill>
+                <a:srgbClr val="00002F"/>
+              </a:solidFill>
+              <a:latin typeface="나눔스퀘어 ExtraBold" panose="020B0600000101010101" pitchFamily="50" charset="-127"/>
+              <a:ea typeface="나눔스퀘어 ExtraBold" panose="020B0600000101010101" pitchFamily="50" charset="-127"/>
+            </a:endParaRPr>
+          </a:p>
+        </p:txBody>
+      </p:sp>
+      <p:sp>
+        <p:nvSpPr>
+          <p:cNvPr id="11" name="TextBox 10">
+            <a:extLst>
+              <a:ext uri="{FF2B5EF4-FFF2-40B4-BE49-F238E27FC236}">
+                <a16:creationId xmlns:a16="http://schemas.microsoft.com/office/drawing/2014/main" id="{2B395301-37C5-4E49-8CBB-7A77E2A5F0AF}"/>
+              </a:ext>
+            </a:extLst>
+          </p:cNvPr>
+          <p:cNvSpPr txBox="1"/>
+          <p:nvPr/>
+        </p:nvSpPr>
+        <p:spPr>
+          <a:xfrm>
+            <a:off x="1069802" y="1006929"/>
+            <a:ext cx="7908152" cy="369332"/>
+          </a:xfrm>
+          <a:prstGeom prst="rect">
+            <a:avLst/>
+          </a:prstGeom>
+          <a:noFill/>
+        </p:spPr>
+        <p:txBody>
+          <a:bodyPr wrap="square" rtlCol="0">
+            <a:spAutoFit/>
+          </a:bodyPr>
+          <a:lstStyle/>
+          <a:p>
+            <a:r>
+              <a:rPr lang="en-US" altLang="ko-KR" spc="-150">
+                <a:solidFill>
+                  <a:srgbClr val="00002F"/>
+                </a:solidFill>
+                <a:latin typeface="나눔스퀘어 ExtraBold" panose="020B0600000101010101" pitchFamily="50" charset="-127"/>
+                <a:ea typeface="나눔스퀘어 ExtraBold" panose="020B0600000101010101" pitchFamily="50" charset="-127"/>
+              </a:rPr>
+              <a:t>Quora  Insurance Detection Using RNN</a:t>
+            </a:r>
+          </a:p>
+        </p:txBody>
+      </p:sp>
+      <p:cxnSp>
+        <p:nvCxnSpPr>
+          <p:cNvPr id="16" name="직선 연결선 15">
+            <a:extLst>
+              <a:ext uri="{FF2B5EF4-FFF2-40B4-BE49-F238E27FC236}">
+                <a16:creationId xmlns:a16="http://schemas.microsoft.com/office/drawing/2014/main" id="{C748FEAA-2F61-4476-BC12-D714309AEEE4}"/>
+              </a:ext>
+            </a:extLst>
+          </p:cNvPr>
+          <p:cNvCxnSpPr/>
+          <p:nvPr/>
+        </p:nvCxnSpPr>
+        <p:spPr>
+          <a:xfrm>
+            <a:off x="10430892" y="144941"/>
+            <a:ext cx="360000" cy="0"/>
+          </a:xfrm>
+          <a:prstGeom prst="line">
+            <a:avLst/>
+          </a:prstGeom>
+          <a:ln w="44450" cap="rnd">
+            <a:solidFill>
+              <a:srgbClr val="D0CECE"/>
+            </a:solidFill>
+          </a:ln>
+          <a:effectLst>
+            <a:outerShdw blurRad="50800" dist="38100" dir="5400000" algn="t" rotWithShape="0">
+              <a:prstClr val="black">
+                <a:alpha val="40000"/>
+              </a:prstClr>
+            </a:outerShdw>
+          </a:effectLst>
+        </p:spPr>
+        <p:style>
+          <a:lnRef idx="1">
+            <a:schemeClr val="accent1"/>
+          </a:lnRef>
+          <a:fillRef idx="0">
+            <a:schemeClr val="accent1"/>
+          </a:fillRef>
+          <a:effectRef idx="0">
+            <a:schemeClr val="accent1"/>
+          </a:effectRef>
+          <a:fontRef idx="minor">
+            <a:schemeClr val="tx1"/>
+          </a:fontRef>
+        </p:style>
+      </p:cxnSp>
+      <p:cxnSp>
+        <p:nvCxnSpPr>
+          <p:cNvPr id="17" name="직선 연결선 16">
+            <a:extLst>
+              <a:ext uri="{FF2B5EF4-FFF2-40B4-BE49-F238E27FC236}">
+                <a16:creationId xmlns:a16="http://schemas.microsoft.com/office/drawing/2014/main" id="{382B42FE-3DA7-4C75-9BF8-A89C2DB8E2E4}"/>
+              </a:ext>
+            </a:extLst>
+          </p:cNvPr>
+          <p:cNvCxnSpPr/>
+          <p:nvPr/>
+        </p:nvCxnSpPr>
+        <p:spPr>
+          <a:xfrm>
+            <a:off x="10858459" y="144941"/>
+            <a:ext cx="360000" cy="0"/>
+          </a:xfrm>
+          <a:prstGeom prst="line">
+            <a:avLst/>
+          </a:prstGeom>
+          <a:ln w="44450" cap="rnd">
+            <a:solidFill>
+              <a:schemeClr val="bg2">
+                <a:lumMod val="90000"/>
+              </a:schemeClr>
+            </a:solidFill>
+          </a:ln>
+          <a:effectLst>
+            <a:outerShdw blurRad="50800" dist="38100" dir="5400000" algn="t" rotWithShape="0">
+              <a:prstClr val="black">
+                <a:alpha val="40000"/>
+              </a:prstClr>
+            </a:outerShdw>
+          </a:effectLst>
+        </p:spPr>
+        <p:style>
+          <a:lnRef idx="1">
+            <a:schemeClr val="accent1"/>
+          </a:lnRef>
+          <a:fillRef idx="0">
+            <a:schemeClr val="accent1"/>
+          </a:fillRef>
+          <a:effectRef idx="0">
+            <a:schemeClr val="accent1"/>
+          </a:effectRef>
+          <a:fontRef idx="minor">
+            <a:schemeClr val="tx1"/>
+          </a:fontRef>
+        </p:style>
+      </p:cxnSp>
+      <p:cxnSp>
+        <p:nvCxnSpPr>
+          <p:cNvPr id="18" name="직선 연결선 17">
+            <a:extLst>
+              <a:ext uri="{FF2B5EF4-FFF2-40B4-BE49-F238E27FC236}">
+                <a16:creationId xmlns:a16="http://schemas.microsoft.com/office/drawing/2014/main" id="{A5EBB07B-7E65-43F9-8D1A-5F7A345B63EB}"/>
+              </a:ext>
+            </a:extLst>
+          </p:cNvPr>
+          <p:cNvCxnSpPr/>
+          <p:nvPr/>
+        </p:nvCxnSpPr>
+        <p:spPr>
+          <a:xfrm>
+            <a:off x="11286026" y="144941"/>
+            <a:ext cx="360000" cy="0"/>
+          </a:xfrm>
+          <a:prstGeom prst="line">
+            <a:avLst/>
+          </a:prstGeom>
+          <a:ln w="44450" cap="rnd">
+            <a:solidFill>
+              <a:schemeClr val="bg2">
+                <a:lumMod val="90000"/>
+              </a:schemeClr>
+            </a:solidFill>
+          </a:ln>
+          <a:effectLst>
+            <a:outerShdw blurRad="50800" dist="38100" dir="5400000" algn="t" rotWithShape="0">
+              <a:prstClr val="black">
+                <a:alpha val="40000"/>
+              </a:prstClr>
+            </a:outerShdw>
+          </a:effectLst>
+        </p:spPr>
+        <p:style>
+          <a:lnRef idx="1">
+            <a:schemeClr val="accent1"/>
+          </a:lnRef>
+          <a:fillRef idx="0">
+            <a:schemeClr val="accent1"/>
+          </a:fillRef>
+          <a:effectRef idx="0">
+            <a:schemeClr val="accent1"/>
+          </a:effectRef>
+          <a:fontRef idx="minor">
+            <a:schemeClr val="tx1"/>
+          </a:fontRef>
+        </p:style>
+      </p:cxnSp>
+      <p:cxnSp>
+        <p:nvCxnSpPr>
+          <p:cNvPr id="19" name="직선 연결선 18">
+            <a:extLst>
+              <a:ext uri="{FF2B5EF4-FFF2-40B4-BE49-F238E27FC236}">
+                <a16:creationId xmlns:a16="http://schemas.microsoft.com/office/drawing/2014/main" id="{3337B726-A515-4F67-90E6-D9501BDE392B}"/>
+              </a:ext>
+            </a:extLst>
+          </p:cNvPr>
+          <p:cNvCxnSpPr/>
+          <p:nvPr/>
+        </p:nvCxnSpPr>
+        <p:spPr>
+          <a:xfrm>
+            <a:off x="11713592" y="144941"/>
+            <a:ext cx="360000" cy="0"/>
+          </a:xfrm>
+          <a:prstGeom prst="line">
+            <a:avLst/>
+          </a:prstGeom>
+          <a:ln w="44450" cap="rnd">
+            <a:solidFill>
+              <a:srgbClr val="8DBABD"/>
+            </a:solidFill>
+          </a:ln>
+          <a:effectLst>
+            <a:outerShdw blurRad="50800" dist="38100" dir="5400000" algn="t" rotWithShape="0">
+              <a:prstClr val="black">
+                <a:alpha val="40000"/>
+              </a:prstClr>
+            </a:outerShdw>
+          </a:effectLst>
+        </p:spPr>
+        <p:style>
+          <a:lnRef idx="1">
+            <a:schemeClr val="accent1"/>
+          </a:lnRef>
+          <a:fillRef idx="0">
+            <a:schemeClr val="accent1"/>
+          </a:fillRef>
+          <a:effectRef idx="0">
+            <a:schemeClr val="accent1"/>
+          </a:effectRef>
+          <a:fontRef idx="minor">
+            <a:schemeClr val="tx1"/>
+          </a:fontRef>
+        </p:style>
+      </p:cxnSp>
       <p:pic>
         <p:nvPicPr>
           <p:cNvPr id="2" name="그림 1">
@@ -11529,7 +11950,7 @@
 </p:sld>
 </file>
 
-<file path=ppt/slides/slide28.xml><?xml version="1.0" encoding="utf-8"?>
+<file path=ppt/slides/slide29.xml><?xml version="1.0" encoding="utf-8"?>
 <p:sld xmlns:a="http://schemas.openxmlformats.org/drawingml/2006/main" xmlns:r="http://schemas.openxmlformats.org/officeDocument/2006/relationships" xmlns:p="http://schemas.openxmlformats.org/presentationml/2006/main">
   <p:cSld>
     <p:spTree>
